--- a/presentation/DS Project presentation.pptx
+++ b/presentation/DS Project presentation.pptx
@@ -1,47 +1,54 @@
 
 <file path=ppt/presentation.xml><?xml version="1.0" encoding="utf-8"?>
-<p:presentation xmlns:a="http://schemas.openxmlformats.org/drawingml/2006/main" xmlns:r="http://schemas.openxmlformats.org/officeDocument/2006/relationships" xmlns:mc="http://schemas.openxmlformats.org/markup-compatibility/2006" xmlns:mv="urn:schemas-microsoft-com:mac:vml" xmlns:p="http://schemas.openxmlformats.org/presentationml/2006/main" xmlns:c="http://schemas.openxmlformats.org/drawingml/2006/chart" xmlns:dgm="http://schemas.openxmlformats.org/drawingml/2006/diagram" xmlns:o="urn:schemas-microsoft-com:office:office" xmlns:v="urn:schemas-microsoft-com:vml" xmlns:pvml="urn:schemas-microsoft-com:office:powerpoint" xmlns:com="http://schemas.openxmlformats.org/drawingml/2006/compatibility" xmlns:p14="http://schemas.microsoft.com/office/powerpoint/2010/main" xmlns:p15="http://schemas.microsoft.com/office/powerpoint/2012/main" xmlns:ahyp="http://schemas.microsoft.com/office/drawing/2018/hyperlinkcolor" autoCompressPictures="0" embedTrueTypeFonts="1" strictFirstAndLastChars="0" saveSubsetFonts="1">
+<p:presentation xmlns:a="http://schemas.openxmlformats.org/drawingml/2006/main" xmlns:r="http://schemas.openxmlformats.org/officeDocument/2006/relationships" xmlns:p="http://schemas.openxmlformats.org/presentationml/2006/main" strictFirstAndLastChars="0" embedTrueTypeFonts="1" saveSubsetFonts="1" autoCompressPictures="0">
   <p:sldMasterIdLst>
-    <p:sldMasterId id="2147483659" r:id="rId4"/>
+    <p:sldMasterId id="2147483659" r:id="rId1"/>
   </p:sldMasterIdLst>
   <p:notesMasterIdLst>
-    <p:notesMasterId r:id="rId5"/>
+    <p:notesMasterId r:id="rId8"/>
   </p:notesMasterIdLst>
   <p:sldIdLst>
-    <p:sldId id="256" r:id="rId6"/>
-    <p:sldId id="257" r:id="rId7"/>
-    <p:sldId id="258" r:id="rId8"/>
-    <p:sldId id="259" r:id="rId9"/>
-    <p:sldId id="260" r:id="rId10"/>
-    <p:sldId id="261" r:id="rId11"/>
+    <p:sldId id="256" r:id="rId2"/>
+    <p:sldId id="257" r:id="rId3"/>
+    <p:sldId id="258" r:id="rId4"/>
+    <p:sldId id="259" r:id="rId5"/>
+    <p:sldId id="260" r:id="rId6"/>
+    <p:sldId id="261" r:id="rId7"/>
   </p:sldIdLst>
-  <p:sldSz cy="5143500" cx="9144000"/>
+  <p:sldSz cx="9144000" cy="5143500" type="screen16x9"/>
   <p:notesSz cx="6858000" cy="9144000"/>
   <p:embeddedFontLst>
     <p:embeddedFont>
-      <p:font typeface="Roboto"/>
-      <p:regular r:id="rId12"/>
-      <p:bold r:id="rId13"/>
-      <p:italic r:id="rId14"/>
-      <p:boldItalic r:id="rId15"/>
+      <p:font typeface="Calibri" panose="020F0502020204030204" pitchFamily="34" charset="0"/>
+      <p:regular r:id="rId9"/>
+      <p:bold r:id="rId10"/>
+      <p:italic r:id="rId11"/>
+      <p:boldItalic r:id="rId12"/>
     </p:embeddedFont>
     <p:embeddedFont>
-      <p:font typeface="Roboto Medium"/>
-      <p:regular r:id="rId16"/>
-      <p:bold r:id="rId17"/>
-      <p:italic r:id="rId18"/>
-      <p:boldItalic r:id="rId19"/>
+      <p:font typeface="Roboto" panose="02000000000000000000" pitchFamily="2" charset="0"/>
+      <p:regular r:id="rId13"/>
+      <p:bold r:id="rId14"/>
+      <p:italic r:id="rId15"/>
+      <p:boldItalic r:id="rId16"/>
     </p:embeddedFont>
     <p:embeddedFont>
-      <p:font typeface="Roboto Light"/>
-      <p:regular r:id="rId20"/>
-      <p:bold r:id="rId21"/>
-      <p:italic r:id="rId22"/>
-      <p:boldItalic r:id="rId23"/>
+      <p:font typeface="Roboto Light" panose="02000000000000000000" pitchFamily="2" charset="0"/>
+      <p:regular r:id="rId17"/>
+      <p:bold r:id="rId18"/>
+      <p:italic r:id="rId19"/>
+      <p:boldItalic r:id="rId20"/>
+    </p:embeddedFont>
+    <p:embeddedFont>
+      <p:font typeface="Roboto Medium" panose="02000000000000000000" pitchFamily="2" charset="0"/>
+      <p:regular r:id="rId21"/>
+      <p:bold r:id="rId22"/>
+      <p:italic r:id="rId23"/>
+      <p:boldItalic r:id="rId24"/>
     </p:embeddedFont>
   </p:embeddedFontLst>
   <p:defaultTextStyle>
-    <a:defPPr lvl="0" marR="0" rtl="0" algn="l">
+    <a:defPPr marR="0" lvl="0" algn="l" rtl="0">
       <a:lnSpc>
         <a:spcPct val="100000"/>
       </a:lnSpc>
@@ -52,7 +59,7 @@
         <a:spcPts val="0"/>
       </a:spcAft>
     </a:defPPr>
-    <a:lvl1pPr lvl="0" marR="0" rtl="0" algn="l">
+    <a:lvl1pPr marR="0" lvl="0" algn="l" rtl="0">
       <a:lnSpc>
         <a:spcPct val="100000"/>
       </a:lnSpc>
@@ -66,7 +73,7 @@
         <a:srgbClr val="000000"/>
       </a:buClr>
       <a:buFont typeface="Arial"/>
-      <a:defRPr b="0" i="0" sz="1400" u="none" cap="none" strike="noStrike">
+      <a:defRPr sz="1400" b="0" i="0" u="none" strike="noStrike" cap="none">
         <a:solidFill>
           <a:srgbClr val="000000"/>
         </a:solidFill>
@@ -76,7 +83,7 @@
         <a:sym typeface="Arial"/>
       </a:defRPr>
     </a:lvl1pPr>
-    <a:lvl2pPr lvl="1" marR="0" rtl="0" algn="l">
+    <a:lvl2pPr marR="0" lvl="1" algn="l" rtl="0">
       <a:lnSpc>
         <a:spcPct val="100000"/>
       </a:lnSpc>
@@ -90,7 +97,7 @@
         <a:srgbClr val="000000"/>
       </a:buClr>
       <a:buFont typeface="Arial"/>
-      <a:defRPr b="0" i="0" sz="1400" u="none" cap="none" strike="noStrike">
+      <a:defRPr sz="1400" b="0" i="0" u="none" strike="noStrike" cap="none">
         <a:solidFill>
           <a:srgbClr val="000000"/>
         </a:solidFill>
@@ -100,7 +107,7 @@
         <a:sym typeface="Arial"/>
       </a:defRPr>
     </a:lvl2pPr>
-    <a:lvl3pPr lvl="2" marR="0" rtl="0" algn="l">
+    <a:lvl3pPr marR="0" lvl="2" algn="l" rtl="0">
       <a:lnSpc>
         <a:spcPct val="100000"/>
       </a:lnSpc>
@@ -114,7 +121,7 @@
         <a:srgbClr val="000000"/>
       </a:buClr>
       <a:buFont typeface="Arial"/>
-      <a:defRPr b="0" i="0" sz="1400" u="none" cap="none" strike="noStrike">
+      <a:defRPr sz="1400" b="0" i="0" u="none" strike="noStrike" cap="none">
         <a:solidFill>
           <a:srgbClr val="000000"/>
         </a:solidFill>
@@ -124,7 +131,7 @@
         <a:sym typeface="Arial"/>
       </a:defRPr>
     </a:lvl3pPr>
-    <a:lvl4pPr lvl="3" marR="0" rtl="0" algn="l">
+    <a:lvl4pPr marR="0" lvl="3" algn="l" rtl="0">
       <a:lnSpc>
         <a:spcPct val="100000"/>
       </a:lnSpc>
@@ -138,7 +145,7 @@
         <a:srgbClr val="000000"/>
       </a:buClr>
       <a:buFont typeface="Arial"/>
-      <a:defRPr b="0" i="0" sz="1400" u="none" cap="none" strike="noStrike">
+      <a:defRPr sz="1400" b="0" i="0" u="none" strike="noStrike" cap="none">
         <a:solidFill>
           <a:srgbClr val="000000"/>
         </a:solidFill>
@@ -148,7 +155,7 @@
         <a:sym typeface="Arial"/>
       </a:defRPr>
     </a:lvl4pPr>
-    <a:lvl5pPr lvl="4" marR="0" rtl="0" algn="l">
+    <a:lvl5pPr marR="0" lvl="4" algn="l" rtl="0">
       <a:lnSpc>
         <a:spcPct val="100000"/>
       </a:lnSpc>
@@ -162,7 +169,7 @@
         <a:srgbClr val="000000"/>
       </a:buClr>
       <a:buFont typeface="Arial"/>
-      <a:defRPr b="0" i="0" sz="1400" u="none" cap="none" strike="noStrike">
+      <a:defRPr sz="1400" b="0" i="0" u="none" strike="noStrike" cap="none">
         <a:solidFill>
           <a:srgbClr val="000000"/>
         </a:solidFill>
@@ -172,7 +179,7 @@
         <a:sym typeface="Arial"/>
       </a:defRPr>
     </a:lvl5pPr>
-    <a:lvl6pPr lvl="5" marR="0" rtl="0" algn="l">
+    <a:lvl6pPr marR="0" lvl="5" algn="l" rtl="0">
       <a:lnSpc>
         <a:spcPct val="100000"/>
       </a:lnSpc>
@@ -186,7 +193,7 @@
         <a:srgbClr val="000000"/>
       </a:buClr>
       <a:buFont typeface="Arial"/>
-      <a:defRPr b="0" i="0" sz="1400" u="none" cap="none" strike="noStrike">
+      <a:defRPr sz="1400" b="0" i="0" u="none" strike="noStrike" cap="none">
         <a:solidFill>
           <a:srgbClr val="000000"/>
         </a:solidFill>
@@ -196,7 +203,7 @@
         <a:sym typeface="Arial"/>
       </a:defRPr>
     </a:lvl6pPr>
-    <a:lvl7pPr lvl="6" marR="0" rtl="0" algn="l">
+    <a:lvl7pPr marR="0" lvl="6" algn="l" rtl="0">
       <a:lnSpc>
         <a:spcPct val="100000"/>
       </a:lnSpc>
@@ -210,7 +217,7 @@
         <a:srgbClr val="000000"/>
       </a:buClr>
       <a:buFont typeface="Arial"/>
-      <a:defRPr b="0" i="0" sz="1400" u="none" cap="none" strike="noStrike">
+      <a:defRPr sz="1400" b="0" i="0" u="none" strike="noStrike" cap="none">
         <a:solidFill>
           <a:srgbClr val="000000"/>
         </a:solidFill>
@@ -220,7 +227,7 @@
         <a:sym typeface="Arial"/>
       </a:defRPr>
     </a:lvl7pPr>
-    <a:lvl8pPr lvl="7" marR="0" rtl="0" algn="l">
+    <a:lvl8pPr marR="0" lvl="7" algn="l" rtl="0">
       <a:lnSpc>
         <a:spcPct val="100000"/>
       </a:lnSpc>
@@ -234,7 +241,7 @@
         <a:srgbClr val="000000"/>
       </a:buClr>
       <a:buFont typeface="Arial"/>
-      <a:defRPr b="0" i="0" sz="1400" u="none" cap="none" strike="noStrike">
+      <a:defRPr sz="1400" b="0" i="0" u="none" strike="noStrike" cap="none">
         <a:solidFill>
           <a:srgbClr val="000000"/>
         </a:solidFill>
@@ -244,7 +251,7 @@
         <a:sym typeface="Arial"/>
       </a:defRPr>
     </a:lvl8pPr>
-    <a:lvl9pPr lvl="8" marR="0" rtl="0" algn="l">
+    <a:lvl9pPr marR="0" lvl="8" algn="l" rtl="0">
       <a:lnSpc>
         <a:spcPct val="100000"/>
       </a:lnSpc>
@@ -258,7 +265,7 @@
         <a:srgbClr val="000000"/>
       </a:buClr>
       <a:buFont typeface="Arial"/>
-      <a:defRPr b="0" i="0" sz="1400" u="none" cap="none" strike="noStrike">
+      <a:defRPr sz="1400" b="0" i="0" u="none" strike="noStrike" cap="none">
         <a:solidFill>
           <a:srgbClr val="000000"/>
         </a:solidFill>
@@ -271,7 +278,7 @@
   </p:defaultTextStyle>
   <p:extLst>
     <p:ext uri="{EFAFB233-063F-42B5-8137-9DF3F51BA10A}">
-      <p15:sldGuideLst>
+      <p15:sldGuideLst xmlns:p15="http://schemas.microsoft.com/office/powerpoint/2012/main">
         <p15:guide id="1" orient="horz" pos="1620">
           <p15:clr>
             <a:srgbClr val="747775"/>
@@ -289,11 +296,16 @@
 </file>
 
 <file path=ppt/notesMasters/notesMaster1.xml><?xml version="1.0" encoding="utf-8"?>
-<p:notesMaster xmlns:a="http://schemas.openxmlformats.org/drawingml/2006/main" xmlns:r="http://schemas.openxmlformats.org/officeDocument/2006/relationships" xmlns:mc="http://schemas.openxmlformats.org/markup-compatibility/2006" xmlns:mv="urn:schemas-microsoft-com:mac:vml" xmlns:p="http://schemas.openxmlformats.org/presentationml/2006/main" xmlns:c="http://schemas.openxmlformats.org/drawingml/2006/chart" xmlns:dgm="http://schemas.openxmlformats.org/drawingml/2006/diagram" xmlns:o="urn:schemas-microsoft-com:office:office" xmlns:v="urn:schemas-microsoft-com:vml" xmlns:pvml="urn:schemas-microsoft-com:office:powerpoint" xmlns:com="http://schemas.openxmlformats.org/drawingml/2006/compatibility" xmlns:p14="http://schemas.microsoft.com/office/powerpoint/2010/main" xmlns:p15="http://schemas.microsoft.com/office/powerpoint/2012/main" xmlns:ahyp="http://schemas.microsoft.com/office/drawing/2018/hyperlinkcolor">
+<p:notesMaster xmlns:a="http://schemas.openxmlformats.org/drawingml/2006/main" xmlns:r="http://schemas.openxmlformats.org/officeDocument/2006/relationships" xmlns:p="http://schemas.openxmlformats.org/presentationml/2006/main">
   <p:cSld>
+    <p:bg>
+      <p:bgRef idx="1001">
+        <a:schemeClr val="bg1"/>
+      </p:bgRef>
+    </p:bg>
     <p:spTree>
       <p:nvGrpSpPr>
-        <p:cNvPr id="2" name="Shape 2"/>
+        <p:cNvPr id="1" name="Shape 2"/>
         <p:cNvGrpSpPr/>
         <p:nvPr/>
       </p:nvGrpSpPr>
@@ -308,9 +320,11 @@
       <p:sp>
         <p:nvSpPr>
           <p:cNvPr id="3" name="Google Shape;3;n"/>
-          <p:cNvSpPr/>
+          <p:cNvSpPr>
+            <a:spLocks noGrp="1" noRot="1" noChangeAspect="1"/>
+          </p:cNvSpPr>
           <p:nvPr>
-            <p:ph idx="2" type="sldImg"/>
+            <p:ph type="sldImg" idx="2"/>
           </p:nvPr>
         </p:nvSpPr>
         <p:spPr>
@@ -319,9 +333,13 @@
             <a:ext cx="6096075" cy="3429000"/>
           </a:xfrm>
           <a:custGeom>
-            <a:rect b="b" l="l" r="r" t="t"/>
+            <a:avLst/>
+            <a:gdLst/>
+            <a:ahLst/>
+            <a:cxnLst/>
+            <a:rect l="l" t="t" r="r" b="b"/>
             <a:pathLst>
-              <a:path extrusionOk="0" h="120000" w="120000">
+              <a:path w="120000" h="120000" extrusionOk="0">
                 <a:moveTo>
                   <a:pt x="0" y="0"/>
                 </a:moveTo>
@@ -339,23 +357,25 @@
             </a:pathLst>
           </a:custGeom>
           <a:noFill/>
-          <a:ln cap="flat" cmpd="sng" w="9525">
+          <a:ln w="9525" cap="flat" cmpd="sng">
             <a:solidFill>
               <a:srgbClr val="000000"/>
             </a:solidFill>
             <a:prstDash val="solid"/>
             <a:round/>
-            <a:headEnd len="sm" w="sm" type="none"/>
-            <a:tailEnd len="sm" w="sm" type="none"/>
+            <a:headEnd type="none" w="sm" len="sm"/>
+            <a:tailEnd type="none" w="sm" len="sm"/>
           </a:ln>
         </p:spPr>
       </p:sp>
       <p:sp>
         <p:nvSpPr>
           <p:cNvPr id="4" name="Google Shape;4;n"/>
-          <p:cNvSpPr txBox="1"/>
+          <p:cNvSpPr txBox="1">
+            <a:spLocks noGrp="1"/>
+          </p:cNvSpPr>
           <p:nvPr>
-            <p:ph idx="1" type="body"/>
+            <p:ph type="body" idx="1"/>
           </p:nvPr>
         </p:nvSpPr>
         <p:spPr>
@@ -372,11 +392,11 @@
           </a:ln>
         </p:spPr>
         <p:txBody>
-          <a:bodyPr anchorCtr="0" anchor="t" bIns="91425" lIns="91425" spcFirstLastPara="1" rIns="91425" wrap="square" tIns="91425">
+          <a:bodyPr spcFirstLastPara="1" wrap="square" lIns="91425" tIns="91425" rIns="91425" bIns="91425" anchor="t" anchorCtr="0">
             <a:noAutofit/>
           </a:bodyPr>
           <a:lstStyle>
-            <a:lvl1pPr indent="-298450" lvl="0" marL="457200">
+            <a:lvl1pPr marL="457200" lvl="0" indent="-298450">
               <a:spcBef>
                 <a:spcPts val="0"/>
               </a:spcBef>
@@ -387,7 +407,7 @@
               <a:buChar char="●"/>
               <a:defRPr sz="1100"/>
             </a:lvl1pPr>
-            <a:lvl2pPr indent="-298450" lvl="1" marL="914400">
+            <a:lvl2pPr marL="914400" lvl="1" indent="-298450">
               <a:spcBef>
                 <a:spcPts val="0"/>
               </a:spcBef>
@@ -398,7 +418,7 @@
               <a:buChar char="○"/>
               <a:defRPr sz="1100"/>
             </a:lvl2pPr>
-            <a:lvl3pPr indent="-298450" lvl="2" marL="1371600">
+            <a:lvl3pPr marL="1371600" lvl="2" indent="-298450">
               <a:spcBef>
                 <a:spcPts val="0"/>
               </a:spcBef>
@@ -409,7 +429,7 @@
               <a:buChar char="■"/>
               <a:defRPr sz="1100"/>
             </a:lvl3pPr>
-            <a:lvl4pPr indent="-298450" lvl="3" marL="1828800">
+            <a:lvl4pPr marL="1828800" lvl="3" indent="-298450">
               <a:spcBef>
                 <a:spcPts val="0"/>
               </a:spcBef>
@@ -420,7 +440,7 @@
               <a:buChar char="●"/>
               <a:defRPr sz="1100"/>
             </a:lvl4pPr>
-            <a:lvl5pPr indent="-298450" lvl="4" marL="2286000">
+            <a:lvl5pPr marL="2286000" lvl="4" indent="-298450">
               <a:spcBef>
                 <a:spcPts val="0"/>
               </a:spcBef>
@@ -431,7 +451,7 @@
               <a:buChar char="○"/>
               <a:defRPr sz="1100"/>
             </a:lvl5pPr>
-            <a:lvl6pPr indent="-298450" lvl="5" marL="2743200">
+            <a:lvl6pPr marL="2743200" lvl="5" indent="-298450">
               <a:spcBef>
                 <a:spcPts val="0"/>
               </a:spcBef>
@@ -442,7 +462,7 @@
               <a:buChar char="■"/>
               <a:defRPr sz="1100"/>
             </a:lvl6pPr>
-            <a:lvl7pPr indent="-298450" lvl="6" marL="3200400">
+            <a:lvl7pPr marL="3200400" lvl="6" indent="-298450">
               <a:spcBef>
                 <a:spcPts val="0"/>
               </a:spcBef>
@@ -453,7 +473,7 @@
               <a:buChar char="●"/>
               <a:defRPr sz="1100"/>
             </a:lvl7pPr>
-            <a:lvl8pPr indent="-298450" lvl="7" marL="3657600">
+            <a:lvl8pPr marL="3657600" lvl="7" indent="-298450">
               <a:spcBef>
                 <a:spcPts val="0"/>
               </a:spcBef>
@@ -464,7 +484,7 @@
               <a:buChar char="○"/>
               <a:defRPr sz="1100"/>
             </a:lvl8pPr>
-            <a:lvl9pPr indent="-298450" lvl="8" marL="4114800">
+            <a:lvl9pPr marL="4114800" lvl="8" indent="-298450">
               <a:spcBef>
                 <a:spcPts val="0"/>
               </a:spcBef>
@@ -476,14 +496,16 @@
               <a:defRPr sz="1100"/>
             </a:lvl9pPr>
           </a:lstStyle>
-          <a:p/>
+          <a:p>
+            <a:endParaRPr/>
+          </a:p>
         </p:txBody>
       </p:sp>
     </p:spTree>
   </p:cSld>
-  <p:clrMap accent1="accent1" accent2="accent2" accent3="accent3" accent4="accent4" accent5="accent5" accent6="accent6" bg1="lt1" bg2="dk2" tx1="dk1" tx2="lt2" folHlink="folHlink" hlink="hlink"/>
+  <p:clrMap bg1="lt1" tx1="dk1" bg2="dk2" tx2="lt2" accent1="accent1" accent2="accent2" accent3="accent3" accent4="accent4" accent5="accent5" accent6="accent6" hlink="hlink" folHlink="folHlink"/>
   <p:notesStyle>
-    <a:defPPr lvl="0" marR="0" rtl="0" algn="l">
+    <a:defPPr marR="0" lvl="0" algn="l" rtl="0">
       <a:lnSpc>
         <a:spcPct val="100000"/>
       </a:lnSpc>
@@ -494,7 +516,7 @@
         <a:spcPts val="0"/>
       </a:spcAft>
     </a:defPPr>
-    <a:lvl1pPr lvl="0" marR="0" rtl="0" algn="l">
+    <a:lvl1pPr marR="0" lvl="0" algn="l" rtl="0">
       <a:lnSpc>
         <a:spcPct val="100000"/>
       </a:lnSpc>
@@ -508,7 +530,7 @@
         <a:srgbClr val="000000"/>
       </a:buClr>
       <a:buFont typeface="Arial"/>
-      <a:defRPr b="0" i="0" sz="1400" u="none" cap="none" strike="noStrike">
+      <a:defRPr sz="1400" b="0" i="0" u="none" strike="noStrike" cap="none">
         <a:solidFill>
           <a:srgbClr val="000000"/>
         </a:solidFill>
@@ -518,7 +540,7 @@
         <a:sym typeface="Arial"/>
       </a:defRPr>
     </a:lvl1pPr>
-    <a:lvl2pPr lvl="1" marR="0" rtl="0" algn="l">
+    <a:lvl2pPr marR="0" lvl="1" algn="l" rtl="0">
       <a:lnSpc>
         <a:spcPct val="100000"/>
       </a:lnSpc>
@@ -532,7 +554,7 @@
         <a:srgbClr val="000000"/>
       </a:buClr>
       <a:buFont typeface="Arial"/>
-      <a:defRPr b="0" i="0" sz="1400" u="none" cap="none" strike="noStrike">
+      <a:defRPr sz="1400" b="0" i="0" u="none" strike="noStrike" cap="none">
         <a:solidFill>
           <a:srgbClr val="000000"/>
         </a:solidFill>
@@ -542,7 +564,7 @@
         <a:sym typeface="Arial"/>
       </a:defRPr>
     </a:lvl2pPr>
-    <a:lvl3pPr lvl="2" marR="0" rtl="0" algn="l">
+    <a:lvl3pPr marR="0" lvl="2" algn="l" rtl="0">
       <a:lnSpc>
         <a:spcPct val="100000"/>
       </a:lnSpc>
@@ -556,7 +578,7 @@
         <a:srgbClr val="000000"/>
       </a:buClr>
       <a:buFont typeface="Arial"/>
-      <a:defRPr b="0" i="0" sz="1400" u="none" cap="none" strike="noStrike">
+      <a:defRPr sz="1400" b="0" i="0" u="none" strike="noStrike" cap="none">
         <a:solidFill>
           <a:srgbClr val="000000"/>
         </a:solidFill>
@@ -566,7 +588,7 @@
         <a:sym typeface="Arial"/>
       </a:defRPr>
     </a:lvl3pPr>
-    <a:lvl4pPr lvl="3" marR="0" rtl="0" algn="l">
+    <a:lvl4pPr marR="0" lvl="3" algn="l" rtl="0">
       <a:lnSpc>
         <a:spcPct val="100000"/>
       </a:lnSpc>
@@ -580,7 +602,7 @@
         <a:srgbClr val="000000"/>
       </a:buClr>
       <a:buFont typeface="Arial"/>
-      <a:defRPr b="0" i="0" sz="1400" u="none" cap="none" strike="noStrike">
+      <a:defRPr sz="1400" b="0" i="0" u="none" strike="noStrike" cap="none">
         <a:solidFill>
           <a:srgbClr val="000000"/>
         </a:solidFill>
@@ -590,7 +612,7 @@
         <a:sym typeface="Arial"/>
       </a:defRPr>
     </a:lvl4pPr>
-    <a:lvl5pPr lvl="4" marR="0" rtl="0" algn="l">
+    <a:lvl5pPr marR="0" lvl="4" algn="l" rtl="0">
       <a:lnSpc>
         <a:spcPct val="100000"/>
       </a:lnSpc>
@@ -604,7 +626,7 @@
         <a:srgbClr val="000000"/>
       </a:buClr>
       <a:buFont typeface="Arial"/>
-      <a:defRPr b="0" i="0" sz="1400" u="none" cap="none" strike="noStrike">
+      <a:defRPr sz="1400" b="0" i="0" u="none" strike="noStrike" cap="none">
         <a:solidFill>
           <a:srgbClr val="000000"/>
         </a:solidFill>
@@ -614,7 +636,7 @@
         <a:sym typeface="Arial"/>
       </a:defRPr>
     </a:lvl5pPr>
-    <a:lvl6pPr lvl="5" marR="0" rtl="0" algn="l">
+    <a:lvl6pPr marR="0" lvl="5" algn="l" rtl="0">
       <a:lnSpc>
         <a:spcPct val="100000"/>
       </a:lnSpc>
@@ -628,7 +650,7 @@
         <a:srgbClr val="000000"/>
       </a:buClr>
       <a:buFont typeface="Arial"/>
-      <a:defRPr b="0" i="0" sz="1400" u="none" cap="none" strike="noStrike">
+      <a:defRPr sz="1400" b="0" i="0" u="none" strike="noStrike" cap="none">
         <a:solidFill>
           <a:srgbClr val="000000"/>
         </a:solidFill>
@@ -638,7 +660,7 @@
         <a:sym typeface="Arial"/>
       </a:defRPr>
     </a:lvl6pPr>
-    <a:lvl7pPr lvl="6" marR="0" rtl="0" algn="l">
+    <a:lvl7pPr marR="0" lvl="6" algn="l" rtl="0">
       <a:lnSpc>
         <a:spcPct val="100000"/>
       </a:lnSpc>
@@ -652,7 +674,7 @@
         <a:srgbClr val="000000"/>
       </a:buClr>
       <a:buFont typeface="Arial"/>
-      <a:defRPr b="0" i="0" sz="1400" u="none" cap="none" strike="noStrike">
+      <a:defRPr sz="1400" b="0" i="0" u="none" strike="noStrike" cap="none">
         <a:solidFill>
           <a:srgbClr val="000000"/>
         </a:solidFill>
@@ -662,7 +684,7 @@
         <a:sym typeface="Arial"/>
       </a:defRPr>
     </a:lvl7pPr>
-    <a:lvl8pPr lvl="7" marR="0" rtl="0" algn="l">
+    <a:lvl8pPr marR="0" lvl="7" algn="l" rtl="0">
       <a:lnSpc>
         <a:spcPct val="100000"/>
       </a:lnSpc>
@@ -676,7 +698,7 @@
         <a:srgbClr val="000000"/>
       </a:buClr>
       <a:buFont typeface="Arial"/>
-      <a:defRPr b="0" i="0" sz="1400" u="none" cap="none" strike="noStrike">
+      <a:defRPr sz="1400" b="0" i="0" u="none" strike="noStrike" cap="none">
         <a:solidFill>
           <a:srgbClr val="000000"/>
         </a:solidFill>
@@ -686,7 +708,7 @@
         <a:sym typeface="Arial"/>
       </a:defRPr>
     </a:lvl8pPr>
-    <a:lvl9pPr lvl="8" marR="0" rtl="0" algn="l">
+    <a:lvl9pPr marR="0" lvl="8" algn="l" rtl="0">
       <a:lnSpc>
         <a:spcPct val="100000"/>
       </a:lnSpc>
@@ -700,7 +722,7 @@
         <a:srgbClr val="000000"/>
       </a:buClr>
       <a:buFont typeface="Arial"/>
-      <a:defRPr b="0" i="0" sz="1400" u="none" cap="none" strike="noStrike">
+      <a:defRPr sz="1400" b="0" i="0" u="none" strike="noStrike" cap="none">
         <a:solidFill>
           <a:srgbClr val="000000"/>
         </a:solidFill>
@@ -715,11 +737,11 @@
 </file>
 
 <file path=ppt/notesSlides/notesSlide1.xml><?xml version="1.0" encoding="utf-8"?>
-<p:notes xmlns:a="http://schemas.openxmlformats.org/drawingml/2006/main" xmlns:r="http://schemas.openxmlformats.org/officeDocument/2006/relationships" xmlns:mc="http://schemas.openxmlformats.org/markup-compatibility/2006" xmlns:mv="urn:schemas-microsoft-com:mac:vml" xmlns:p="http://schemas.openxmlformats.org/presentationml/2006/main" xmlns:c="http://schemas.openxmlformats.org/drawingml/2006/chart" xmlns:dgm="http://schemas.openxmlformats.org/drawingml/2006/diagram" xmlns:o="urn:schemas-microsoft-com:office:office" xmlns:v="urn:schemas-microsoft-com:vml" xmlns:pvml="urn:schemas-microsoft-com:office:powerpoint" xmlns:com="http://schemas.openxmlformats.org/drawingml/2006/compatibility" xmlns:p14="http://schemas.microsoft.com/office/powerpoint/2010/main" xmlns:p15="http://schemas.microsoft.com/office/powerpoint/2012/main" xmlns:ahyp="http://schemas.microsoft.com/office/drawing/2018/hyperlinkcolor" showMasterPhAnim="0" showMasterSp="0">
+<p:notes xmlns:a="http://schemas.openxmlformats.org/drawingml/2006/main" xmlns:r="http://schemas.openxmlformats.org/officeDocument/2006/relationships" xmlns:p="http://schemas.openxmlformats.org/presentationml/2006/main" showMasterSp="0" showMasterPhAnim="0">
   <p:cSld>
     <p:spTree>
       <p:nvGrpSpPr>
-        <p:cNvPr id="50" name="Shape 50"/>
+        <p:cNvPr id="1" name="Shape 50"/>
         <p:cNvGrpSpPr/>
         <p:nvPr/>
       </p:nvGrpSpPr>
@@ -734,9 +756,11 @@
       <p:sp>
         <p:nvSpPr>
           <p:cNvPr id="51" name="Google Shape;51;p:notes"/>
-          <p:cNvSpPr/>
+          <p:cNvSpPr>
+            <a:spLocks noGrp="1" noRot="1" noChangeAspect="1"/>
+          </p:cNvSpPr>
           <p:nvPr>
-            <p:ph idx="2" type="sldImg"/>
+            <p:ph type="sldImg" idx="2"/>
           </p:nvPr>
         </p:nvSpPr>
         <p:spPr>
@@ -745,9 +769,13 @@
             <a:ext cx="6096075" cy="3429000"/>
           </a:xfrm>
           <a:custGeom>
-            <a:rect b="b" l="l" r="r" t="t"/>
+            <a:avLst/>
+            <a:gdLst/>
+            <a:ahLst/>
+            <a:cxnLst/>
+            <a:rect l="l" t="t" r="r" b="b"/>
             <a:pathLst>
-              <a:path extrusionOk="0" h="120000" w="120000">
+              <a:path w="120000" h="120000" extrusionOk="0">
                 <a:moveTo>
                   <a:pt x="0" y="0"/>
                 </a:moveTo>
@@ -769,9 +797,11 @@
       <p:sp>
         <p:nvSpPr>
           <p:cNvPr id="52" name="Google Shape;52;p:notes"/>
-          <p:cNvSpPr txBox="1"/>
+          <p:cNvSpPr txBox="1">
+            <a:spLocks noGrp="1"/>
+          </p:cNvSpPr>
           <p:nvPr>
-            <p:ph idx="1" type="body"/>
+            <p:ph type="body" idx="1"/>
           </p:nvPr>
         </p:nvSpPr>
         <p:spPr>
@@ -784,12 +814,12 @@
           </a:prstGeom>
         </p:spPr>
         <p:txBody>
-          <a:bodyPr anchorCtr="0" anchor="t" bIns="91425" lIns="91425" spcFirstLastPara="1" rIns="91425" wrap="square" tIns="91425">
+          <a:bodyPr spcFirstLastPara="1" wrap="square" lIns="91425" tIns="91425" rIns="91425" bIns="91425" anchor="t" anchorCtr="0">
             <a:noAutofit/>
           </a:bodyPr>
           <a:lstStyle/>
           <a:p>
-            <a:pPr indent="0" lvl="0" marL="0" rtl="0" algn="l">
+            <a:pPr marL="0" lvl="0" indent="0" algn="l" rtl="0">
               <a:spcBef>
                 <a:spcPts val="0"/>
               </a:spcBef>
@@ -798,9 +828,6 @@
               </a:spcAft>
               <a:buNone/>
             </a:pPr>
-            <a:r>
-              <a:t/>
-            </a:r>
             <a:endParaRPr/>
           </a:p>
         </p:txBody>
@@ -814,11 +841,11 @@
 </file>
 
 <file path=ppt/notesSlides/notesSlide2.xml><?xml version="1.0" encoding="utf-8"?>
-<p:notes xmlns:a="http://schemas.openxmlformats.org/drawingml/2006/main" xmlns:r="http://schemas.openxmlformats.org/officeDocument/2006/relationships" xmlns:mc="http://schemas.openxmlformats.org/markup-compatibility/2006" xmlns:mv="urn:schemas-microsoft-com:mac:vml" xmlns:p="http://schemas.openxmlformats.org/presentationml/2006/main" xmlns:c="http://schemas.openxmlformats.org/drawingml/2006/chart" xmlns:dgm="http://schemas.openxmlformats.org/drawingml/2006/diagram" xmlns:o="urn:schemas-microsoft-com:office:office" xmlns:v="urn:schemas-microsoft-com:vml" xmlns:pvml="urn:schemas-microsoft-com:office:powerpoint" xmlns:com="http://schemas.openxmlformats.org/drawingml/2006/compatibility" xmlns:p14="http://schemas.microsoft.com/office/powerpoint/2010/main" xmlns:p15="http://schemas.microsoft.com/office/powerpoint/2012/main" xmlns:ahyp="http://schemas.microsoft.com/office/drawing/2018/hyperlinkcolor" showMasterPhAnim="0" showMasterSp="0">
+<p:notes xmlns:a="http://schemas.openxmlformats.org/drawingml/2006/main" xmlns:r="http://schemas.openxmlformats.org/officeDocument/2006/relationships" xmlns:p="http://schemas.openxmlformats.org/presentationml/2006/main" showMasterSp="0" showMasterPhAnim="0">
   <p:cSld>
     <p:spTree>
       <p:nvGrpSpPr>
-        <p:cNvPr id="59" name="Shape 59"/>
+        <p:cNvPr id="1" name="Shape 59"/>
         <p:cNvGrpSpPr/>
         <p:nvPr/>
       </p:nvGrpSpPr>
@@ -833,20 +860,26 @@
       <p:sp>
         <p:nvSpPr>
           <p:cNvPr id="60" name="Google Shape;60;g24b87da5a50_0_0:notes"/>
-          <p:cNvSpPr/>
+          <p:cNvSpPr>
+            <a:spLocks noGrp="1" noRot="1" noChangeAspect="1"/>
+          </p:cNvSpPr>
           <p:nvPr>
-            <p:ph idx="2" type="sldImg"/>
+            <p:ph type="sldImg" idx="2"/>
           </p:nvPr>
         </p:nvSpPr>
         <p:spPr>
           <a:xfrm>
-            <a:off x="381300" y="685800"/>
+            <a:off x="381000" y="685800"/>
             <a:ext cx="6096000" cy="3429000"/>
           </a:xfrm>
           <a:custGeom>
-            <a:rect b="b" l="l" r="r" t="t"/>
+            <a:avLst/>
+            <a:gdLst/>
+            <a:ahLst/>
+            <a:cxnLst/>
+            <a:rect l="l" t="t" r="r" b="b"/>
             <a:pathLst>
-              <a:path extrusionOk="0" h="120000" w="120000">
+              <a:path w="120000" h="120000" extrusionOk="0">
                 <a:moveTo>
                   <a:pt x="0" y="0"/>
                 </a:moveTo>
@@ -868,9 +901,11 @@
       <p:sp>
         <p:nvSpPr>
           <p:cNvPr id="61" name="Google Shape;61;g24b87da5a50_0_0:notes"/>
-          <p:cNvSpPr txBox="1"/>
+          <p:cNvSpPr txBox="1">
+            <a:spLocks noGrp="1"/>
+          </p:cNvSpPr>
           <p:nvPr>
-            <p:ph idx="1" type="body"/>
+            <p:ph type="body" idx="1"/>
           </p:nvPr>
         </p:nvSpPr>
         <p:spPr>
@@ -883,24 +918,115 @@
           </a:prstGeom>
         </p:spPr>
         <p:txBody>
-          <a:bodyPr anchorCtr="0" anchor="t" bIns="91425" lIns="91425" spcFirstLastPara="1" rIns="91425" wrap="square" tIns="91425">
+          <a:bodyPr spcFirstLastPara="1" wrap="square" lIns="91425" tIns="91425" rIns="91425" bIns="91425" anchor="t" anchorCtr="0">
             <a:noAutofit/>
           </a:bodyPr>
           <a:lstStyle/>
           <a:p>
-            <a:pPr indent="0" lvl="0" marL="0" rtl="0" algn="l">
-              <a:spcBef>
-                <a:spcPts val="0"/>
-              </a:spcBef>
-              <a:spcAft>
-                <a:spcPts val="0"/>
-              </a:spcAft>
-              <a:buNone/>
+            <a:pPr>
+              <a:lnSpc>
+                <a:spcPct val="107000"/>
+              </a:lnSpc>
+              <a:spcAft>
+                <a:spcPts val="800"/>
+              </a:spcAft>
             </a:pPr>
             <a:r>
-              <a:t/>
+              <a:rPr lang="en-SI" sz="1800" kern="100" dirty="0">
+                <a:effectLst/>
+                <a:latin typeface="Calibri" panose="020F0502020204030204" pitchFamily="34" charset="0"/>
+                <a:ea typeface="Calibri" panose="020F0502020204030204" pitchFamily="34" charset="0"/>
+                <a:cs typeface="Times New Roman" panose="02020603050405020304" pitchFamily="18" charset="0"/>
+              </a:rPr>
+              <a:t>The problem was defined by Outbrain, a web recommendation platform.</a:t>
             </a:r>
-            <a:endParaRPr/>
+          </a:p>
+          <a:p>
+            <a:pPr>
+              <a:lnSpc>
+                <a:spcPct val="107000"/>
+              </a:lnSpc>
+              <a:spcAft>
+                <a:spcPts val="800"/>
+              </a:spcAft>
+            </a:pPr>
+            <a:r>
+              <a:rPr lang="en-SI" sz="1800" kern="100" dirty="0">
+                <a:effectLst/>
+                <a:latin typeface="Calibri" panose="020F0502020204030204" pitchFamily="34" charset="0"/>
+                <a:ea typeface="Calibri" panose="020F0502020204030204" pitchFamily="34" charset="0"/>
+                <a:cs typeface="Times New Roman" panose="02020603050405020304" pitchFamily="18" charset="0"/>
+              </a:rPr>
+              <a:t>IN this domain of work, it is very common to encounter large and sparse datasets, with some other challenging characteristics, such as high cardinality features or even completely uninformative features.</a:t>
+            </a:r>
+          </a:p>
+          <a:p>
+            <a:pPr>
+              <a:lnSpc>
+                <a:spcPct val="107000"/>
+              </a:lnSpc>
+              <a:spcAft>
+                <a:spcPts val="800"/>
+              </a:spcAft>
+            </a:pPr>
+            <a:r>
+              <a:rPr lang="en-SI" sz="1800" kern="100" dirty="0">
+                <a:effectLst/>
+                <a:latin typeface="Calibri" panose="020F0502020204030204" pitchFamily="34" charset="0"/>
+                <a:ea typeface="Calibri" panose="020F0502020204030204" pitchFamily="34" charset="0"/>
+                <a:cs typeface="Times New Roman" panose="02020603050405020304" pitchFamily="18" charset="0"/>
+              </a:rPr>
+              <a:t>We were given such a dataset and our task was to find an efficient feature selection approach, to highlight the most important features and subsequently reduce the number of features that Outbrain uses later in the workflow to build complex prediction models. </a:t>
+            </a:r>
+          </a:p>
+          <a:p>
+            <a:pPr>
+              <a:lnSpc>
+                <a:spcPct val="107000"/>
+              </a:lnSpc>
+              <a:spcAft>
+                <a:spcPts val="800"/>
+              </a:spcAft>
+            </a:pPr>
+            <a:r>
+              <a:rPr lang="en-SI" sz="1800" kern="100" dirty="0">
+                <a:effectLst/>
+                <a:latin typeface="Calibri" panose="020F0502020204030204" pitchFamily="34" charset="0"/>
+                <a:ea typeface="Calibri" panose="020F0502020204030204" pitchFamily="34" charset="0"/>
+                <a:cs typeface="Times New Roman" panose="02020603050405020304" pitchFamily="18" charset="0"/>
+              </a:rPr>
+              <a:t>To explore various feature selection methods, we have built ranking and evaluation pipeline, the flowchart of which you can see on the slide. With this pipeline, we aggregated the whole process of data </a:t>
+            </a:r>
+            <a:r>
+              <a:rPr lang="en-SI" sz="1800" kern="100" dirty="0" err="1">
+                <a:effectLst/>
+                <a:latin typeface="Calibri" panose="020F0502020204030204" pitchFamily="34" charset="0"/>
+                <a:ea typeface="Calibri" panose="020F0502020204030204" pitchFamily="34" charset="0"/>
+                <a:cs typeface="Times New Roman" panose="02020603050405020304" pitchFamily="18" charset="0"/>
+              </a:rPr>
+              <a:t>preprocessing</a:t>
+            </a:r>
+            <a:r>
+              <a:rPr lang="en-SI" sz="1800" kern="100" dirty="0">
+                <a:effectLst/>
+                <a:latin typeface="Calibri" panose="020F0502020204030204" pitchFamily="34" charset="0"/>
+                <a:ea typeface="Calibri" panose="020F0502020204030204" pitchFamily="34" charset="0"/>
+                <a:cs typeface="Times New Roman" panose="02020603050405020304" pitchFamily="18" charset="0"/>
+              </a:rPr>
+              <a:t>, feature ranking and evaluation, so we could easily and efficiently test numerous algorithms with different subsampling and other parameters.</a:t>
+            </a:r>
+          </a:p>
+          <a:p>
+            <a:pPr marL="0" lvl="0" indent="0" algn="l" rtl="0">
+              <a:spcBef>
+                <a:spcPts val="0"/>
+              </a:spcBef>
+              <a:spcAft>
+                <a:spcPts val="0"/>
+              </a:spcAft>
+              <a:buNone/>
+            </a:pPr>
+            <a:endParaRPr dirty="0"/>
           </a:p>
         </p:txBody>
       </p:sp>
@@ -913,11 +1039,11 @@
 </file>
 
 <file path=ppt/notesSlides/notesSlide3.xml><?xml version="1.0" encoding="utf-8"?>
-<p:notes xmlns:a="http://schemas.openxmlformats.org/drawingml/2006/main" xmlns:r="http://schemas.openxmlformats.org/officeDocument/2006/relationships" xmlns:mc="http://schemas.openxmlformats.org/markup-compatibility/2006" xmlns:mv="urn:schemas-microsoft-com:mac:vml" xmlns:p="http://schemas.openxmlformats.org/presentationml/2006/main" xmlns:c="http://schemas.openxmlformats.org/drawingml/2006/chart" xmlns:dgm="http://schemas.openxmlformats.org/drawingml/2006/diagram" xmlns:o="urn:schemas-microsoft-com:office:office" xmlns:v="urn:schemas-microsoft-com:vml" xmlns:pvml="urn:schemas-microsoft-com:office:powerpoint" xmlns:com="http://schemas.openxmlformats.org/drawingml/2006/compatibility" xmlns:p14="http://schemas.microsoft.com/office/powerpoint/2010/main" xmlns:p15="http://schemas.microsoft.com/office/powerpoint/2012/main" xmlns:ahyp="http://schemas.microsoft.com/office/drawing/2018/hyperlinkcolor" showMasterPhAnim="0" showMasterSp="0">
+<p:notes xmlns:a="http://schemas.openxmlformats.org/drawingml/2006/main" xmlns:r="http://schemas.openxmlformats.org/officeDocument/2006/relationships" xmlns:p="http://schemas.openxmlformats.org/presentationml/2006/main" showMasterSp="0" showMasterPhAnim="0">
   <p:cSld>
     <p:spTree>
       <p:nvGrpSpPr>
-        <p:cNvPr id="67" name="Shape 67"/>
+        <p:cNvPr id="1" name="Shape 67"/>
         <p:cNvGrpSpPr/>
         <p:nvPr/>
       </p:nvGrpSpPr>
@@ -932,20 +1058,26 @@
       <p:sp>
         <p:nvSpPr>
           <p:cNvPr id="68" name="Google Shape;68;g24b87da5a50_0_35:notes"/>
-          <p:cNvSpPr/>
+          <p:cNvSpPr>
+            <a:spLocks noGrp="1" noRot="1" noChangeAspect="1"/>
+          </p:cNvSpPr>
           <p:nvPr>
-            <p:ph idx="2" type="sldImg"/>
+            <p:ph type="sldImg" idx="2"/>
           </p:nvPr>
         </p:nvSpPr>
         <p:spPr>
           <a:xfrm>
-            <a:off x="381300" y="685800"/>
+            <a:off x="381000" y="685800"/>
             <a:ext cx="6096000" cy="3429000"/>
           </a:xfrm>
           <a:custGeom>
-            <a:rect b="b" l="l" r="r" t="t"/>
+            <a:avLst/>
+            <a:gdLst/>
+            <a:ahLst/>
+            <a:cxnLst/>
+            <a:rect l="l" t="t" r="r" b="b"/>
             <a:pathLst>
-              <a:path extrusionOk="0" h="120000" w="120000">
+              <a:path w="120000" h="120000" extrusionOk="0">
                 <a:moveTo>
                   <a:pt x="0" y="0"/>
                 </a:moveTo>
@@ -967,9 +1099,11 @@
       <p:sp>
         <p:nvSpPr>
           <p:cNvPr id="69" name="Google Shape;69;g24b87da5a50_0_35:notes"/>
-          <p:cNvSpPr txBox="1"/>
+          <p:cNvSpPr txBox="1">
+            <a:spLocks noGrp="1"/>
+          </p:cNvSpPr>
           <p:nvPr>
-            <p:ph idx="1" type="body"/>
+            <p:ph type="body" idx="1"/>
           </p:nvPr>
         </p:nvSpPr>
         <p:spPr>
@@ -982,12 +1116,12 @@
           </a:prstGeom>
         </p:spPr>
         <p:txBody>
-          <a:bodyPr anchorCtr="0" anchor="t" bIns="91425" lIns="91425" spcFirstLastPara="1" rIns="91425" wrap="square" tIns="91425">
+          <a:bodyPr spcFirstLastPara="1" wrap="square" lIns="91425" tIns="91425" rIns="91425" bIns="91425" anchor="t" anchorCtr="0">
             <a:noAutofit/>
           </a:bodyPr>
           <a:lstStyle/>
           <a:p>
-            <a:pPr indent="0" lvl="0" marL="0" rtl="0" algn="l">
+            <a:pPr marL="0" lvl="0" indent="0" algn="l" rtl="0">
               <a:spcBef>
                 <a:spcPts val="0"/>
               </a:spcBef>
@@ -996,9 +1130,6 @@
               </a:spcAft>
               <a:buNone/>
             </a:pPr>
-            <a:r>
-              <a:t/>
-            </a:r>
             <a:endParaRPr/>
           </a:p>
         </p:txBody>
@@ -1012,11 +1143,11 @@
 </file>
 
 <file path=ppt/notesSlides/notesSlide4.xml><?xml version="1.0" encoding="utf-8"?>
-<p:notes xmlns:a="http://schemas.openxmlformats.org/drawingml/2006/main" xmlns:r="http://schemas.openxmlformats.org/officeDocument/2006/relationships" xmlns:mc="http://schemas.openxmlformats.org/markup-compatibility/2006" xmlns:mv="urn:schemas-microsoft-com:mac:vml" xmlns:p="http://schemas.openxmlformats.org/presentationml/2006/main" xmlns:c="http://schemas.openxmlformats.org/drawingml/2006/chart" xmlns:dgm="http://schemas.openxmlformats.org/drawingml/2006/diagram" xmlns:o="urn:schemas-microsoft-com:office:office" xmlns:v="urn:schemas-microsoft-com:vml" xmlns:pvml="urn:schemas-microsoft-com:office:powerpoint" xmlns:com="http://schemas.openxmlformats.org/drawingml/2006/compatibility" xmlns:p14="http://schemas.microsoft.com/office/powerpoint/2010/main" xmlns:p15="http://schemas.microsoft.com/office/powerpoint/2012/main" xmlns:ahyp="http://schemas.microsoft.com/office/drawing/2018/hyperlinkcolor" showMasterPhAnim="0" showMasterSp="0">
+<p:notes xmlns:a="http://schemas.openxmlformats.org/drawingml/2006/main" xmlns:r="http://schemas.openxmlformats.org/officeDocument/2006/relationships" xmlns:p="http://schemas.openxmlformats.org/presentationml/2006/main" showMasterSp="0" showMasterPhAnim="0">
   <p:cSld>
     <p:spTree>
       <p:nvGrpSpPr>
-        <p:cNvPr id="75" name="Shape 75"/>
+        <p:cNvPr id="1" name="Shape 76"/>
         <p:cNvGrpSpPr/>
         <p:nvPr/>
       </p:nvGrpSpPr>
@@ -1030,10 +1161,12 @@
       </p:grpSpPr>
       <p:sp>
         <p:nvSpPr>
-          <p:cNvPr id="76" name="Google Shape;76;g24b87da5a50_0_56:notes"/>
-          <p:cNvSpPr/>
+          <p:cNvPr id="77" name="Google Shape;77;g24b87da5a50_0_56:notes"/>
+          <p:cNvSpPr>
+            <a:spLocks noGrp="1" noRot="1" noChangeAspect="1"/>
+          </p:cNvSpPr>
           <p:nvPr>
-            <p:ph idx="2" type="sldImg"/>
+            <p:ph type="sldImg" idx="2"/>
           </p:nvPr>
         </p:nvSpPr>
         <p:spPr>
@@ -1042,9 +1175,13 @@
             <a:ext cx="6096000" cy="3429000"/>
           </a:xfrm>
           <a:custGeom>
-            <a:rect b="b" l="l" r="r" t="t"/>
+            <a:avLst/>
+            <a:gdLst/>
+            <a:ahLst/>
+            <a:cxnLst/>
+            <a:rect l="l" t="t" r="r" b="b"/>
             <a:pathLst>
-              <a:path extrusionOk="0" h="120000" w="120000">
+              <a:path w="120000" h="120000" extrusionOk="0">
                 <a:moveTo>
                   <a:pt x="0" y="0"/>
                 </a:moveTo>
@@ -1065,10 +1202,12 @@
       </p:sp>
       <p:sp>
         <p:nvSpPr>
-          <p:cNvPr id="77" name="Google Shape;77;g24b87da5a50_0_56:notes"/>
-          <p:cNvSpPr txBox="1"/>
+          <p:cNvPr id="78" name="Google Shape;78;g24b87da5a50_0_56:notes"/>
+          <p:cNvSpPr txBox="1">
+            <a:spLocks noGrp="1"/>
+          </p:cNvSpPr>
           <p:nvPr>
-            <p:ph idx="1" type="body"/>
+            <p:ph type="body" idx="1"/>
           </p:nvPr>
         </p:nvSpPr>
         <p:spPr>
@@ -1081,12 +1220,12 @@
           </a:prstGeom>
         </p:spPr>
         <p:txBody>
-          <a:bodyPr anchorCtr="0" anchor="t" bIns="91425" lIns="91425" spcFirstLastPara="1" rIns="91425" wrap="square" tIns="91425">
+          <a:bodyPr spcFirstLastPara="1" wrap="square" lIns="91425" tIns="91425" rIns="91425" bIns="91425" anchor="t" anchorCtr="0">
             <a:noAutofit/>
           </a:bodyPr>
           <a:lstStyle/>
           <a:p>
-            <a:pPr indent="0" lvl="0" marL="0" rtl="0" algn="l">
+            <a:pPr marL="0" lvl="0" indent="0" algn="l" rtl="0">
               <a:spcBef>
                 <a:spcPts val="0"/>
               </a:spcBef>
@@ -1095,9 +1234,6 @@
               </a:spcAft>
               <a:buNone/>
             </a:pPr>
-            <a:r>
-              <a:t/>
-            </a:r>
             <a:endParaRPr/>
           </a:p>
         </p:txBody>
@@ -1111,11 +1247,11 @@
 </file>
 
 <file path=ppt/notesSlides/notesSlide5.xml><?xml version="1.0" encoding="utf-8"?>
-<p:notes xmlns:a="http://schemas.openxmlformats.org/drawingml/2006/main" xmlns:r="http://schemas.openxmlformats.org/officeDocument/2006/relationships" xmlns:mc="http://schemas.openxmlformats.org/markup-compatibility/2006" xmlns:mv="urn:schemas-microsoft-com:mac:vml" xmlns:p="http://schemas.openxmlformats.org/presentationml/2006/main" xmlns:c="http://schemas.openxmlformats.org/drawingml/2006/chart" xmlns:dgm="http://schemas.openxmlformats.org/drawingml/2006/diagram" xmlns:o="urn:schemas-microsoft-com:office:office" xmlns:v="urn:schemas-microsoft-com:vml" xmlns:pvml="urn:schemas-microsoft-com:office:powerpoint" xmlns:com="http://schemas.openxmlformats.org/drawingml/2006/compatibility" xmlns:p14="http://schemas.microsoft.com/office/powerpoint/2010/main" xmlns:p15="http://schemas.microsoft.com/office/powerpoint/2012/main" xmlns:ahyp="http://schemas.microsoft.com/office/drawing/2018/hyperlinkcolor" showMasterPhAnim="0" showMasterSp="0">
+<p:notes xmlns:a="http://schemas.openxmlformats.org/drawingml/2006/main" xmlns:r="http://schemas.openxmlformats.org/officeDocument/2006/relationships" xmlns:p="http://schemas.openxmlformats.org/presentationml/2006/main" showMasterSp="0" showMasterPhAnim="0">
   <p:cSld>
     <p:spTree>
       <p:nvGrpSpPr>
-        <p:cNvPr id="80" name="Shape 80"/>
+        <p:cNvPr id="1" name="Shape 81"/>
         <p:cNvGrpSpPr/>
         <p:nvPr/>
       </p:nvGrpSpPr>
@@ -1129,21 +1265,27 @@
       </p:grpSpPr>
       <p:sp>
         <p:nvSpPr>
-          <p:cNvPr id="81" name="Google Shape;81;g24b87da5a50_0_42:notes"/>
-          <p:cNvSpPr/>
+          <p:cNvPr id="82" name="Google Shape;82;g24b87da5a50_0_42:notes"/>
+          <p:cNvSpPr>
+            <a:spLocks noGrp="1" noRot="1" noChangeAspect="1"/>
+          </p:cNvSpPr>
           <p:nvPr>
-            <p:ph idx="2" type="sldImg"/>
+            <p:ph type="sldImg" idx="2"/>
           </p:nvPr>
         </p:nvSpPr>
         <p:spPr>
           <a:xfrm>
-            <a:off x="381300" y="685800"/>
+            <a:off x="381000" y="685800"/>
             <a:ext cx="6096000" cy="3429000"/>
           </a:xfrm>
           <a:custGeom>
-            <a:rect b="b" l="l" r="r" t="t"/>
+            <a:avLst/>
+            <a:gdLst/>
+            <a:ahLst/>
+            <a:cxnLst/>
+            <a:rect l="l" t="t" r="r" b="b"/>
             <a:pathLst>
-              <a:path extrusionOk="0" h="120000" w="120000">
+              <a:path w="120000" h="120000" extrusionOk="0">
                 <a:moveTo>
                   <a:pt x="0" y="0"/>
                 </a:moveTo>
@@ -1164,10 +1306,12 @@
       </p:sp>
       <p:sp>
         <p:nvSpPr>
-          <p:cNvPr id="82" name="Google Shape;82;g24b87da5a50_0_42:notes"/>
-          <p:cNvSpPr txBox="1"/>
+          <p:cNvPr id="83" name="Google Shape;83;g24b87da5a50_0_42:notes"/>
+          <p:cNvSpPr txBox="1">
+            <a:spLocks noGrp="1"/>
+          </p:cNvSpPr>
           <p:nvPr>
-            <p:ph idx="1" type="body"/>
+            <p:ph type="body" idx="1"/>
           </p:nvPr>
         </p:nvSpPr>
         <p:spPr>
@@ -1180,24 +1324,242 @@
           </a:prstGeom>
         </p:spPr>
         <p:txBody>
-          <a:bodyPr anchorCtr="0" anchor="t" bIns="91425" lIns="91425" spcFirstLastPara="1" rIns="91425" wrap="square" tIns="91425">
+          <a:bodyPr spcFirstLastPara="1" wrap="square" lIns="91425" tIns="91425" rIns="91425" bIns="91425" anchor="t" anchorCtr="0">
             <a:noAutofit/>
           </a:bodyPr>
           <a:lstStyle/>
           <a:p>
-            <a:pPr indent="0" lvl="0" marL="0" rtl="0" algn="l">
-              <a:spcBef>
-                <a:spcPts val="0"/>
-              </a:spcBef>
-              <a:spcAft>
-                <a:spcPts val="0"/>
-              </a:spcAft>
-              <a:buNone/>
+            <a:pPr>
+              <a:lnSpc>
+                <a:spcPct val="107000"/>
+              </a:lnSpc>
+              <a:spcAft>
+                <a:spcPts val="800"/>
+              </a:spcAft>
             </a:pPr>
             <a:r>
-              <a:t/>
+              <a:rPr lang="en-SI" sz="1800" kern="100" dirty="0">
+                <a:effectLst/>
+                <a:latin typeface="Calibri" panose="020F0502020204030204" pitchFamily="34" charset="0"/>
+                <a:ea typeface="Calibri" panose="020F0502020204030204" pitchFamily="34" charset="0"/>
+                <a:cs typeface="Times New Roman" panose="02020603050405020304" pitchFamily="18" charset="0"/>
+              </a:rPr>
+              <a:t>So based on the results we have chosen random forest to do more detailed analysis on.</a:t>
             </a:r>
-            <a:endParaRPr/>
+          </a:p>
+          <a:p>
+            <a:pPr>
+              <a:lnSpc>
+                <a:spcPct val="107000"/>
+              </a:lnSpc>
+              <a:spcAft>
+                <a:spcPts val="800"/>
+              </a:spcAft>
+            </a:pPr>
+            <a:r>
+              <a:rPr lang="en-SI" sz="1800" kern="100" dirty="0">
+                <a:effectLst/>
+                <a:latin typeface="Calibri" panose="020F0502020204030204" pitchFamily="34" charset="0"/>
+                <a:ea typeface="Calibri" panose="020F0502020204030204" pitchFamily="34" charset="0"/>
+                <a:cs typeface="Times New Roman" panose="02020603050405020304" pitchFamily="18" charset="0"/>
+              </a:rPr>
+              <a:t>Our next task was to optimize subsampling proportion. So we were interested in how little data do we need to still achieve a score comparable to the one on the entire dataset.</a:t>
+            </a:r>
+          </a:p>
+          <a:p>
+            <a:pPr marL="158750" indent="0">
+              <a:lnSpc>
+                <a:spcPct val="107000"/>
+              </a:lnSpc>
+              <a:spcAft>
+                <a:spcPts val="800"/>
+              </a:spcAft>
+              <a:buNone/>
+            </a:pPr>
+            <a:endParaRPr lang="en-SI" sz="1800" kern="100" dirty="0">
+              <a:effectLst/>
+              <a:latin typeface="Calibri" panose="020F0502020204030204" pitchFamily="34" charset="0"/>
+              <a:ea typeface="Calibri" panose="020F0502020204030204" pitchFamily="34" charset="0"/>
+              <a:cs typeface="Times New Roman" panose="02020603050405020304" pitchFamily="18" charset="0"/>
+            </a:endParaRPr>
+          </a:p>
+          <a:p>
+            <a:pPr>
+              <a:lnSpc>
+                <a:spcPct val="107000"/>
+              </a:lnSpc>
+              <a:spcAft>
+                <a:spcPts val="800"/>
+              </a:spcAft>
+            </a:pPr>
+            <a:r>
+              <a:rPr lang="en-SI" sz="1800" kern="100" dirty="0">
+                <a:effectLst/>
+                <a:latin typeface="Calibri" panose="020F0502020204030204" pitchFamily="34" charset="0"/>
+                <a:ea typeface="Calibri" panose="020F0502020204030204" pitchFamily="34" charset="0"/>
+                <a:cs typeface="Times New Roman" panose="02020603050405020304" pitchFamily="18" charset="0"/>
+              </a:rPr>
+              <a:t>On the plot you can see scores of 100 individual rankings for each subsample, presented with the orange line as the mean baseline corrected score, and the shaded area which represents uncertainty. </a:t>
+            </a:r>
+          </a:p>
+          <a:p>
+            <a:pPr>
+              <a:lnSpc>
+                <a:spcPct val="107000"/>
+              </a:lnSpc>
+              <a:spcAft>
+                <a:spcPts val="800"/>
+              </a:spcAft>
+            </a:pPr>
+            <a:r>
+              <a:rPr lang="sl-SI" sz="1800" kern="100" dirty="0">
+                <a:effectLst/>
+                <a:latin typeface="Calibri" panose="020F0502020204030204" pitchFamily="34" charset="0"/>
+                <a:ea typeface="Calibri" panose="020F0502020204030204" pitchFamily="34" charset="0"/>
+                <a:cs typeface="Times New Roman" panose="02020603050405020304" pitchFamily="18" charset="0"/>
+              </a:rPr>
+              <a:t>A</a:t>
+            </a:r>
+            <a:r>
+              <a:rPr lang="en-SI" sz="1800" kern="100" dirty="0" err="1">
+                <a:effectLst/>
+                <a:latin typeface="Calibri" panose="020F0502020204030204" pitchFamily="34" charset="0"/>
+                <a:ea typeface="Calibri" panose="020F0502020204030204" pitchFamily="34" charset="0"/>
+                <a:cs typeface="Times New Roman" panose="02020603050405020304" pitchFamily="18" charset="0"/>
+              </a:rPr>
+              <a:t>nd</a:t>
+            </a:r>
+            <a:r>
+              <a:rPr lang="en-SI" sz="1800" kern="100" dirty="0">
+                <a:effectLst/>
+                <a:latin typeface="Calibri" panose="020F0502020204030204" pitchFamily="34" charset="0"/>
+                <a:ea typeface="Calibri" panose="020F0502020204030204" pitchFamily="34" charset="0"/>
+                <a:cs typeface="Times New Roman" panose="02020603050405020304" pitchFamily="18" charset="0"/>
+              </a:rPr>
+              <a:t> here we can observe that with 0.25% of data we get to approximately the same score as on the entire dataset</a:t>
+            </a:r>
+          </a:p>
+          <a:p>
+            <a:pPr>
+              <a:lnSpc>
+                <a:spcPct val="107000"/>
+              </a:lnSpc>
+              <a:spcAft>
+                <a:spcPts val="800"/>
+              </a:spcAft>
+            </a:pPr>
+            <a:endParaRPr lang="en-SI" sz="1800" kern="100" dirty="0">
+              <a:effectLst/>
+              <a:latin typeface="Calibri" panose="020F0502020204030204" pitchFamily="34" charset="0"/>
+              <a:ea typeface="Calibri" panose="020F0502020204030204" pitchFamily="34" charset="0"/>
+              <a:cs typeface="Times New Roman" panose="02020603050405020304" pitchFamily="18" charset="0"/>
+            </a:endParaRPr>
+          </a:p>
+          <a:p>
+            <a:pPr>
+              <a:lnSpc>
+                <a:spcPct val="107000"/>
+              </a:lnSpc>
+              <a:spcAft>
+                <a:spcPts val="800"/>
+              </a:spcAft>
+            </a:pPr>
+            <a:r>
+              <a:rPr lang="en-SI" sz="1800" kern="100" dirty="0">
+                <a:effectLst/>
+                <a:latin typeface="Calibri" panose="020F0502020204030204" pitchFamily="34" charset="0"/>
+                <a:ea typeface="Calibri" panose="020F0502020204030204" pitchFamily="34" charset="0"/>
+                <a:cs typeface="Times New Roman" panose="02020603050405020304" pitchFamily="18" charset="0"/>
+              </a:rPr>
+              <a:t>Then we have also tried an ensemble approach, specifically with </a:t>
+            </a:r>
+            <a:r>
+              <a:rPr lang="en-SI" sz="1800" kern="100" dirty="0" err="1">
+                <a:effectLst/>
+                <a:latin typeface="Calibri" panose="020F0502020204030204" pitchFamily="34" charset="0"/>
+                <a:ea typeface="Calibri" panose="020F0502020204030204" pitchFamily="34" charset="0"/>
+                <a:cs typeface="Times New Roman" panose="02020603050405020304" pitchFamily="18" charset="0"/>
+              </a:rPr>
+              <a:t>Borda</a:t>
+            </a:r>
+            <a:r>
+              <a:rPr lang="en-SI" sz="1800" kern="100" dirty="0">
+                <a:effectLst/>
+                <a:latin typeface="Calibri" panose="020F0502020204030204" pitchFamily="34" charset="0"/>
+                <a:ea typeface="Calibri" panose="020F0502020204030204" pitchFamily="34" charset="0"/>
+                <a:cs typeface="Times New Roman" panose="02020603050405020304" pitchFamily="18" charset="0"/>
+              </a:rPr>
+              <a:t> count voting system, where feature rankings are obtained as a sum of individual run votes, as presented on a simple example in the table.</a:t>
+            </a:r>
+          </a:p>
+          <a:p>
+            <a:pPr>
+              <a:lnSpc>
+                <a:spcPct val="107000"/>
+              </a:lnSpc>
+              <a:spcAft>
+                <a:spcPts val="800"/>
+              </a:spcAft>
+            </a:pPr>
+            <a:r>
+              <a:rPr lang="en-SI" sz="1800" kern="100" dirty="0">
+                <a:effectLst/>
+                <a:latin typeface="Calibri" panose="020F0502020204030204" pitchFamily="34" charset="0"/>
+                <a:ea typeface="Calibri" panose="020F0502020204030204" pitchFamily="34" charset="0"/>
+                <a:cs typeface="Times New Roman" panose="02020603050405020304" pitchFamily="18" charset="0"/>
+              </a:rPr>
+              <a:t>Ensemble ranking scores are shown on the figure as the green line, here we used the same 100 runs bootstrapped to get the estimated uncertainty of the ensemble rankings.  We can immediately observe much higher average performance than the individual rankings, and notably less uncertainty for all subsamples.</a:t>
+            </a:r>
+          </a:p>
+          <a:p>
+            <a:pPr>
+              <a:lnSpc>
+                <a:spcPct val="107000"/>
+              </a:lnSpc>
+              <a:spcAft>
+                <a:spcPts val="800"/>
+              </a:spcAft>
+            </a:pPr>
+            <a:r>
+              <a:rPr lang="en-SI" sz="1800" kern="100" dirty="0">
+                <a:effectLst/>
+                <a:latin typeface="Calibri" panose="020F0502020204030204" pitchFamily="34" charset="0"/>
+                <a:ea typeface="Calibri" panose="020F0502020204030204" pitchFamily="34" charset="0"/>
+                <a:cs typeface="Times New Roman" panose="02020603050405020304" pitchFamily="18" charset="0"/>
+              </a:rPr>
+              <a:t> </a:t>
+            </a:r>
+          </a:p>
+          <a:p>
+            <a:pPr>
+              <a:lnSpc>
+                <a:spcPct val="107000"/>
+              </a:lnSpc>
+              <a:spcAft>
+                <a:spcPts val="800"/>
+              </a:spcAft>
+            </a:pPr>
+            <a:r>
+              <a:rPr lang="en-SI" sz="1800" kern="100" dirty="0">
+                <a:effectLst/>
+                <a:latin typeface="Calibri" panose="020F0502020204030204" pitchFamily="34" charset="0"/>
+                <a:ea typeface="Calibri" panose="020F0502020204030204" pitchFamily="34" charset="0"/>
+                <a:cs typeface="Times New Roman" panose="02020603050405020304" pitchFamily="18" charset="0"/>
+              </a:rPr>
+              <a:t>And what’s important to note is that with ensemble ranking we can have even 100 times less data than individual ranking to get to the same performance, and that performance gain is even larger on smaller subsamples.</a:t>
+            </a:r>
+          </a:p>
+          <a:p>
+            <a:pPr marL="0" lvl="0" indent="0" algn="l" rtl="0">
+              <a:spcBef>
+                <a:spcPts val="0"/>
+              </a:spcBef>
+              <a:spcAft>
+                <a:spcPts val="0"/>
+              </a:spcAft>
+              <a:buNone/>
+            </a:pPr>
+            <a:endParaRPr dirty="0"/>
           </a:p>
         </p:txBody>
       </p:sp>
@@ -1210,11 +1572,11 @@
 </file>
 
 <file path=ppt/notesSlides/notesSlide6.xml><?xml version="1.0" encoding="utf-8"?>
-<p:notes xmlns:a="http://schemas.openxmlformats.org/drawingml/2006/main" xmlns:r="http://schemas.openxmlformats.org/officeDocument/2006/relationships" xmlns:mc="http://schemas.openxmlformats.org/markup-compatibility/2006" xmlns:mv="urn:schemas-microsoft-com:mac:vml" xmlns:p="http://schemas.openxmlformats.org/presentationml/2006/main" xmlns:c="http://schemas.openxmlformats.org/drawingml/2006/chart" xmlns:dgm="http://schemas.openxmlformats.org/drawingml/2006/diagram" xmlns:o="urn:schemas-microsoft-com:office:office" xmlns:v="urn:schemas-microsoft-com:vml" xmlns:pvml="urn:schemas-microsoft-com:office:powerpoint" xmlns:com="http://schemas.openxmlformats.org/drawingml/2006/compatibility" xmlns:p14="http://schemas.microsoft.com/office/powerpoint/2010/main" xmlns:p15="http://schemas.microsoft.com/office/powerpoint/2012/main" xmlns:ahyp="http://schemas.microsoft.com/office/drawing/2018/hyperlinkcolor" showMasterPhAnim="0" showMasterSp="0">
+<p:notes xmlns:a="http://schemas.openxmlformats.org/drawingml/2006/main" xmlns:r="http://schemas.openxmlformats.org/officeDocument/2006/relationships" xmlns:p="http://schemas.openxmlformats.org/presentationml/2006/main" showMasterSp="0" showMasterPhAnim="0">
   <p:cSld>
     <p:spTree>
       <p:nvGrpSpPr>
-        <p:cNvPr id="88" name="Shape 88"/>
+        <p:cNvPr id="1" name="Shape 90"/>
         <p:cNvGrpSpPr/>
         <p:nvPr/>
       </p:nvGrpSpPr>
@@ -1228,10 +1590,12 @@
       </p:grpSpPr>
       <p:sp>
         <p:nvSpPr>
-          <p:cNvPr id="89" name="Google Shape;89;g24b87da5a50_0_63:notes"/>
-          <p:cNvSpPr/>
+          <p:cNvPr id="91" name="Google Shape;91;g24b87da5a50_0_63:notes"/>
+          <p:cNvSpPr>
+            <a:spLocks noGrp="1" noRot="1" noChangeAspect="1"/>
+          </p:cNvSpPr>
           <p:nvPr>
-            <p:ph idx="2" type="sldImg"/>
+            <p:ph type="sldImg" idx="2"/>
           </p:nvPr>
         </p:nvSpPr>
         <p:spPr>
@@ -1240,9 +1604,13 @@
             <a:ext cx="6096000" cy="3429000"/>
           </a:xfrm>
           <a:custGeom>
-            <a:rect b="b" l="l" r="r" t="t"/>
+            <a:avLst/>
+            <a:gdLst/>
+            <a:ahLst/>
+            <a:cxnLst/>
+            <a:rect l="l" t="t" r="r" b="b"/>
             <a:pathLst>
-              <a:path extrusionOk="0" h="120000" w="120000">
+              <a:path w="120000" h="120000" extrusionOk="0">
                 <a:moveTo>
                   <a:pt x="0" y="0"/>
                 </a:moveTo>
@@ -1263,10 +1631,12 @@
       </p:sp>
       <p:sp>
         <p:nvSpPr>
-          <p:cNvPr id="90" name="Google Shape;90;g24b87da5a50_0_63:notes"/>
-          <p:cNvSpPr txBox="1"/>
+          <p:cNvPr id="92" name="Google Shape;92;g24b87da5a50_0_63:notes"/>
+          <p:cNvSpPr txBox="1">
+            <a:spLocks noGrp="1"/>
+          </p:cNvSpPr>
           <p:nvPr>
-            <p:ph idx="1" type="body"/>
+            <p:ph type="body" idx="1"/>
           </p:nvPr>
         </p:nvSpPr>
         <p:spPr>
@@ -1279,12 +1649,12 @@
           </a:prstGeom>
         </p:spPr>
         <p:txBody>
-          <a:bodyPr anchorCtr="0" anchor="t" bIns="91425" lIns="91425" spcFirstLastPara="1" rIns="91425" wrap="square" tIns="91425">
+          <a:bodyPr spcFirstLastPara="1" wrap="square" lIns="91425" tIns="91425" rIns="91425" bIns="91425" anchor="t" anchorCtr="0">
             <a:noAutofit/>
           </a:bodyPr>
           <a:lstStyle/>
           <a:p>
-            <a:pPr indent="0" lvl="0" marL="0" rtl="0" algn="l">
+            <a:pPr marL="0" lvl="0" indent="0" algn="l" rtl="0">
               <a:spcBef>
                 <a:spcPts val="0"/>
               </a:spcBef>
@@ -1293,10 +1663,7 @@
               </a:spcAft>
               <a:buNone/>
             </a:pPr>
-            <a:r>
-              <a:t/>
-            </a:r>
-            <a:endParaRPr/>
+            <a:endParaRPr dirty="0"/>
           </a:p>
         </p:txBody>
       </p:sp>
@@ -1309,11 +1676,11 @@
 </file>
 
 <file path=ppt/slideLayouts/slideLayout1.xml><?xml version="1.0" encoding="utf-8"?>
-<p:sldLayout xmlns:a="http://schemas.openxmlformats.org/drawingml/2006/main" xmlns:r="http://schemas.openxmlformats.org/officeDocument/2006/relationships" xmlns:mc="http://schemas.openxmlformats.org/markup-compatibility/2006" xmlns:mv="urn:schemas-microsoft-com:mac:vml" xmlns:p="http://schemas.openxmlformats.org/presentationml/2006/main" xmlns:c="http://schemas.openxmlformats.org/drawingml/2006/chart" xmlns:dgm="http://schemas.openxmlformats.org/drawingml/2006/diagram" xmlns:o="urn:schemas-microsoft-com:office:office" xmlns:v="urn:schemas-microsoft-com:vml" xmlns:pvml="urn:schemas-microsoft-com:office:powerpoint" xmlns:com="http://schemas.openxmlformats.org/drawingml/2006/compatibility" xmlns:p14="http://schemas.microsoft.com/office/powerpoint/2010/main" xmlns:p15="http://schemas.microsoft.com/office/powerpoint/2012/main" xmlns:ahyp="http://schemas.microsoft.com/office/drawing/2018/hyperlinkcolor" matchingName="Title slide" type="title">
+<p:sldLayout xmlns:a="http://schemas.openxmlformats.org/drawingml/2006/main" xmlns:r="http://schemas.openxmlformats.org/officeDocument/2006/relationships" xmlns:p="http://schemas.openxmlformats.org/presentationml/2006/main" matchingName="Title slide" type="title">
   <p:cSld name="TITLE">
     <p:spTree>
       <p:nvGrpSpPr>
-        <p:cNvPr id="9" name="Shape 9"/>
+        <p:cNvPr id="1" name="Shape 9"/>
         <p:cNvGrpSpPr/>
         <p:nvPr/>
       </p:nvGrpSpPr>
@@ -1328,7 +1695,9 @@
       <p:sp>
         <p:nvSpPr>
           <p:cNvPr id="10" name="Google Shape;10;p2"/>
-          <p:cNvSpPr txBox="1"/>
+          <p:cNvSpPr txBox="1">
+            <a:spLocks noGrp="1"/>
+          </p:cNvSpPr>
           <p:nvPr>
             <p:ph type="ctrTitle"/>
           </p:nvPr>
@@ -1343,7 +1712,7 @@
           </a:prstGeom>
         </p:spPr>
         <p:txBody>
-          <a:bodyPr anchorCtr="0" anchor="b" bIns="91425" lIns="91425" spcFirstLastPara="1" rIns="91425" wrap="square" tIns="91425">
+          <a:bodyPr spcFirstLastPara="1" wrap="square" lIns="91425" tIns="91425" rIns="91425" bIns="91425" anchor="b" anchorCtr="0">
             <a:normAutofit/>
           </a:bodyPr>
           <a:lstStyle>
@@ -1447,15 +1816,19 @@
               <a:defRPr sz="5200"/>
             </a:lvl9pPr>
           </a:lstStyle>
-          <a:p/>
+          <a:p>
+            <a:endParaRPr/>
+          </a:p>
         </p:txBody>
       </p:sp>
       <p:sp>
         <p:nvSpPr>
           <p:cNvPr id="11" name="Google Shape;11;p2"/>
-          <p:cNvSpPr txBox="1"/>
+          <p:cNvSpPr txBox="1">
+            <a:spLocks noGrp="1"/>
+          </p:cNvSpPr>
           <p:nvPr>
-            <p:ph idx="1" type="subTitle"/>
+            <p:ph type="subTitle" idx="1"/>
           </p:nvPr>
         </p:nvSpPr>
         <p:spPr>
@@ -1468,7 +1841,7 @@
           </a:prstGeom>
         </p:spPr>
         <p:txBody>
-          <a:bodyPr anchorCtr="0" anchor="t" bIns="91425" lIns="91425" spcFirstLastPara="1" rIns="91425" wrap="square" tIns="91425">
+          <a:bodyPr spcFirstLastPara="1" wrap="square" lIns="91425" tIns="91425" rIns="91425" bIns="91425" anchor="t" anchorCtr="0">
             <a:normAutofit/>
           </a:bodyPr>
           <a:lstStyle>
@@ -1599,15 +1972,19 @@
               <a:defRPr sz="2800"/>
             </a:lvl9pPr>
           </a:lstStyle>
-          <a:p/>
+          <a:p>
+            <a:endParaRPr/>
+          </a:p>
         </p:txBody>
       </p:sp>
       <p:sp>
         <p:nvSpPr>
           <p:cNvPr id="12" name="Google Shape;12;p2"/>
-          <p:cNvSpPr txBox="1"/>
+          <p:cNvSpPr txBox="1">
+            <a:spLocks noGrp="1"/>
+          </p:cNvSpPr>
           <p:nvPr>
-            <p:ph idx="12" type="sldNum"/>
+            <p:ph type="sldNum" idx="12"/>
           </p:nvPr>
         </p:nvSpPr>
         <p:spPr>
@@ -1620,7 +1997,7 @@
           </a:prstGeom>
         </p:spPr>
         <p:txBody>
-          <a:bodyPr anchorCtr="0" anchor="ctr" bIns="91425" lIns="91425" spcFirstLastPara="1" rIns="91425" wrap="square" tIns="91425">
+          <a:bodyPr spcFirstLastPara="1" wrap="square" lIns="91425" tIns="91425" rIns="91425" bIns="91425" anchor="ctr" anchorCtr="0">
             <a:normAutofit/>
           </a:bodyPr>
           <a:lstStyle>
@@ -1662,7 +2039,7 @@
             </a:lvl9pPr>
           </a:lstStyle>
           <a:p>
-            <a:pPr indent="0" lvl="0" marL="0" rtl="0" algn="r">
+            <a:pPr marL="0" lvl="0" indent="0" algn="r" rtl="0">
               <a:spcBef>
                 <a:spcPts val="0"/>
               </a:spcBef>
@@ -1688,11 +2065,11 @@
 </file>
 
 <file path=ppt/slideLayouts/slideLayout10.xml><?xml version="1.0" encoding="utf-8"?>
-<p:sldLayout xmlns:a="http://schemas.openxmlformats.org/drawingml/2006/main" xmlns:r="http://schemas.openxmlformats.org/officeDocument/2006/relationships" xmlns:mc="http://schemas.openxmlformats.org/markup-compatibility/2006" xmlns:mv="urn:schemas-microsoft-com:mac:vml" xmlns:p="http://schemas.openxmlformats.org/presentationml/2006/main" xmlns:c="http://schemas.openxmlformats.org/drawingml/2006/chart" xmlns:dgm="http://schemas.openxmlformats.org/drawingml/2006/diagram" xmlns:o="urn:schemas-microsoft-com:office:office" xmlns:v="urn:schemas-microsoft-com:vml" xmlns:pvml="urn:schemas-microsoft-com:office:powerpoint" xmlns:com="http://schemas.openxmlformats.org/drawingml/2006/compatibility" xmlns:p14="http://schemas.microsoft.com/office/powerpoint/2010/main" xmlns:p15="http://schemas.microsoft.com/office/powerpoint/2012/main" xmlns:ahyp="http://schemas.microsoft.com/office/drawing/2018/hyperlinkcolor" matchingName="Big number">
+<p:sldLayout xmlns:a="http://schemas.openxmlformats.org/drawingml/2006/main" xmlns:r="http://schemas.openxmlformats.org/officeDocument/2006/relationships" xmlns:p="http://schemas.openxmlformats.org/presentationml/2006/main" matchingName="Big number">
   <p:cSld name="BIG_NUMBER">
     <p:spTree>
       <p:nvGrpSpPr>
-        <p:cNvPr id="44" name="Shape 44"/>
+        <p:cNvPr id="1" name="Shape 44"/>
         <p:cNvGrpSpPr/>
         <p:nvPr/>
       </p:nvGrpSpPr>
@@ -1707,9 +2084,11 @@
       <p:sp>
         <p:nvSpPr>
           <p:cNvPr id="45" name="Google Shape;45;p11"/>
-          <p:cNvSpPr txBox="1"/>
+          <p:cNvSpPr txBox="1">
+            <a:spLocks noGrp="1"/>
+          </p:cNvSpPr>
           <p:nvPr>
-            <p:ph hasCustomPrompt="1" type="title"/>
+            <p:ph type="title" hasCustomPrompt="1"/>
           </p:nvPr>
         </p:nvSpPr>
         <p:spPr>
@@ -1722,7 +2101,7 @@
           </a:prstGeom>
         </p:spPr>
         <p:txBody>
-          <a:bodyPr anchorCtr="0" anchor="b" bIns="91425" lIns="91425" spcFirstLastPara="1" rIns="91425" wrap="square" tIns="91425">
+          <a:bodyPr spcFirstLastPara="1" wrap="square" lIns="91425" tIns="91425" rIns="91425" bIns="91425" anchor="b" anchorCtr="0">
             <a:normAutofit/>
           </a:bodyPr>
           <a:lstStyle>
@@ -1836,9 +2215,11 @@
       <p:sp>
         <p:nvSpPr>
           <p:cNvPr id="46" name="Google Shape;46;p11"/>
-          <p:cNvSpPr txBox="1"/>
+          <p:cNvSpPr txBox="1">
+            <a:spLocks noGrp="1"/>
+          </p:cNvSpPr>
           <p:nvPr>
-            <p:ph idx="1" type="body"/>
+            <p:ph type="body" idx="1"/>
           </p:nvPr>
         </p:nvSpPr>
         <p:spPr>
@@ -1851,11 +2232,11 @@
           </a:prstGeom>
         </p:spPr>
         <p:txBody>
-          <a:bodyPr anchorCtr="0" anchor="t" bIns="91425" lIns="91425" spcFirstLastPara="1" rIns="91425" wrap="square" tIns="91425">
+          <a:bodyPr spcFirstLastPara="1" wrap="square" lIns="91425" tIns="91425" rIns="91425" bIns="91425" anchor="t" anchorCtr="0">
             <a:normAutofit/>
           </a:bodyPr>
           <a:lstStyle>
-            <a:lvl1pPr indent="-342900" lvl="0" marL="457200" algn="ctr">
+            <a:lvl1pPr marL="457200" lvl="0" indent="-342900" algn="ctr">
               <a:spcBef>
                 <a:spcPts val="0"/>
               </a:spcBef>
@@ -1866,7 +2247,7 @@
               <a:buChar char="●"/>
               <a:defRPr/>
             </a:lvl1pPr>
-            <a:lvl2pPr indent="-317500" lvl="1" marL="914400" algn="ctr">
+            <a:lvl2pPr marL="914400" lvl="1" indent="-317500" algn="ctr">
               <a:spcBef>
                 <a:spcPts val="0"/>
               </a:spcBef>
@@ -1877,7 +2258,7 @@
               <a:buChar char="○"/>
               <a:defRPr/>
             </a:lvl2pPr>
-            <a:lvl3pPr indent="-317500" lvl="2" marL="1371600" algn="ctr">
+            <a:lvl3pPr marL="1371600" lvl="2" indent="-317500" algn="ctr">
               <a:spcBef>
                 <a:spcPts val="0"/>
               </a:spcBef>
@@ -1888,7 +2269,7 @@
               <a:buChar char="■"/>
               <a:defRPr/>
             </a:lvl3pPr>
-            <a:lvl4pPr indent="-317500" lvl="3" marL="1828800" algn="ctr">
+            <a:lvl4pPr marL="1828800" lvl="3" indent="-317500" algn="ctr">
               <a:spcBef>
                 <a:spcPts val="0"/>
               </a:spcBef>
@@ -1899,7 +2280,7 @@
               <a:buChar char="●"/>
               <a:defRPr/>
             </a:lvl4pPr>
-            <a:lvl5pPr indent="-317500" lvl="4" marL="2286000" algn="ctr">
+            <a:lvl5pPr marL="2286000" lvl="4" indent="-317500" algn="ctr">
               <a:spcBef>
                 <a:spcPts val="0"/>
               </a:spcBef>
@@ -1910,7 +2291,7 @@
               <a:buChar char="○"/>
               <a:defRPr/>
             </a:lvl5pPr>
-            <a:lvl6pPr indent="-317500" lvl="5" marL="2743200" algn="ctr">
+            <a:lvl6pPr marL="2743200" lvl="5" indent="-317500" algn="ctr">
               <a:spcBef>
                 <a:spcPts val="0"/>
               </a:spcBef>
@@ -1921,7 +2302,7 @@
               <a:buChar char="■"/>
               <a:defRPr/>
             </a:lvl6pPr>
-            <a:lvl7pPr indent="-317500" lvl="6" marL="3200400" algn="ctr">
+            <a:lvl7pPr marL="3200400" lvl="6" indent="-317500" algn="ctr">
               <a:spcBef>
                 <a:spcPts val="0"/>
               </a:spcBef>
@@ -1932,7 +2313,7 @@
               <a:buChar char="●"/>
               <a:defRPr/>
             </a:lvl7pPr>
-            <a:lvl8pPr indent="-317500" lvl="7" marL="3657600" algn="ctr">
+            <a:lvl8pPr marL="3657600" lvl="7" indent="-317500" algn="ctr">
               <a:spcBef>
                 <a:spcPts val="0"/>
               </a:spcBef>
@@ -1943,7 +2324,7 @@
               <a:buChar char="○"/>
               <a:defRPr/>
             </a:lvl8pPr>
-            <a:lvl9pPr indent="-317500" lvl="8" marL="4114800" algn="ctr">
+            <a:lvl9pPr marL="4114800" lvl="8" indent="-317500" algn="ctr">
               <a:spcBef>
                 <a:spcPts val="0"/>
               </a:spcBef>
@@ -1955,15 +2336,19 @@
               <a:defRPr/>
             </a:lvl9pPr>
           </a:lstStyle>
-          <a:p/>
+          <a:p>
+            <a:endParaRPr/>
+          </a:p>
         </p:txBody>
       </p:sp>
       <p:sp>
         <p:nvSpPr>
           <p:cNvPr id="47" name="Google Shape;47;p11"/>
-          <p:cNvSpPr txBox="1"/>
+          <p:cNvSpPr txBox="1">
+            <a:spLocks noGrp="1"/>
+          </p:cNvSpPr>
           <p:nvPr>
-            <p:ph idx="12" type="sldNum"/>
+            <p:ph type="sldNum" idx="12"/>
           </p:nvPr>
         </p:nvSpPr>
         <p:spPr>
@@ -1976,7 +2361,7 @@
           </a:prstGeom>
         </p:spPr>
         <p:txBody>
-          <a:bodyPr anchorCtr="0" anchor="ctr" bIns="91425" lIns="91425" spcFirstLastPara="1" rIns="91425" wrap="square" tIns="91425">
+          <a:bodyPr spcFirstLastPara="1" wrap="square" lIns="91425" tIns="91425" rIns="91425" bIns="91425" anchor="ctr" anchorCtr="0">
             <a:normAutofit/>
           </a:bodyPr>
           <a:lstStyle>
@@ -2018,7 +2403,7 @@
             </a:lvl9pPr>
           </a:lstStyle>
           <a:p>
-            <a:pPr indent="0" lvl="0" marL="0" rtl="0" algn="r">
+            <a:pPr marL="0" lvl="0" indent="0" algn="r" rtl="0">
               <a:spcBef>
                 <a:spcPts val="0"/>
               </a:spcBef>
@@ -2044,11 +2429,11 @@
 </file>
 
 <file path=ppt/slideLayouts/slideLayout11.xml><?xml version="1.0" encoding="utf-8"?>
-<p:sldLayout xmlns:a="http://schemas.openxmlformats.org/drawingml/2006/main" xmlns:r="http://schemas.openxmlformats.org/officeDocument/2006/relationships" xmlns:mc="http://schemas.openxmlformats.org/markup-compatibility/2006" xmlns:mv="urn:schemas-microsoft-com:mac:vml" xmlns:p="http://schemas.openxmlformats.org/presentationml/2006/main" xmlns:c="http://schemas.openxmlformats.org/drawingml/2006/chart" xmlns:dgm="http://schemas.openxmlformats.org/drawingml/2006/diagram" xmlns:o="urn:schemas-microsoft-com:office:office" xmlns:v="urn:schemas-microsoft-com:vml" xmlns:pvml="urn:schemas-microsoft-com:office:powerpoint" xmlns:com="http://schemas.openxmlformats.org/drawingml/2006/compatibility" xmlns:p14="http://schemas.microsoft.com/office/powerpoint/2010/main" xmlns:p15="http://schemas.microsoft.com/office/powerpoint/2012/main" xmlns:ahyp="http://schemas.microsoft.com/office/drawing/2018/hyperlinkcolor" matchingName="Blank" type="blank">
+<p:sldLayout xmlns:a="http://schemas.openxmlformats.org/drawingml/2006/main" xmlns:r="http://schemas.openxmlformats.org/officeDocument/2006/relationships" xmlns:p="http://schemas.openxmlformats.org/presentationml/2006/main" matchingName="Blank" type="blank">
   <p:cSld name="BLANK">
     <p:spTree>
       <p:nvGrpSpPr>
-        <p:cNvPr id="48" name="Shape 48"/>
+        <p:cNvPr id="1" name="Shape 48"/>
         <p:cNvGrpSpPr/>
         <p:nvPr/>
       </p:nvGrpSpPr>
@@ -2063,9 +2448,11 @@
       <p:sp>
         <p:nvSpPr>
           <p:cNvPr id="49" name="Google Shape;49;p12"/>
-          <p:cNvSpPr txBox="1"/>
+          <p:cNvSpPr txBox="1">
+            <a:spLocks noGrp="1"/>
+          </p:cNvSpPr>
           <p:nvPr>
-            <p:ph idx="12" type="sldNum"/>
+            <p:ph type="sldNum" idx="12"/>
           </p:nvPr>
         </p:nvSpPr>
         <p:spPr>
@@ -2078,7 +2465,7 @@
           </a:prstGeom>
         </p:spPr>
         <p:txBody>
-          <a:bodyPr anchorCtr="0" anchor="ctr" bIns="91425" lIns="91425" spcFirstLastPara="1" rIns="91425" wrap="square" tIns="91425">
+          <a:bodyPr spcFirstLastPara="1" wrap="square" lIns="91425" tIns="91425" rIns="91425" bIns="91425" anchor="ctr" anchorCtr="0">
             <a:normAutofit/>
           </a:bodyPr>
           <a:lstStyle>
@@ -2120,7 +2507,7 @@
             </a:lvl9pPr>
           </a:lstStyle>
           <a:p>
-            <a:pPr indent="0" lvl="0" marL="0" rtl="0" algn="r">
+            <a:pPr marL="0" lvl="0" indent="0" algn="r" rtl="0">
               <a:spcBef>
                 <a:spcPts val="0"/>
               </a:spcBef>
@@ -2146,11 +2533,11 @@
 </file>
 
 <file path=ppt/slideLayouts/slideLayout2.xml><?xml version="1.0" encoding="utf-8"?>
-<p:sldLayout xmlns:a="http://schemas.openxmlformats.org/drawingml/2006/main" xmlns:r="http://schemas.openxmlformats.org/officeDocument/2006/relationships" xmlns:mc="http://schemas.openxmlformats.org/markup-compatibility/2006" xmlns:mv="urn:schemas-microsoft-com:mac:vml" xmlns:p="http://schemas.openxmlformats.org/presentationml/2006/main" xmlns:c="http://schemas.openxmlformats.org/drawingml/2006/chart" xmlns:dgm="http://schemas.openxmlformats.org/drawingml/2006/diagram" xmlns:o="urn:schemas-microsoft-com:office:office" xmlns:v="urn:schemas-microsoft-com:vml" xmlns:pvml="urn:schemas-microsoft-com:office:powerpoint" xmlns:com="http://schemas.openxmlformats.org/drawingml/2006/compatibility" xmlns:p14="http://schemas.microsoft.com/office/powerpoint/2010/main" xmlns:p15="http://schemas.microsoft.com/office/powerpoint/2012/main" xmlns:ahyp="http://schemas.microsoft.com/office/drawing/2018/hyperlinkcolor" matchingName="Section header" type="secHead">
+<p:sldLayout xmlns:a="http://schemas.openxmlformats.org/drawingml/2006/main" xmlns:r="http://schemas.openxmlformats.org/officeDocument/2006/relationships" xmlns:p="http://schemas.openxmlformats.org/presentationml/2006/main" matchingName="Section header" type="secHead">
   <p:cSld name="SECTION_HEADER">
     <p:spTree>
       <p:nvGrpSpPr>
-        <p:cNvPr id="13" name="Shape 13"/>
+        <p:cNvPr id="1" name="Shape 13"/>
         <p:cNvGrpSpPr/>
         <p:nvPr/>
       </p:nvGrpSpPr>
@@ -2165,7 +2552,9 @@
       <p:sp>
         <p:nvSpPr>
           <p:cNvPr id="14" name="Google Shape;14;p3"/>
-          <p:cNvSpPr txBox="1"/>
+          <p:cNvSpPr txBox="1">
+            <a:spLocks noGrp="1"/>
+          </p:cNvSpPr>
           <p:nvPr>
             <p:ph type="title"/>
           </p:nvPr>
@@ -2180,7 +2569,7 @@
           </a:prstGeom>
         </p:spPr>
         <p:txBody>
-          <a:bodyPr anchorCtr="0" anchor="ctr" bIns="91425" lIns="91425" spcFirstLastPara="1" rIns="91425" wrap="square" tIns="91425">
+          <a:bodyPr spcFirstLastPara="1" wrap="square" lIns="91425" tIns="91425" rIns="91425" bIns="91425" anchor="ctr" anchorCtr="0">
             <a:normAutofit/>
           </a:bodyPr>
           <a:lstStyle>
@@ -2284,15 +2673,19 @@
               <a:defRPr sz="3600"/>
             </a:lvl9pPr>
           </a:lstStyle>
-          <a:p/>
+          <a:p>
+            <a:endParaRPr/>
+          </a:p>
         </p:txBody>
       </p:sp>
       <p:sp>
         <p:nvSpPr>
           <p:cNvPr id="15" name="Google Shape;15;p3"/>
-          <p:cNvSpPr txBox="1"/>
+          <p:cNvSpPr txBox="1">
+            <a:spLocks noGrp="1"/>
+          </p:cNvSpPr>
           <p:nvPr>
-            <p:ph idx="12" type="sldNum"/>
+            <p:ph type="sldNum" idx="12"/>
           </p:nvPr>
         </p:nvSpPr>
         <p:spPr>
@@ -2305,7 +2698,7 @@
           </a:prstGeom>
         </p:spPr>
         <p:txBody>
-          <a:bodyPr anchorCtr="0" anchor="ctr" bIns="91425" lIns="91425" spcFirstLastPara="1" rIns="91425" wrap="square" tIns="91425">
+          <a:bodyPr spcFirstLastPara="1" wrap="square" lIns="91425" tIns="91425" rIns="91425" bIns="91425" anchor="ctr" anchorCtr="0">
             <a:normAutofit/>
           </a:bodyPr>
           <a:lstStyle>
@@ -2347,7 +2740,7 @@
             </a:lvl9pPr>
           </a:lstStyle>
           <a:p>
-            <a:pPr indent="0" lvl="0" marL="0" rtl="0" algn="r">
+            <a:pPr marL="0" lvl="0" indent="0" algn="r" rtl="0">
               <a:spcBef>
                 <a:spcPts val="0"/>
               </a:spcBef>
@@ -2373,11 +2766,11 @@
 </file>
 
 <file path=ppt/slideLayouts/slideLayout3.xml><?xml version="1.0" encoding="utf-8"?>
-<p:sldLayout xmlns:a="http://schemas.openxmlformats.org/drawingml/2006/main" xmlns:r="http://schemas.openxmlformats.org/officeDocument/2006/relationships" xmlns:mc="http://schemas.openxmlformats.org/markup-compatibility/2006" xmlns:mv="urn:schemas-microsoft-com:mac:vml" xmlns:p="http://schemas.openxmlformats.org/presentationml/2006/main" xmlns:c="http://schemas.openxmlformats.org/drawingml/2006/chart" xmlns:dgm="http://schemas.openxmlformats.org/drawingml/2006/diagram" xmlns:o="urn:schemas-microsoft-com:office:office" xmlns:v="urn:schemas-microsoft-com:vml" xmlns:pvml="urn:schemas-microsoft-com:office:powerpoint" xmlns:com="http://schemas.openxmlformats.org/drawingml/2006/compatibility" xmlns:p14="http://schemas.microsoft.com/office/powerpoint/2010/main" xmlns:p15="http://schemas.microsoft.com/office/powerpoint/2012/main" xmlns:ahyp="http://schemas.microsoft.com/office/drawing/2018/hyperlinkcolor" matchingName="Title and body" type="tx">
+<p:sldLayout xmlns:a="http://schemas.openxmlformats.org/drawingml/2006/main" xmlns:r="http://schemas.openxmlformats.org/officeDocument/2006/relationships" xmlns:p="http://schemas.openxmlformats.org/presentationml/2006/main" matchingName="Title and body" type="tx">
   <p:cSld name="TITLE_AND_BODY">
     <p:spTree>
       <p:nvGrpSpPr>
-        <p:cNvPr id="16" name="Shape 16"/>
+        <p:cNvPr id="1" name="Shape 16"/>
         <p:cNvGrpSpPr/>
         <p:nvPr/>
       </p:nvGrpSpPr>
@@ -2392,7 +2785,9 @@
       <p:sp>
         <p:nvSpPr>
           <p:cNvPr id="17" name="Google Shape;17;p4"/>
-          <p:cNvSpPr txBox="1"/>
+          <p:cNvSpPr txBox="1">
+            <a:spLocks noGrp="1"/>
+          </p:cNvSpPr>
           <p:nvPr>
             <p:ph type="title"/>
           </p:nvPr>
@@ -2407,7 +2802,7 @@
           </a:prstGeom>
         </p:spPr>
         <p:txBody>
-          <a:bodyPr anchorCtr="0" anchor="t" bIns="91425" lIns="91425" spcFirstLastPara="1" rIns="91425" wrap="square" tIns="91425">
+          <a:bodyPr spcFirstLastPara="1" wrap="square" lIns="91425" tIns="91425" rIns="91425" bIns="91425" anchor="t" anchorCtr="0">
             <a:normAutofit/>
           </a:bodyPr>
           <a:lstStyle>
@@ -2511,15 +2906,19 @@
               <a:defRPr/>
             </a:lvl9pPr>
           </a:lstStyle>
-          <a:p/>
+          <a:p>
+            <a:endParaRPr/>
+          </a:p>
         </p:txBody>
       </p:sp>
       <p:sp>
         <p:nvSpPr>
           <p:cNvPr id="18" name="Google Shape;18;p4"/>
-          <p:cNvSpPr txBox="1"/>
+          <p:cNvSpPr txBox="1">
+            <a:spLocks noGrp="1"/>
+          </p:cNvSpPr>
           <p:nvPr>
-            <p:ph idx="1" type="body"/>
+            <p:ph type="body" idx="1"/>
           </p:nvPr>
         </p:nvSpPr>
         <p:spPr>
@@ -2532,11 +2931,11 @@
           </a:prstGeom>
         </p:spPr>
         <p:txBody>
-          <a:bodyPr anchorCtr="0" anchor="t" bIns="91425" lIns="91425" spcFirstLastPara="1" rIns="91425" wrap="square" tIns="91425">
+          <a:bodyPr spcFirstLastPara="1" wrap="square" lIns="91425" tIns="91425" rIns="91425" bIns="91425" anchor="t" anchorCtr="0">
             <a:normAutofit/>
           </a:bodyPr>
           <a:lstStyle>
-            <a:lvl1pPr indent="-342900" lvl="0" marL="457200">
+            <a:lvl1pPr marL="457200" lvl="0" indent="-342900">
               <a:spcBef>
                 <a:spcPts val="0"/>
               </a:spcBef>
@@ -2547,7 +2946,7 @@
               <a:buChar char="●"/>
               <a:defRPr/>
             </a:lvl1pPr>
-            <a:lvl2pPr indent="-317500" lvl="1" marL="914400">
+            <a:lvl2pPr marL="914400" lvl="1" indent="-317500">
               <a:spcBef>
                 <a:spcPts val="0"/>
               </a:spcBef>
@@ -2558,7 +2957,7 @@
               <a:buChar char="○"/>
               <a:defRPr/>
             </a:lvl2pPr>
-            <a:lvl3pPr indent="-317500" lvl="2" marL="1371600">
+            <a:lvl3pPr marL="1371600" lvl="2" indent="-317500">
               <a:spcBef>
                 <a:spcPts val="0"/>
               </a:spcBef>
@@ -2569,7 +2968,7 @@
               <a:buChar char="■"/>
               <a:defRPr/>
             </a:lvl3pPr>
-            <a:lvl4pPr indent="-317500" lvl="3" marL="1828800">
+            <a:lvl4pPr marL="1828800" lvl="3" indent="-317500">
               <a:spcBef>
                 <a:spcPts val="0"/>
               </a:spcBef>
@@ -2580,7 +2979,7 @@
               <a:buChar char="●"/>
               <a:defRPr/>
             </a:lvl4pPr>
-            <a:lvl5pPr indent="-317500" lvl="4" marL="2286000">
+            <a:lvl5pPr marL="2286000" lvl="4" indent="-317500">
               <a:spcBef>
                 <a:spcPts val="0"/>
               </a:spcBef>
@@ -2591,7 +2990,7 @@
               <a:buChar char="○"/>
               <a:defRPr/>
             </a:lvl5pPr>
-            <a:lvl6pPr indent="-317500" lvl="5" marL="2743200">
+            <a:lvl6pPr marL="2743200" lvl="5" indent="-317500">
               <a:spcBef>
                 <a:spcPts val="0"/>
               </a:spcBef>
@@ -2602,7 +3001,7 @@
               <a:buChar char="■"/>
               <a:defRPr/>
             </a:lvl6pPr>
-            <a:lvl7pPr indent="-317500" lvl="6" marL="3200400">
+            <a:lvl7pPr marL="3200400" lvl="6" indent="-317500">
               <a:spcBef>
                 <a:spcPts val="0"/>
               </a:spcBef>
@@ -2613,7 +3012,7 @@
               <a:buChar char="●"/>
               <a:defRPr/>
             </a:lvl7pPr>
-            <a:lvl8pPr indent="-317500" lvl="7" marL="3657600">
+            <a:lvl8pPr marL="3657600" lvl="7" indent="-317500">
               <a:spcBef>
                 <a:spcPts val="0"/>
               </a:spcBef>
@@ -2624,7 +3023,7 @@
               <a:buChar char="○"/>
               <a:defRPr/>
             </a:lvl8pPr>
-            <a:lvl9pPr indent="-317500" lvl="8" marL="4114800">
+            <a:lvl9pPr marL="4114800" lvl="8" indent="-317500">
               <a:spcBef>
                 <a:spcPts val="0"/>
               </a:spcBef>
@@ -2636,15 +3035,19 @@
               <a:defRPr/>
             </a:lvl9pPr>
           </a:lstStyle>
-          <a:p/>
+          <a:p>
+            <a:endParaRPr/>
+          </a:p>
         </p:txBody>
       </p:sp>
       <p:sp>
         <p:nvSpPr>
           <p:cNvPr id="19" name="Google Shape;19;p4"/>
-          <p:cNvSpPr txBox="1"/>
+          <p:cNvSpPr txBox="1">
+            <a:spLocks noGrp="1"/>
+          </p:cNvSpPr>
           <p:nvPr>
-            <p:ph idx="12" type="sldNum"/>
+            <p:ph type="sldNum" idx="12"/>
           </p:nvPr>
         </p:nvSpPr>
         <p:spPr>
@@ -2657,7 +3060,7 @@
           </a:prstGeom>
         </p:spPr>
         <p:txBody>
-          <a:bodyPr anchorCtr="0" anchor="ctr" bIns="91425" lIns="91425" spcFirstLastPara="1" rIns="91425" wrap="square" tIns="91425">
+          <a:bodyPr spcFirstLastPara="1" wrap="square" lIns="91425" tIns="91425" rIns="91425" bIns="91425" anchor="ctr" anchorCtr="0">
             <a:normAutofit/>
           </a:bodyPr>
           <a:lstStyle>
@@ -2699,7 +3102,7 @@
             </a:lvl9pPr>
           </a:lstStyle>
           <a:p>
-            <a:pPr indent="0" lvl="0" marL="0" rtl="0" algn="r">
+            <a:pPr marL="0" lvl="0" indent="0" algn="r" rtl="0">
               <a:spcBef>
                 <a:spcPts val="0"/>
               </a:spcBef>
@@ -2725,11 +3128,11 @@
 </file>
 
 <file path=ppt/slideLayouts/slideLayout4.xml><?xml version="1.0" encoding="utf-8"?>
-<p:sldLayout xmlns:a="http://schemas.openxmlformats.org/drawingml/2006/main" xmlns:r="http://schemas.openxmlformats.org/officeDocument/2006/relationships" xmlns:mc="http://schemas.openxmlformats.org/markup-compatibility/2006" xmlns:mv="urn:schemas-microsoft-com:mac:vml" xmlns:p="http://schemas.openxmlformats.org/presentationml/2006/main" xmlns:c="http://schemas.openxmlformats.org/drawingml/2006/chart" xmlns:dgm="http://schemas.openxmlformats.org/drawingml/2006/diagram" xmlns:o="urn:schemas-microsoft-com:office:office" xmlns:v="urn:schemas-microsoft-com:vml" xmlns:pvml="urn:schemas-microsoft-com:office:powerpoint" xmlns:com="http://schemas.openxmlformats.org/drawingml/2006/compatibility" xmlns:p14="http://schemas.microsoft.com/office/powerpoint/2010/main" xmlns:p15="http://schemas.microsoft.com/office/powerpoint/2012/main" xmlns:ahyp="http://schemas.microsoft.com/office/drawing/2018/hyperlinkcolor" matchingName="Title and two columns" type="twoColTx">
+<p:sldLayout xmlns:a="http://schemas.openxmlformats.org/drawingml/2006/main" xmlns:r="http://schemas.openxmlformats.org/officeDocument/2006/relationships" xmlns:p="http://schemas.openxmlformats.org/presentationml/2006/main" matchingName="Title and two columns" type="twoColTx">
   <p:cSld name="TITLE_AND_TWO_COLUMNS">
     <p:spTree>
       <p:nvGrpSpPr>
-        <p:cNvPr id="20" name="Shape 20"/>
+        <p:cNvPr id="1" name="Shape 20"/>
         <p:cNvGrpSpPr/>
         <p:nvPr/>
       </p:nvGrpSpPr>
@@ -2744,7 +3147,9 @@
       <p:sp>
         <p:nvSpPr>
           <p:cNvPr id="21" name="Google Shape;21;p5"/>
-          <p:cNvSpPr txBox="1"/>
+          <p:cNvSpPr txBox="1">
+            <a:spLocks noGrp="1"/>
+          </p:cNvSpPr>
           <p:nvPr>
             <p:ph type="title"/>
           </p:nvPr>
@@ -2759,7 +3164,7 @@
           </a:prstGeom>
         </p:spPr>
         <p:txBody>
-          <a:bodyPr anchorCtr="0" anchor="t" bIns="91425" lIns="91425" spcFirstLastPara="1" rIns="91425" wrap="square" tIns="91425">
+          <a:bodyPr spcFirstLastPara="1" wrap="square" lIns="91425" tIns="91425" rIns="91425" bIns="91425" anchor="t" anchorCtr="0">
             <a:normAutofit/>
           </a:bodyPr>
           <a:lstStyle>
@@ -2863,15 +3268,19 @@
               <a:defRPr/>
             </a:lvl9pPr>
           </a:lstStyle>
-          <a:p/>
+          <a:p>
+            <a:endParaRPr/>
+          </a:p>
         </p:txBody>
       </p:sp>
       <p:sp>
         <p:nvSpPr>
           <p:cNvPr id="22" name="Google Shape;22;p5"/>
-          <p:cNvSpPr txBox="1"/>
+          <p:cNvSpPr txBox="1">
+            <a:spLocks noGrp="1"/>
+          </p:cNvSpPr>
           <p:nvPr>
-            <p:ph idx="1" type="body"/>
+            <p:ph type="body" idx="1"/>
           </p:nvPr>
         </p:nvSpPr>
         <p:spPr>
@@ -2884,11 +3293,11 @@
           </a:prstGeom>
         </p:spPr>
         <p:txBody>
-          <a:bodyPr anchorCtr="0" anchor="t" bIns="91425" lIns="91425" spcFirstLastPara="1" rIns="91425" wrap="square" tIns="91425">
+          <a:bodyPr spcFirstLastPara="1" wrap="square" lIns="91425" tIns="91425" rIns="91425" bIns="91425" anchor="t" anchorCtr="0">
             <a:normAutofit/>
           </a:bodyPr>
           <a:lstStyle>
-            <a:lvl1pPr indent="-317500" lvl="0" marL="457200">
+            <a:lvl1pPr marL="457200" lvl="0" indent="-317500">
               <a:spcBef>
                 <a:spcPts val="0"/>
               </a:spcBef>
@@ -2899,7 +3308,7 @@
               <a:buChar char="●"/>
               <a:defRPr sz="1400"/>
             </a:lvl1pPr>
-            <a:lvl2pPr indent="-304800" lvl="1" marL="914400">
+            <a:lvl2pPr marL="914400" lvl="1" indent="-304800">
               <a:spcBef>
                 <a:spcPts val="0"/>
               </a:spcBef>
@@ -2910,7 +3319,7 @@
               <a:buChar char="○"/>
               <a:defRPr sz="1200"/>
             </a:lvl2pPr>
-            <a:lvl3pPr indent="-304800" lvl="2" marL="1371600">
+            <a:lvl3pPr marL="1371600" lvl="2" indent="-304800">
               <a:spcBef>
                 <a:spcPts val="0"/>
               </a:spcBef>
@@ -2921,7 +3330,7 @@
               <a:buChar char="■"/>
               <a:defRPr sz="1200"/>
             </a:lvl3pPr>
-            <a:lvl4pPr indent="-304800" lvl="3" marL="1828800">
+            <a:lvl4pPr marL="1828800" lvl="3" indent="-304800">
               <a:spcBef>
                 <a:spcPts val="0"/>
               </a:spcBef>
@@ -2932,7 +3341,7 @@
               <a:buChar char="●"/>
               <a:defRPr sz="1200"/>
             </a:lvl4pPr>
-            <a:lvl5pPr indent="-304800" lvl="4" marL="2286000">
+            <a:lvl5pPr marL="2286000" lvl="4" indent="-304800">
               <a:spcBef>
                 <a:spcPts val="0"/>
               </a:spcBef>
@@ -2943,7 +3352,7 @@
               <a:buChar char="○"/>
               <a:defRPr sz="1200"/>
             </a:lvl5pPr>
-            <a:lvl6pPr indent="-304800" lvl="5" marL="2743200">
+            <a:lvl6pPr marL="2743200" lvl="5" indent="-304800">
               <a:spcBef>
                 <a:spcPts val="0"/>
               </a:spcBef>
@@ -2954,7 +3363,7 @@
               <a:buChar char="■"/>
               <a:defRPr sz="1200"/>
             </a:lvl6pPr>
-            <a:lvl7pPr indent="-304800" lvl="6" marL="3200400">
+            <a:lvl7pPr marL="3200400" lvl="6" indent="-304800">
               <a:spcBef>
                 <a:spcPts val="0"/>
               </a:spcBef>
@@ -2965,7 +3374,7 @@
               <a:buChar char="●"/>
               <a:defRPr sz="1200"/>
             </a:lvl7pPr>
-            <a:lvl8pPr indent="-304800" lvl="7" marL="3657600">
+            <a:lvl8pPr marL="3657600" lvl="7" indent="-304800">
               <a:spcBef>
                 <a:spcPts val="0"/>
               </a:spcBef>
@@ -2976,7 +3385,7 @@
               <a:buChar char="○"/>
               <a:defRPr sz="1200"/>
             </a:lvl8pPr>
-            <a:lvl9pPr indent="-304800" lvl="8" marL="4114800">
+            <a:lvl9pPr marL="4114800" lvl="8" indent="-304800">
               <a:spcBef>
                 <a:spcPts val="0"/>
               </a:spcBef>
@@ -2988,15 +3397,19 @@
               <a:defRPr sz="1200"/>
             </a:lvl9pPr>
           </a:lstStyle>
-          <a:p/>
+          <a:p>
+            <a:endParaRPr/>
+          </a:p>
         </p:txBody>
       </p:sp>
       <p:sp>
         <p:nvSpPr>
           <p:cNvPr id="23" name="Google Shape;23;p5"/>
-          <p:cNvSpPr txBox="1"/>
+          <p:cNvSpPr txBox="1">
+            <a:spLocks noGrp="1"/>
+          </p:cNvSpPr>
           <p:nvPr>
-            <p:ph idx="2" type="body"/>
+            <p:ph type="body" idx="2"/>
           </p:nvPr>
         </p:nvSpPr>
         <p:spPr>
@@ -3009,11 +3422,11 @@
           </a:prstGeom>
         </p:spPr>
         <p:txBody>
-          <a:bodyPr anchorCtr="0" anchor="t" bIns="91425" lIns="91425" spcFirstLastPara="1" rIns="91425" wrap="square" tIns="91425">
+          <a:bodyPr spcFirstLastPara="1" wrap="square" lIns="91425" tIns="91425" rIns="91425" bIns="91425" anchor="t" anchorCtr="0">
             <a:normAutofit/>
           </a:bodyPr>
           <a:lstStyle>
-            <a:lvl1pPr indent="-317500" lvl="0" marL="457200">
+            <a:lvl1pPr marL="457200" lvl="0" indent="-317500">
               <a:spcBef>
                 <a:spcPts val="0"/>
               </a:spcBef>
@@ -3024,7 +3437,7 @@
               <a:buChar char="●"/>
               <a:defRPr sz="1400"/>
             </a:lvl1pPr>
-            <a:lvl2pPr indent="-304800" lvl="1" marL="914400">
+            <a:lvl2pPr marL="914400" lvl="1" indent="-304800">
               <a:spcBef>
                 <a:spcPts val="0"/>
               </a:spcBef>
@@ -3035,7 +3448,7 @@
               <a:buChar char="○"/>
               <a:defRPr sz="1200"/>
             </a:lvl2pPr>
-            <a:lvl3pPr indent="-304800" lvl="2" marL="1371600">
+            <a:lvl3pPr marL="1371600" lvl="2" indent="-304800">
               <a:spcBef>
                 <a:spcPts val="0"/>
               </a:spcBef>
@@ -3046,7 +3459,7 @@
               <a:buChar char="■"/>
               <a:defRPr sz="1200"/>
             </a:lvl3pPr>
-            <a:lvl4pPr indent="-304800" lvl="3" marL="1828800">
+            <a:lvl4pPr marL="1828800" lvl="3" indent="-304800">
               <a:spcBef>
                 <a:spcPts val="0"/>
               </a:spcBef>
@@ -3057,7 +3470,7 @@
               <a:buChar char="●"/>
               <a:defRPr sz="1200"/>
             </a:lvl4pPr>
-            <a:lvl5pPr indent="-304800" lvl="4" marL="2286000">
+            <a:lvl5pPr marL="2286000" lvl="4" indent="-304800">
               <a:spcBef>
                 <a:spcPts val="0"/>
               </a:spcBef>
@@ -3068,7 +3481,7 @@
               <a:buChar char="○"/>
               <a:defRPr sz="1200"/>
             </a:lvl5pPr>
-            <a:lvl6pPr indent="-304800" lvl="5" marL="2743200">
+            <a:lvl6pPr marL="2743200" lvl="5" indent="-304800">
               <a:spcBef>
                 <a:spcPts val="0"/>
               </a:spcBef>
@@ -3079,7 +3492,7 @@
               <a:buChar char="■"/>
               <a:defRPr sz="1200"/>
             </a:lvl6pPr>
-            <a:lvl7pPr indent="-304800" lvl="6" marL="3200400">
+            <a:lvl7pPr marL="3200400" lvl="6" indent="-304800">
               <a:spcBef>
                 <a:spcPts val="0"/>
               </a:spcBef>
@@ -3090,7 +3503,7 @@
               <a:buChar char="●"/>
               <a:defRPr sz="1200"/>
             </a:lvl7pPr>
-            <a:lvl8pPr indent="-304800" lvl="7" marL="3657600">
+            <a:lvl8pPr marL="3657600" lvl="7" indent="-304800">
               <a:spcBef>
                 <a:spcPts val="0"/>
               </a:spcBef>
@@ -3101,7 +3514,7 @@
               <a:buChar char="○"/>
               <a:defRPr sz="1200"/>
             </a:lvl8pPr>
-            <a:lvl9pPr indent="-304800" lvl="8" marL="4114800">
+            <a:lvl9pPr marL="4114800" lvl="8" indent="-304800">
               <a:spcBef>
                 <a:spcPts val="0"/>
               </a:spcBef>
@@ -3113,15 +3526,19 @@
               <a:defRPr sz="1200"/>
             </a:lvl9pPr>
           </a:lstStyle>
-          <a:p/>
+          <a:p>
+            <a:endParaRPr/>
+          </a:p>
         </p:txBody>
       </p:sp>
       <p:sp>
         <p:nvSpPr>
           <p:cNvPr id="24" name="Google Shape;24;p5"/>
-          <p:cNvSpPr txBox="1"/>
+          <p:cNvSpPr txBox="1">
+            <a:spLocks noGrp="1"/>
+          </p:cNvSpPr>
           <p:nvPr>
-            <p:ph idx="12" type="sldNum"/>
+            <p:ph type="sldNum" idx="12"/>
           </p:nvPr>
         </p:nvSpPr>
         <p:spPr>
@@ -3134,7 +3551,7 @@
           </a:prstGeom>
         </p:spPr>
         <p:txBody>
-          <a:bodyPr anchorCtr="0" anchor="ctr" bIns="91425" lIns="91425" spcFirstLastPara="1" rIns="91425" wrap="square" tIns="91425">
+          <a:bodyPr spcFirstLastPara="1" wrap="square" lIns="91425" tIns="91425" rIns="91425" bIns="91425" anchor="ctr" anchorCtr="0">
             <a:normAutofit/>
           </a:bodyPr>
           <a:lstStyle>
@@ -3176,7 +3593,7 @@
             </a:lvl9pPr>
           </a:lstStyle>
           <a:p>
-            <a:pPr indent="0" lvl="0" marL="0" rtl="0" algn="r">
+            <a:pPr marL="0" lvl="0" indent="0" algn="r" rtl="0">
               <a:spcBef>
                 <a:spcPts val="0"/>
               </a:spcBef>
@@ -3202,11 +3619,11 @@
 </file>
 
 <file path=ppt/slideLayouts/slideLayout5.xml><?xml version="1.0" encoding="utf-8"?>
-<p:sldLayout xmlns:a="http://schemas.openxmlformats.org/drawingml/2006/main" xmlns:r="http://schemas.openxmlformats.org/officeDocument/2006/relationships" xmlns:mc="http://schemas.openxmlformats.org/markup-compatibility/2006" xmlns:mv="urn:schemas-microsoft-com:mac:vml" xmlns:p="http://schemas.openxmlformats.org/presentationml/2006/main" xmlns:c="http://schemas.openxmlformats.org/drawingml/2006/chart" xmlns:dgm="http://schemas.openxmlformats.org/drawingml/2006/diagram" xmlns:o="urn:schemas-microsoft-com:office:office" xmlns:v="urn:schemas-microsoft-com:vml" xmlns:pvml="urn:schemas-microsoft-com:office:powerpoint" xmlns:com="http://schemas.openxmlformats.org/drawingml/2006/compatibility" xmlns:p14="http://schemas.microsoft.com/office/powerpoint/2010/main" xmlns:p15="http://schemas.microsoft.com/office/powerpoint/2012/main" xmlns:ahyp="http://schemas.microsoft.com/office/drawing/2018/hyperlinkcolor" matchingName="Title only" type="titleOnly">
+<p:sldLayout xmlns:a="http://schemas.openxmlformats.org/drawingml/2006/main" xmlns:r="http://schemas.openxmlformats.org/officeDocument/2006/relationships" xmlns:p="http://schemas.openxmlformats.org/presentationml/2006/main" matchingName="Title only" type="titleOnly">
   <p:cSld name="TITLE_ONLY">
     <p:spTree>
       <p:nvGrpSpPr>
-        <p:cNvPr id="25" name="Shape 25"/>
+        <p:cNvPr id="1" name="Shape 25"/>
         <p:cNvGrpSpPr/>
         <p:nvPr/>
       </p:nvGrpSpPr>
@@ -3221,7 +3638,9 @@
       <p:sp>
         <p:nvSpPr>
           <p:cNvPr id="26" name="Google Shape;26;p6"/>
-          <p:cNvSpPr txBox="1"/>
+          <p:cNvSpPr txBox="1">
+            <a:spLocks noGrp="1"/>
+          </p:cNvSpPr>
           <p:nvPr>
             <p:ph type="title"/>
           </p:nvPr>
@@ -3236,7 +3655,7 @@
           </a:prstGeom>
         </p:spPr>
         <p:txBody>
-          <a:bodyPr anchorCtr="0" anchor="t" bIns="91425" lIns="91425" spcFirstLastPara="1" rIns="91425" wrap="square" tIns="91425">
+          <a:bodyPr spcFirstLastPara="1" wrap="square" lIns="91425" tIns="91425" rIns="91425" bIns="91425" anchor="t" anchorCtr="0">
             <a:normAutofit/>
           </a:bodyPr>
           <a:lstStyle>
@@ -3340,15 +3759,19 @@
               <a:defRPr/>
             </a:lvl9pPr>
           </a:lstStyle>
-          <a:p/>
+          <a:p>
+            <a:endParaRPr/>
+          </a:p>
         </p:txBody>
       </p:sp>
       <p:sp>
         <p:nvSpPr>
           <p:cNvPr id="27" name="Google Shape;27;p6"/>
-          <p:cNvSpPr txBox="1"/>
+          <p:cNvSpPr txBox="1">
+            <a:spLocks noGrp="1"/>
+          </p:cNvSpPr>
           <p:nvPr>
-            <p:ph idx="12" type="sldNum"/>
+            <p:ph type="sldNum" idx="12"/>
           </p:nvPr>
         </p:nvSpPr>
         <p:spPr>
@@ -3361,7 +3784,7 @@
           </a:prstGeom>
         </p:spPr>
         <p:txBody>
-          <a:bodyPr anchorCtr="0" anchor="ctr" bIns="91425" lIns="91425" spcFirstLastPara="1" rIns="91425" wrap="square" tIns="91425">
+          <a:bodyPr spcFirstLastPara="1" wrap="square" lIns="91425" tIns="91425" rIns="91425" bIns="91425" anchor="ctr" anchorCtr="0">
             <a:normAutofit/>
           </a:bodyPr>
           <a:lstStyle>
@@ -3403,7 +3826,7 @@
             </a:lvl9pPr>
           </a:lstStyle>
           <a:p>
-            <a:pPr indent="0" lvl="0" marL="0" rtl="0" algn="r">
+            <a:pPr marL="0" lvl="0" indent="0" algn="r" rtl="0">
               <a:spcBef>
                 <a:spcPts val="0"/>
               </a:spcBef>
@@ -3429,11 +3852,11 @@
 </file>
 
 <file path=ppt/slideLayouts/slideLayout6.xml><?xml version="1.0" encoding="utf-8"?>
-<p:sldLayout xmlns:a="http://schemas.openxmlformats.org/drawingml/2006/main" xmlns:r="http://schemas.openxmlformats.org/officeDocument/2006/relationships" xmlns:mc="http://schemas.openxmlformats.org/markup-compatibility/2006" xmlns:mv="urn:schemas-microsoft-com:mac:vml" xmlns:p="http://schemas.openxmlformats.org/presentationml/2006/main" xmlns:c="http://schemas.openxmlformats.org/drawingml/2006/chart" xmlns:dgm="http://schemas.openxmlformats.org/drawingml/2006/diagram" xmlns:o="urn:schemas-microsoft-com:office:office" xmlns:v="urn:schemas-microsoft-com:vml" xmlns:pvml="urn:schemas-microsoft-com:office:powerpoint" xmlns:com="http://schemas.openxmlformats.org/drawingml/2006/compatibility" xmlns:p14="http://schemas.microsoft.com/office/powerpoint/2010/main" xmlns:p15="http://schemas.microsoft.com/office/powerpoint/2012/main" xmlns:ahyp="http://schemas.microsoft.com/office/drawing/2018/hyperlinkcolor" matchingName="One column text">
+<p:sldLayout xmlns:a="http://schemas.openxmlformats.org/drawingml/2006/main" xmlns:r="http://schemas.openxmlformats.org/officeDocument/2006/relationships" xmlns:p="http://schemas.openxmlformats.org/presentationml/2006/main" matchingName="One column text">
   <p:cSld name="ONE_COLUMN_TEXT">
     <p:spTree>
       <p:nvGrpSpPr>
-        <p:cNvPr id="28" name="Shape 28"/>
+        <p:cNvPr id="1" name="Shape 28"/>
         <p:cNvGrpSpPr/>
         <p:nvPr/>
       </p:nvGrpSpPr>
@@ -3448,7 +3871,9 @@
       <p:sp>
         <p:nvSpPr>
           <p:cNvPr id="29" name="Google Shape;29;p7"/>
-          <p:cNvSpPr txBox="1"/>
+          <p:cNvSpPr txBox="1">
+            <a:spLocks noGrp="1"/>
+          </p:cNvSpPr>
           <p:nvPr>
             <p:ph type="title"/>
           </p:nvPr>
@@ -3463,7 +3888,7 @@
           </a:prstGeom>
         </p:spPr>
         <p:txBody>
-          <a:bodyPr anchorCtr="0" anchor="b" bIns="91425" lIns="91425" spcFirstLastPara="1" rIns="91425" wrap="square" tIns="91425">
+          <a:bodyPr spcFirstLastPara="1" wrap="square" lIns="91425" tIns="91425" rIns="91425" bIns="91425" anchor="b" anchorCtr="0">
             <a:normAutofit/>
           </a:bodyPr>
           <a:lstStyle>
@@ -3567,15 +3992,19 @@
               <a:defRPr sz="2400"/>
             </a:lvl9pPr>
           </a:lstStyle>
-          <a:p/>
+          <a:p>
+            <a:endParaRPr/>
+          </a:p>
         </p:txBody>
       </p:sp>
       <p:sp>
         <p:nvSpPr>
           <p:cNvPr id="30" name="Google Shape;30;p7"/>
-          <p:cNvSpPr txBox="1"/>
+          <p:cNvSpPr txBox="1">
+            <a:spLocks noGrp="1"/>
+          </p:cNvSpPr>
           <p:nvPr>
-            <p:ph idx="1" type="body"/>
+            <p:ph type="body" idx="1"/>
           </p:nvPr>
         </p:nvSpPr>
         <p:spPr>
@@ -3588,11 +4017,11 @@
           </a:prstGeom>
         </p:spPr>
         <p:txBody>
-          <a:bodyPr anchorCtr="0" anchor="t" bIns="91425" lIns="91425" spcFirstLastPara="1" rIns="91425" wrap="square" tIns="91425">
+          <a:bodyPr spcFirstLastPara="1" wrap="square" lIns="91425" tIns="91425" rIns="91425" bIns="91425" anchor="t" anchorCtr="0">
             <a:normAutofit/>
           </a:bodyPr>
           <a:lstStyle>
-            <a:lvl1pPr indent="-304800" lvl="0" marL="457200">
+            <a:lvl1pPr marL="457200" lvl="0" indent="-304800">
               <a:spcBef>
                 <a:spcPts val="0"/>
               </a:spcBef>
@@ -3603,7 +4032,7 @@
               <a:buChar char="●"/>
               <a:defRPr sz="1200"/>
             </a:lvl1pPr>
-            <a:lvl2pPr indent="-304800" lvl="1" marL="914400">
+            <a:lvl2pPr marL="914400" lvl="1" indent="-304800">
               <a:spcBef>
                 <a:spcPts val="0"/>
               </a:spcBef>
@@ -3614,7 +4043,7 @@
               <a:buChar char="○"/>
               <a:defRPr sz="1200"/>
             </a:lvl2pPr>
-            <a:lvl3pPr indent="-304800" lvl="2" marL="1371600">
+            <a:lvl3pPr marL="1371600" lvl="2" indent="-304800">
               <a:spcBef>
                 <a:spcPts val="0"/>
               </a:spcBef>
@@ -3625,7 +4054,7 @@
               <a:buChar char="■"/>
               <a:defRPr sz="1200"/>
             </a:lvl3pPr>
-            <a:lvl4pPr indent="-304800" lvl="3" marL="1828800">
+            <a:lvl4pPr marL="1828800" lvl="3" indent="-304800">
               <a:spcBef>
                 <a:spcPts val="0"/>
               </a:spcBef>
@@ -3636,7 +4065,7 @@
               <a:buChar char="●"/>
               <a:defRPr sz="1200"/>
             </a:lvl4pPr>
-            <a:lvl5pPr indent="-304800" lvl="4" marL="2286000">
+            <a:lvl5pPr marL="2286000" lvl="4" indent="-304800">
               <a:spcBef>
                 <a:spcPts val="0"/>
               </a:spcBef>
@@ -3647,7 +4076,7 @@
               <a:buChar char="○"/>
               <a:defRPr sz="1200"/>
             </a:lvl5pPr>
-            <a:lvl6pPr indent="-304800" lvl="5" marL="2743200">
+            <a:lvl6pPr marL="2743200" lvl="5" indent="-304800">
               <a:spcBef>
                 <a:spcPts val="0"/>
               </a:spcBef>
@@ -3658,7 +4087,7 @@
               <a:buChar char="■"/>
               <a:defRPr sz="1200"/>
             </a:lvl6pPr>
-            <a:lvl7pPr indent="-304800" lvl="6" marL="3200400">
+            <a:lvl7pPr marL="3200400" lvl="6" indent="-304800">
               <a:spcBef>
                 <a:spcPts val="0"/>
               </a:spcBef>
@@ -3669,7 +4098,7 @@
               <a:buChar char="●"/>
               <a:defRPr sz="1200"/>
             </a:lvl7pPr>
-            <a:lvl8pPr indent="-304800" lvl="7" marL="3657600">
+            <a:lvl8pPr marL="3657600" lvl="7" indent="-304800">
               <a:spcBef>
                 <a:spcPts val="0"/>
               </a:spcBef>
@@ -3680,7 +4109,7 @@
               <a:buChar char="○"/>
               <a:defRPr sz="1200"/>
             </a:lvl8pPr>
-            <a:lvl9pPr indent="-304800" lvl="8" marL="4114800">
+            <a:lvl9pPr marL="4114800" lvl="8" indent="-304800">
               <a:spcBef>
                 <a:spcPts val="0"/>
               </a:spcBef>
@@ -3692,15 +4121,19 @@
               <a:defRPr sz="1200"/>
             </a:lvl9pPr>
           </a:lstStyle>
-          <a:p/>
+          <a:p>
+            <a:endParaRPr/>
+          </a:p>
         </p:txBody>
       </p:sp>
       <p:sp>
         <p:nvSpPr>
           <p:cNvPr id="31" name="Google Shape;31;p7"/>
-          <p:cNvSpPr txBox="1"/>
+          <p:cNvSpPr txBox="1">
+            <a:spLocks noGrp="1"/>
+          </p:cNvSpPr>
           <p:nvPr>
-            <p:ph idx="12" type="sldNum"/>
+            <p:ph type="sldNum" idx="12"/>
           </p:nvPr>
         </p:nvSpPr>
         <p:spPr>
@@ -3713,7 +4146,7 @@
           </a:prstGeom>
         </p:spPr>
         <p:txBody>
-          <a:bodyPr anchorCtr="0" anchor="ctr" bIns="91425" lIns="91425" spcFirstLastPara="1" rIns="91425" wrap="square" tIns="91425">
+          <a:bodyPr spcFirstLastPara="1" wrap="square" lIns="91425" tIns="91425" rIns="91425" bIns="91425" anchor="ctr" anchorCtr="0">
             <a:normAutofit/>
           </a:bodyPr>
           <a:lstStyle>
@@ -3755,7 +4188,7 @@
             </a:lvl9pPr>
           </a:lstStyle>
           <a:p>
-            <a:pPr indent="0" lvl="0" marL="0" rtl="0" algn="r">
+            <a:pPr marL="0" lvl="0" indent="0" algn="r" rtl="0">
               <a:spcBef>
                 <a:spcPts val="0"/>
               </a:spcBef>
@@ -3781,11 +4214,11 @@
 </file>
 
 <file path=ppt/slideLayouts/slideLayout7.xml><?xml version="1.0" encoding="utf-8"?>
-<p:sldLayout xmlns:a="http://schemas.openxmlformats.org/drawingml/2006/main" xmlns:r="http://schemas.openxmlformats.org/officeDocument/2006/relationships" xmlns:mc="http://schemas.openxmlformats.org/markup-compatibility/2006" xmlns:mv="urn:schemas-microsoft-com:mac:vml" xmlns:p="http://schemas.openxmlformats.org/presentationml/2006/main" xmlns:c="http://schemas.openxmlformats.org/drawingml/2006/chart" xmlns:dgm="http://schemas.openxmlformats.org/drawingml/2006/diagram" xmlns:o="urn:schemas-microsoft-com:office:office" xmlns:v="urn:schemas-microsoft-com:vml" xmlns:pvml="urn:schemas-microsoft-com:office:powerpoint" xmlns:com="http://schemas.openxmlformats.org/drawingml/2006/compatibility" xmlns:p14="http://schemas.microsoft.com/office/powerpoint/2010/main" xmlns:p15="http://schemas.microsoft.com/office/powerpoint/2012/main" xmlns:ahyp="http://schemas.microsoft.com/office/drawing/2018/hyperlinkcolor" matchingName="Main point">
+<p:sldLayout xmlns:a="http://schemas.openxmlformats.org/drawingml/2006/main" xmlns:r="http://schemas.openxmlformats.org/officeDocument/2006/relationships" xmlns:p="http://schemas.openxmlformats.org/presentationml/2006/main" matchingName="Main point">
   <p:cSld name="MAIN_POINT">
     <p:spTree>
       <p:nvGrpSpPr>
-        <p:cNvPr id="32" name="Shape 32"/>
+        <p:cNvPr id="1" name="Shape 32"/>
         <p:cNvGrpSpPr/>
         <p:nvPr/>
       </p:nvGrpSpPr>
@@ -3800,7 +4233,9 @@
       <p:sp>
         <p:nvSpPr>
           <p:cNvPr id="33" name="Google Shape;33;p8"/>
-          <p:cNvSpPr txBox="1"/>
+          <p:cNvSpPr txBox="1">
+            <a:spLocks noGrp="1"/>
+          </p:cNvSpPr>
           <p:nvPr>
             <p:ph type="title"/>
           </p:nvPr>
@@ -3815,7 +4250,7 @@
           </a:prstGeom>
         </p:spPr>
         <p:txBody>
-          <a:bodyPr anchorCtr="0" anchor="ctr" bIns="91425" lIns="91425" spcFirstLastPara="1" rIns="91425" wrap="square" tIns="91425">
+          <a:bodyPr spcFirstLastPara="1" wrap="square" lIns="91425" tIns="91425" rIns="91425" bIns="91425" anchor="ctr" anchorCtr="0">
             <a:normAutofit/>
           </a:bodyPr>
           <a:lstStyle>
@@ -3919,15 +4354,19 @@
               <a:defRPr sz="4800"/>
             </a:lvl9pPr>
           </a:lstStyle>
-          <a:p/>
+          <a:p>
+            <a:endParaRPr/>
+          </a:p>
         </p:txBody>
       </p:sp>
       <p:sp>
         <p:nvSpPr>
           <p:cNvPr id="34" name="Google Shape;34;p8"/>
-          <p:cNvSpPr txBox="1"/>
+          <p:cNvSpPr txBox="1">
+            <a:spLocks noGrp="1"/>
+          </p:cNvSpPr>
           <p:nvPr>
-            <p:ph idx="12" type="sldNum"/>
+            <p:ph type="sldNum" idx="12"/>
           </p:nvPr>
         </p:nvSpPr>
         <p:spPr>
@@ -3940,7 +4379,7 @@
           </a:prstGeom>
         </p:spPr>
         <p:txBody>
-          <a:bodyPr anchorCtr="0" anchor="ctr" bIns="91425" lIns="91425" spcFirstLastPara="1" rIns="91425" wrap="square" tIns="91425">
+          <a:bodyPr spcFirstLastPara="1" wrap="square" lIns="91425" tIns="91425" rIns="91425" bIns="91425" anchor="ctr" anchorCtr="0">
             <a:normAutofit/>
           </a:bodyPr>
           <a:lstStyle>
@@ -3982,7 +4421,7 @@
             </a:lvl9pPr>
           </a:lstStyle>
           <a:p>
-            <a:pPr indent="0" lvl="0" marL="0" rtl="0" algn="r">
+            <a:pPr marL="0" lvl="0" indent="0" algn="r" rtl="0">
               <a:spcBef>
                 <a:spcPts val="0"/>
               </a:spcBef>
@@ -4008,11 +4447,11 @@
 </file>
 
 <file path=ppt/slideLayouts/slideLayout8.xml><?xml version="1.0" encoding="utf-8"?>
-<p:sldLayout xmlns:a="http://schemas.openxmlformats.org/drawingml/2006/main" xmlns:r="http://schemas.openxmlformats.org/officeDocument/2006/relationships" xmlns:mc="http://schemas.openxmlformats.org/markup-compatibility/2006" xmlns:mv="urn:schemas-microsoft-com:mac:vml" xmlns:p="http://schemas.openxmlformats.org/presentationml/2006/main" xmlns:c="http://schemas.openxmlformats.org/drawingml/2006/chart" xmlns:dgm="http://schemas.openxmlformats.org/drawingml/2006/diagram" xmlns:o="urn:schemas-microsoft-com:office:office" xmlns:v="urn:schemas-microsoft-com:vml" xmlns:pvml="urn:schemas-microsoft-com:office:powerpoint" xmlns:com="http://schemas.openxmlformats.org/drawingml/2006/compatibility" xmlns:p14="http://schemas.microsoft.com/office/powerpoint/2010/main" xmlns:p15="http://schemas.microsoft.com/office/powerpoint/2012/main" xmlns:ahyp="http://schemas.microsoft.com/office/drawing/2018/hyperlinkcolor" matchingName="Section title and description">
+<p:sldLayout xmlns:a="http://schemas.openxmlformats.org/drawingml/2006/main" xmlns:r="http://schemas.openxmlformats.org/officeDocument/2006/relationships" xmlns:p="http://schemas.openxmlformats.org/presentationml/2006/main" matchingName="Section title and description">
   <p:cSld name="SECTION_TITLE_AND_DESCRIPTION">
     <p:spTree>
       <p:nvGrpSpPr>
-        <p:cNvPr id="35" name="Shape 35"/>
+        <p:cNvPr id="1" name="Shape 35"/>
         <p:cNvGrpSpPr/>
         <p:nvPr/>
       </p:nvGrpSpPr>
@@ -4046,12 +4485,12 @@
           </a:ln>
         </p:spPr>
         <p:txBody>
-          <a:bodyPr anchorCtr="0" anchor="ctr" bIns="91425" lIns="91425" spcFirstLastPara="1" rIns="91425" wrap="square" tIns="91425">
+          <a:bodyPr spcFirstLastPara="1" wrap="square" lIns="91425" tIns="91425" rIns="91425" bIns="91425" anchor="ctr" anchorCtr="0">
             <a:noAutofit/>
           </a:bodyPr>
           <a:lstStyle/>
           <a:p>
-            <a:pPr indent="0" lvl="0" marL="0" rtl="0" algn="l">
+            <a:pPr marL="0" lvl="0" indent="0" algn="l" rtl="0">
               <a:spcBef>
                 <a:spcPts val="0"/>
               </a:spcBef>
@@ -4060,9 +4499,6 @@
               </a:spcAft>
               <a:buNone/>
             </a:pPr>
-            <a:r>
-              <a:t/>
-            </a:r>
             <a:endParaRPr/>
           </a:p>
         </p:txBody>
@@ -4070,7 +4506,9 @@
       <p:sp>
         <p:nvSpPr>
           <p:cNvPr id="37" name="Google Shape;37;p9"/>
-          <p:cNvSpPr txBox="1"/>
+          <p:cNvSpPr txBox="1">
+            <a:spLocks noGrp="1"/>
+          </p:cNvSpPr>
           <p:nvPr>
             <p:ph type="title"/>
           </p:nvPr>
@@ -4085,7 +4523,7 @@
           </a:prstGeom>
         </p:spPr>
         <p:txBody>
-          <a:bodyPr anchorCtr="0" anchor="b" bIns="91425" lIns="91425" spcFirstLastPara="1" rIns="91425" wrap="square" tIns="91425">
+          <a:bodyPr spcFirstLastPara="1" wrap="square" lIns="91425" tIns="91425" rIns="91425" bIns="91425" anchor="b" anchorCtr="0">
             <a:normAutofit/>
           </a:bodyPr>
           <a:lstStyle>
@@ -4189,15 +4627,19 @@
               <a:defRPr sz="4200"/>
             </a:lvl9pPr>
           </a:lstStyle>
-          <a:p/>
+          <a:p>
+            <a:endParaRPr/>
+          </a:p>
         </p:txBody>
       </p:sp>
       <p:sp>
         <p:nvSpPr>
           <p:cNvPr id="38" name="Google Shape;38;p9"/>
-          <p:cNvSpPr txBox="1"/>
+          <p:cNvSpPr txBox="1">
+            <a:spLocks noGrp="1"/>
+          </p:cNvSpPr>
           <p:nvPr>
-            <p:ph idx="1" type="subTitle"/>
+            <p:ph type="subTitle" idx="1"/>
           </p:nvPr>
         </p:nvSpPr>
         <p:spPr>
@@ -4210,7 +4652,7 @@
           </a:prstGeom>
         </p:spPr>
         <p:txBody>
-          <a:bodyPr anchorCtr="0" anchor="t" bIns="91425" lIns="91425" spcFirstLastPara="1" rIns="91425" wrap="square" tIns="91425">
+          <a:bodyPr spcFirstLastPara="1" wrap="square" lIns="91425" tIns="91425" rIns="91425" bIns="91425" anchor="t" anchorCtr="0">
             <a:normAutofit/>
           </a:bodyPr>
           <a:lstStyle>
@@ -4341,15 +4783,19 @@
               <a:defRPr sz="2100"/>
             </a:lvl9pPr>
           </a:lstStyle>
-          <a:p/>
+          <a:p>
+            <a:endParaRPr/>
+          </a:p>
         </p:txBody>
       </p:sp>
       <p:sp>
         <p:nvSpPr>
           <p:cNvPr id="39" name="Google Shape;39;p9"/>
-          <p:cNvSpPr txBox="1"/>
+          <p:cNvSpPr txBox="1">
+            <a:spLocks noGrp="1"/>
+          </p:cNvSpPr>
           <p:nvPr>
-            <p:ph idx="2" type="body"/>
+            <p:ph type="body" idx="2"/>
           </p:nvPr>
         </p:nvSpPr>
         <p:spPr>
@@ -4362,11 +4808,11 @@
           </a:prstGeom>
         </p:spPr>
         <p:txBody>
-          <a:bodyPr anchorCtr="0" anchor="ctr" bIns="91425" lIns="91425" spcFirstLastPara="1" rIns="91425" wrap="square" tIns="91425">
+          <a:bodyPr spcFirstLastPara="1" wrap="square" lIns="91425" tIns="91425" rIns="91425" bIns="91425" anchor="ctr" anchorCtr="0">
             <a:normAutofit/>
           </a:bodyPr>
           <a:lstStyle>
-            <a:lvl1pPr indent="-342900" lvl="0" marL="457200">
+            <a:lvl1pPr marL="457200" lvl="0" indent="-342900">
               <a:spcBef>
                 <a:spcPts val="0"/>
               </a:spcBef>
@@ -4377,7 +4823,7 @@
               <a:buChar char="●"/>
               <a:defRPr/>
             </a:lvl1pPr>
-            <a:lvl2pPr indent="-317500" lvl="1" marL="914400">
+            <a:lvl2pPr marL="914400" lvl="1" indent="-317500">
               <a:spcBef>
                 <a:spcPts val="0"/>
               </a:spcBef>
@@ -4388,7 +4834,7 @@
               <a:buChar char="○"/>
               <a:defRPr/>
             </a:lvl2pPr>
-            <a:lvl3pPr indent="-317500" lvl="2" marL="1371600">
+            <a:lvl3pPr marL="1371600" lvl="2" indent="-317500">
               <a:spcBef>
                 <a:spcPts val="0"/>
               </a:spcBef>
@@ -4399,7 +4845,7 @@
               <a:buChar char="■"/>
               <a:defRPr/>
             </a:lvl3pPr>
-            <a:lvl4pPr indent="-317500" lvl="3" marL="1828800">
+            <a:lvl4pPr marL="1828800" lvl="3" indent="-317500">
               <a:spcBef>
                 <a:spcPts val="0"/>
               </a:spcBef>
@@ -4410,7 +4856,7 @@
               <a:buChar char="●"/>
               <a:defRPr/>
             </a:lvl4pPr>
-            <a:lvl5pPr indent="-317500" lvl="4" marL="2286000">
+            <a:lvl5pPr marL="2286000" lvl="4" indent="-317500">
               <a:spcBef>
                 <a:spcPts val="0"/>
               </a:spcBef>
@@ -4421,7 +4867,7 @@
               <a:buChar char="○"/>
               <a:defRPr/>
             </a:lvl5pPr>
-            <a:lvl6pPr indent="-317500" lvl="5" marL="2743200">
+            <a:lvl6pPr marL="2743200" lvl="5" indent="-317500">
               <a:spcBef>
                 <a:spcPts val="0"/>
               </a:spcBef>
@@ -4432,7 +4878,7 @@
               <a:buChar char="■"/>
               <a:defRPr/>
             </a:lvl6pPr>
-            <a:lvl7pPr indent="-317500" lvl="6" marL="3200400">
+            <a:lvl7pPr marL="3200400" lvl="6" indent="-317500">
               <a:spcBef>
                 <a:spcPts val="0"/>
               </a:spcBef>
@@ -4443,7 +4889,7 @@
               <a:buChar char="●"/>
               <a:defRPr/>
             </a:lvl7pPr>
-            <a:lvl8pPr indent="-317500" lvl="7" marL="3657600">
+            <a:lvl8pPr marL="3657600" lvl="7" indent="-317500">
               <a:spcBef>
                 <a:spcPts val="0"/>
               </a:spcBef>
@@ -4454,7 +4900,7 @@
               <a:buChar char="○"/>
               <a:defRPr/>
             </a:lvl8pPr>
-            <a:lvl9pPr indent="-317500" lvl="8" marL="4114800">
+            <a:lvl9pPr marL="4114800" lvl="8" indent="-317500">
               <a:spcBef>
                 <a:spcPts val="0"/>
               </a:spcBef>
@@ -4466,15 +4912,19 @@
               <a:defRPr/>
             </a:lvl9pPr>
           </a:lstStyle>
-          <a:p/>
+          <a:p>
+            <a:endParaRPr/>
+          </a:p>
         </p:txBody>
       </p:sp>
       <p:sp>
         <p:nvSpPr>
           <p:cNvPr id="40" name="Google Shape;40;p9"/>
-          <p:cNvSpPr txBox="1"/>
+          <p:cNvSpPr txBox="1">
+            <a:spLocks noGrp="1"/>
+          </p:cNvSpPr>
           <p:nvPr>
-            <p:ph idx="12" type="sldNum"/>
+            <p:ph type="sldNum" idx="12"/>
           </p:nvPr>
         </p:nvSpPr>
         <p:spPr>
@@ -4487,7 +4937,7 @@
           </a:prstGeom>
         </p:spPr>
         <p:txBody>
-          <a:bodyPr anchorCtr="0" anchor="ctr" bIns="91425" lIns="91425" spcFirstLastPara="1" rIns="91425" wrap="square" tIns="91425">
+          <a:bodyPr spcFirstLastPara="1" wrap="square" lIns="91425" tIns="91425" rIns="91425" bIns="91425" anchor="ctr" anchorCtr="0">
             <a:normAutofit/>
           </a:bodyPr>
           <a:lstStyle>
@@ -4529,7 +4979,7 @@
             </a:lvl9pPr>
           </a:lstStyle>
           <a:p>
-            <a:pPr indent="0" lvl="0" marL="0" rtl="0" algn="r">
+            <a:pPr marL="0" lvl="0" indent="0" algn="r" rtl="0">
               <a:spcBef>
                 <a:spcPts val="0"/>
               </a:spcBef>
@@ -4555,11 +5005,11 @@
 </file>
 
 <file path=ppt/slideLayouts/slideLayout9.xml><?xml version="1.0" encoding="utf-8"?>
-<p:sldLayout xmlns:a="http://schemas.openxmlformats.org/drawingml/2006/main" xmlns:r="http://schemas.openxmlformats.org/officeDocument/2006/relationships" xmlns:mc="http://schemas.openxmlformats.org/markup-compatibility/2006" xmlns:mv="urn:schemas-microsoft-com:mac:vml" xmlns:p="http://schemas.openxmlformats.org/presentationml/2006/main" xmlns:c="http://schemas.openxmlformats.org/drawingml/2006/chart" xmlns:dgm="http://schemas.openxmlformats.org/drawingml/2006/diagram" xmlns:o="urn:schemas-microsoft-com:office:office" xmlns:v="urn:schemas-microsoft-com:vml" xmlns:pvml="urn:schemas-microsoft-com:office:powerpoint" xmlns:com="http://schemas.openxmlformats.org/drawingml/2006/compatibility" xmlns:p14="http://schemas.microsoft.com/office/powerpoint/2010/main" xmlns:p15="http://schemas.microsoft.com/office/powerpoint/2012/main" xmlns:ahyp="http://schemas.microsoft.com/office/drawing/2018/hyperlinkcolor" matchingName="Caption">
+<p:sldLayout xmlns:a="http://schemas.openxmlformats.org/drawingml/2006/main" xmlns:r="http://schemas.openxmlformats.org/officeDocument/2006/relationships" xmlns:p="http://schemas.openxmlformats.org/presentationml/2006/main" matchingName="Caption">
   <p:cSld name="CAPTION_ONLY">
     <p:spTree>
       <p:nvGrpSpPr>
-        <p:cNvPr id="41" name="Shape 41"/>
+        <p:cNvPr id="1" name="Shape 41"/>
         <p:cNvGrpSpPr/>
         <p:nvPr/>
       </p:nvGrpSpPr>
@@ -4574,9 +5024,11 @@
       <p:sp>
         <p:nvSpPr>
           <p:cNvPr id="42" name="Google Shape;42;p10"/>
-          <p:cNvSpPr txBox="1"/>
+          <p:cNvSpPr txBox="1">
+            <a:spLocks noGrp="1"/>
+          </p:cNvSpPr>
           <p:nvPr>
-            <p:ph idx="1" type="body"/>
+            <p:ph type="body" idx="1"/>
           </p:nvPr>
         </p:nvSpPr>
         <p:spPr>
@@ -4589,11 +5041,11 @@
           </a:prstGeom>
         </p:spPr>
         <p:txBody>
-          <a:bodyPr anchorCtr="0" anchor="ctr" bIns="91425" lIns="91425" spcFirstLastPara="1" rIns="91425" wrap="square" tIns="91425">
+          <a:bodyPr spcFirstLastPara="1" wrap="square" lIns="91425" tIns="91425" rIns="91425" bIns="91425" anchor="ctr" anchorCtr="0">
             <a:normAutofit/>
           </a:bodyPr>
           <a:lstStyle>
-            <a:lvl1pPr indent="-228600" lvl="0" marL="457200">
+            <a:lvl1pPr marL="457200" lvl="0" indent="-228600">
               <a:lnSpc>
                 <a:spcPct val="100000"/>
               </a:lnSpc>
@@ -4608,15 +5060,19 @@
               <a:defRPr/>
             </a:lvl1pPr>
           </a:lstStyle>
-          <a:p/>
+          <a:p>
+            <a:endParaRPr/>
+          </a:p>
         </p:txBody>
       </p:sp>
       <p:sp>
         <p:nvSpPr>
           <p:cNvPr id="43" name="Google Shape;43;p10"/>
-          <p:cNvSpPr txBox="1"/>
+          <p:cNvSpPr txBox="1">
+            <a:spLocks noGrp="1"/>
+          </p:cNvSpPr>
           <p:nvPr>
-            <p:ph idx="12" type="sldNum"/>
+            <p:ph type="sldNum" idx="12"/>
           </p:nvPr>
         </p:nvSpPr>
         <p:spPr>
@@ -4629,7 +5085,7 @@
           </a:prstGeom>
         </p:spPr>
         <p:txBody>
-          <a:bodyPr anchorCtr="0" anchor="ctr" bIns="91425" lIns="91425" spcFirstLastPara="1" rIns="91425" wrap="square" tIns="91425">
+          <a:bodyPr spcFirstLastPara="1" wrap="square" lIns="91425" tIns="91425" rIns="91425" bIns="91425" anchor="ctr" anchorCtr="0">
             <a:normAutofit/>
           </a:bodyPr>
           <a:lstStyle>
@@ -4671,7 +5127,7 @@
             </a:lvl9pPr>
           </a:lstStyle>
           <a:p>
-            <a:pPr indent="0" lvl="0" marL="0" rtl="0" algn="r">
+            <a:pPr marL="0" lvl="0" indent="0" algn="r" rtl="0">
               <a:spcBef>
                 <a:spcPts val="0"/>
               </a:spcBef>
@@ -4697,18 +5153,19 @@
 </file>
 
 <file path=ppt/slideMasters/slideMaster1.xml><?xml version="1.0" encoding="utf-8"?>
-<p:sldMaster xmlns:a="http://schemas.openxmlformats.org/drawingml/2006/main" xmlns:r="http://schemas.openxmlformats.org/officeDocument/2006/relationships" xmlns:mc="http://schemas.openxmlformats.org/markup-compatibility/2006" xmlns:mv="urn:schemas-microsoft-com:mac:vml" xmlns:p="http://schemas.openxmlformats.org/presentationml/2006/main" xmlns:c="http://schemas.openxmlformats.org/drawingml/2006/chart" xmlns:dgm="http://schemas.openxmlformats.org/drawingml/2006/diagram" xmlns:o="urn:schemas-microsoft-com:office:office" xmlns:v="urn:schemas-microsoft-com:vml" xmlns:pvml="urn:schemas-microsoft-com:office:powerpoint" xmlns:com="http://schemas.openxmlformats.org/drawingml/2006/compatibility" xmlns:p14="http://schemas.microsoft.com/office/powerpoint/2010/main" xmlns:p15="http://schemas.microsoft.com/office/powerpoint/2012/main" xmlns:ahyp="http://schemas.microsoft.com/office/drawing/2018/hyperlinkcolor">
+<p:sldMaster xmlns:a="http://schemas.openxmlformats.org/drawingml/2006/main" xmlns:r="http://schemas.openxmlformats.org/officeDocument/2006/relationships" xmlns:p="http://schemas.openxmlformats.org/presentationml/2006/main">
   <p:cSld name="simple-light-2">
     <p:bg>
       <p:bgPr>
         <a:solidFill>
           <a:schemeClr val="lt1"/>
         </a:solidFill>
+        <a:effectLst/>
       </p:bgPr>
     </p:bg>
     <p:spTree>
       <p:nvGrpSpPr>
-        <p:cNvPr id="5" name="Shape 5"/>
+        <p:cNvPr id="1" name="Shape 5"/>
         <p:cNvGrpSpPr/>
         <p:nvPr/>
       </p:nvGrpSpPr>
@@ -4723,7 +5180,9 @@
       <p:sp>
         <p:nvSpPr>
           <p:cNvPr id="6" name="Google Shape;6;p1"/>
-          <p:cNvSpPr txBox="1"/>
+          <p:cNvSpPr txBox="1">
+            <a:spLocks noGrp="1"/>
+          </p:cNvSpPr>
           <p:nvPr>
             <p:ph type="title"/>
           </p:nvPr>
@@ -4742,7 +5201,7 @@
           </a:ln>
         </p:spPr>
         <p:txBody>
-          <a:bodyPr anchorCtr="0" anchor="t" bIns="91425" lIns="91425" spcFirstLastPara="1" rIns="91425" wrap="square" tIns="91425">
+          <a:bodyPr spcFirstLastPara="1" wrap="square" lIns="91425" tIns="91425" rIns="91425" bIns="91425" anchor="t" anchorCtr="0">
             <a:normAutofit/>
           </a:bodyPr>
           <a:lstStyle>
@@ -4909,15 +5368,19 @@
               </a:defRPr>
             </a:lvl9pPr>
           </a:lstStyle>
-          <a:p/>
+          <a:p>
+            <a:endParaRPr/>
+          </a:p>
         </p:txBody>
       </p:sp>
       <p:sp>
         <p:nvSpPr>
           <p:cNvPr id="7" name="Google Shape;7;p1"/>
-          <p:cNvSpPr txBox="1"/>
+          <p:cNvSpPr txBox="1">
+            <a:spLocks noGrp="1"/>
+          </p:cNvSpPr>
           <p:nvPr>
-            <p:ph idx="1" type="body"/>
+            <p:ph type="body" idx="1"/>
           </p:nvPr>
         </p:nvSpPr>
         <p:spPr>
@@ -4934,11 +5397,11 @@
           </a:ln>
         </p:spPr>
         <p:txBody>
-          <a:bodyPr anchorCtr="0" anchor="t" bIns="91425" lIns="91425" spcFirstLastPara="1" rIns="91425" wrap="square" tIns="91425">
+          <a:bodyPr spcFirstLastPara="1" wrap="square" lIns="91425" tIns="91425" rIns="91425" bIns="91425" anchor="t" anchorCtr="0">
             <a:normAutofit/>
           </a:bodyPr>
           <a:lstStyle>
-            <a:lvl1pPr indent="-342900" lvl="0" marL="457200">
+            <a:lvl1pPr marL="457200" lvl="0" indent="-342900">
               <a:lnSpc>
                 <a:spcPct val="115000"/>
               </a:lnSpc>
@@ -4959,7 +5422,7 @@
                 </a:solidFill>
               </a:defRPr>
             </a:lvl1pPr>
-            <a:lvl2pPr indent="-317500" lvl="1" marL="914400">
+            <a:lvl2pPr marL="914400" lvl="1" indent="-317500">
               <a:lnSpc>
                 <a:spcPct val="115000"/>
               </a:lnSpc>
@@ -4980,7 +5443,7 @@
                 </a:solidFill>
               </a:defRPr>
             </a:lvl2pPr>
-            <a:lvl3pPr indent="-317500" lvl="2" marL="1371600">
+            <a:lvl3pPr marL="1371600" lvl="2" indent="-317500">
               <a:lnSpc>
                 <a:spcPct val="115000"/>
               </a:lnSpc>
@@ -5001,7 +5464,7 @@
                 </a:solidFill>
               </a:defRPr>
             </a:lvl3pPr>
-            <a:lvl4pPr indent="-317500" lvl="3" marL="1828800">
+            <a:lvl4pPr marL="1828800" lvl="3" indent="-317500">
               <a:lnSpc>
                 <a:spcPct val="115000"/>
               </a:lnSpc>
@@ -5022,7 +5485,7 @@
                 </a:solidFill>
               </a:defRPr>
             </a:lvl4pPr>
-            <a:lvl5pPr indent="-317500" lvl="4" marL="2286000">
+            <a:lvl5pPr marL="2286000" lvl="4" indent="-317500">
               <a:lnSpc>
                 <a:spcPct val="115000"/>
               </a:lnSpc>
@@ -5043,7 +5506,7 @@
                 </a:solidFill>
               </a:defRPr>
             </a:lvl5pPr>
-            <a:lvl6pPr indent="-317500" lvl="5" marL="2743200">
+            <a:lvl6pPr marL="2743200" lvl="5" indent="-317500">
               <a:lnSpc>
                 <a:spcPct val="115000"/>
               </a:lnSpc>
@@ -5064,7 +5527,7 @@
                 </a:solidFill>
               </a:defRPr>
             </a:lvl6pPr>
-            <a:lvl7pPr indent="-317500" lvl="6" marL="3200400">
+            <a:lvl7pPr marL="3200400" lvl="6" indent="-317500">
               <a:lnSpc>
                 <a:spcPct val="115000"/>
               </a:lnSpc>
@@ -5085,7 +5548,7 @@
                 </a:solidFill>
               </a:defRPr>
             </a:lvl7pPr>
-            <a:lvl8pPr indent="-317500" lvl="7" marL="3657600">
+            <a:lvl8pPr marL="3657600" lvl="7" indent="-317500">
               <a:lnSpc>
                 <a:spcPct val="115000"/>
               </a:lnSpc>
@@ -5106,7 +5569,7 @@
                 </a:solidFill>
               </a:defRPr>
             </a:lvl8pPr>
-            <a:lvl9pPr indent="-317500" lvl="8" marL="4114800">
+            <a:lvl9pPr marL="4114800" lvl="8" indent="-317500">
               <a:lnSpc>
                 <a:spcPct val="115000"/>
               </a:lnSpc>
@@ -5128,15 +5591,19 @@
               </a:defRPr>
             </a:lvl9pPr>
           </a:lstStyle>
-          <a:p/>
+          <a:p>
+            <a:endParaRPr/>
+          </a:p>
         </p:txBody>
       </p:sp>
       <p:sp>
         <p:nvSpPr>
           <p:cNvPr id="8" name="Google Shape;8;p1"/>
-          <p:cNvSpPr txBox="1"/>
+          <p:cNvSpPr txBox="1">
+            <a:spLocks noGrp="1"/>
+          </p:cNvSpPr>
           <p:nvPr>
-            <p:ph idx="12" type="sldNum"/>
+            <p:ph type="sldNum" idx="12"/>
           </p:nvPr>
         </p:nvSpPr>
         <p:spPr>
@@ -5153,7 +5620,7 @@
           </a:ln>
         </p:spPr>
         <p:txBody>
-          <a:bodyPr anchorCtr="0" anchor="ctr" bIns="91425" lIns="91425" spcFirstLastPara="1" rIns="91425" wrap="square" tIns="91425">
+          <a:bodyPr spcFirstLastPara="1" wrap="square" lIns="91425" tIns="91425" rIns="91425" bIns="91425" anchor="ctr" anchorCtr="0">
             <a:normAutofit/>
           </a:bodyPr>
           <a:lstStyle>
@@ -5231,7 +5698,7 @@
             </a:lvl9pPr>
           </a:lstStyle>
           <a:p>
-            <a:pPr indent="0" lvl="0" marL="0" rtl="0" algn="r">
+            <a:pPr marL="0" lvl="0" indent="0" algn="r" rtl="0">
               <a:spcBef>
                 <a:spcPts val="0"/>
               </a:spcBef>
@@ -5250,7 +5717,7 @@
       </p:sp>
     </p:spTree>
   </p:cSld>
-  <p:clrMap accent1="accent1" accent2="accent2" accent3="accent3" accent4="accent4" accent5="accent5" accent6="accent6" bg1="lt1" bg2="dk2" tx1="dk1" tx2="lt2" folHlink="folHlink" hlink="hlink"/>
+  <p:clrMap bg1="lt1" tx1="dk1" bg2="dk2" tx2="lt2" accent1="accent1" accent2="accent2" accent3="accent3" accent4="accent4" accent5="accent5" accent6="accent6" hlink="hlink" folHlink="folHlink"/>
   <p:sldLayoutIdLst>
     <p:sldLayoutId id="2147483648" r:id="rId1"/>
     <p:sldLayoutId id="2147483649" r:id="rId2"/>
@@ -5264,10 +5731,10 @@
     <p:sldLayoutId id="2147483657" r:id="rId10"/>
     <p:sldLayoutId id="2147483658" r:id="rId11"/>
   </p:sldLayoutIdLst>
-  <p:hf dt="0" ftr="0" hdr="0" sldNum="0"/>
+  <p:hf sldNum="0" hdr="0" ftr="0" dt="0"/>
   <p:txStyles>
     <p:titleStyle>
-      <a:defPPr lvl="0" marR="0" rtl="0" algn="l">
+      <a:defPPr marR="0" lvl="0" algn="l" rtl="0">
         <a:lnSpc>
           <a:spcPct val="100000"/>
         </a:lnSpc>
@@ -5278,7 +5745,7 @@
           <a:spcPts val="0"/>
         </a:spcAft>
       </a:defPPr>
-      <a:lvl1pPr lvl="0" marR="0" rtl="0" algn="l">
+      <a:lvl1pPr marR="0" lvl="0" algn="l" rtl="0">
         <a:lnSpc>
           <a:spcPct val="100000"/>
         </a:lnSpc>
@@ -5292,7 +5759,7 @@
           <a:srgbClr val="000000"/>
         </a:buClr>
         <a:buFont typeface="Arial"/>
-        <a:defRPr b="0" i="0" sz="1400" u="none" cap="none" strike="noStrike">
+        <a:defRPr sz="1400" b="0" i="0" u="none" strike="noStrike" cap="none">
           <a:solidFill>
             <a:srgbClr val="000000"/>
           </a:solidFill>
@@ -5302,7 +5769,7 @@
           <a:sym typeface="Arial"/>
         </a:defRPr>
       </a:lvl1pPr>
-      <a:lvl2pPr lvl="1" marR="0" rtl="0" algn="l">
+      <a:lvl2pPr marR="0" lvl="1" algn="l" rtl="0">
         <a:lnSpc>
           <a:spcPct val="100000"/>
         </a:lnSpc>
@@ -5316,7 +5783,7 @@
           <a:srgbClr val="000000"/>
         </a:buClr>
         <a:buFont typeface="Arial"/>
-        <a:defRPr b="0" i="0" sz="1400" u="none" cap="none" strike="noStrike">
+        <a:defRPr sz="1400" b="0" i="0" u="none" strike="noStrike" cap="none">
           <a:solidFill>
             <a:srgbClr val="000000"/>
           </a:solidFill>
@@ -5326,7 +5793,7 @@
           <a:sym typeface="Arial"/>
         </a:defRPr>
       </a:lvl2pPr>
-      <a:lvl3pPr lvl="2" marR="0" rtl="0" algn="l">
+      <a:lvl3pPr marR="0" lvl="2" algn="l" rtl="0">
         <a:lnSpc>
           <a:spcPct val="100000"/>
         </a:lnSpc>
@@ -5340,7 +5807,7 @@
           <a:srgbClr val="000000"/>
         </a:buClr>
         <a:buFont typeface="Arial"/>
-        <a:defRPr b="0" i="0" sz="1400" u="none" cap="none" strike="noStrike">
+        <a:defRPr sz="1400" b="0" i="0" u="none" strike="noStrike" cap="none">
           <a:solidFill>
             <a:srgbClr val="000000"/>
           </a:solidFill>
@@ -5350,7 +5817,7 @@
           <a:sym typeface="Arial"/>
         </a:defRPr>
       </a:lvl3pPr>
-      <a:lvl4pPr lvl="3" marR="0" rtl="0" algn="l">
+      <a:lvl4pPr marR="0" lvl="3" algn="l" rtl="0">
         <a:lnSpc>
           <a:spcPct val="100000"/>
         </a:lnSpc>
@@ -5364,7 +5831,7 @@
           <a:srgbClr val="000000"/>
         </a:buClr>
         <a:buFont typeface="Arial"/>
-        <a:defRPr b="0" i="0" sz="1400" u="none" cap="none" strike="noStrike">
+        <a:defRPr sz="1400" b="0" i="0" u="none" strike="noStrike" cap="none">
           <a:solidFill>
             <a:srgbClr val="000000"/>
           </a:solidFill>
@@ -5374,7 +5841,7 @@
           <a:sym typeface="Arial"/>
         </a:defRPr>
       </a:lvl4pPr>
-      <a:lvl5pPr lvl="4" marR="0" rtl="0" algn="l">
+      <a:lvl5pPr marR="0" lvl="4" algn="l" rtl="0">
         <a:lnSpc>
           <a:spcPct val="100000"/>
         </a:lnSpc>
@@ -5388,7 +5855,7 @@
           <a:srgbClr val="000000"/>
         </a:buClr>
         <a:buFont typeface="Arial"/>
-        <a:defRPr b="0" i="0" sz="1400" u="none" cap="none" strike="noStrike">
+        <a:defRPr sz="1400" b="0" i="0" u="none" strike="noStrike" cap="none">
           <a:solidFill>
             <a:srgbClr val="000000"/>
           </a:solidFill>
@@ -5398,7 +5865,7 @@
           <a:sym typeface="Arial"/>
         </a:defRPr>
       </a:lvl5pPr>
-      <a:lvl6pPr lvl="5" marR="0" rtl="0" algn="l">
+      <a:lvl6pPr marR="0" lvl="5" algn="l" rtl="0">
         <a:lnSpc>
           <a:spcPct val="100000"/>
         </a:lnSpc>
@@ -5412,7 +5879,7 @@
           <a:srgbClr val="000000"/>
         </a:buClr>
         <a:buFont typeface="Arial"/>
-        <a:defRPr b="0" i="0" sz="1400" u="none" cap="none" strike="noStrike">
+        <a:defRPr sz="1400" b="0" i="0" u="none" strike="noStrike" cap="none">
           <a:solidFill>
             <a:srgbClr val="000000"/>
           </a:solidFill>
@@ -5422,7 +5889,7 @@
           <a:sym typeface="Arial"/>
         </a:defRPr>
       </a:lvl6pPr>
-      <a:lvl7pPr lvl="6" marR="0" rtl="0" algn="l">
+      <a:lvl7pPr marR="0" lvl="6" algn="l" rtl="0">
         <a:lnSpc>
           <a:spcPct val="100000"/>
         </a:lnSpc>
@@ -5436,7 +5903,7 @@
           <a:srgbClr val="000000"/>
         </a:buClr>
         <a:buFont typeface="Arial"/>
-        <a:defRPr b="0" i="0" sz="1400" u="none" cap="none" strike="noStrike">
+        <a:defRPr sz="1400" b="0" i="0" u="none" strike="noStrike" cap="none">
           <a:solidFill>
             <a:srgbClr val="000000"/>
           </a:solidFill>
@@ -5446,7 +5913,7 @@
           <a:sym typeface="Arial"/>
         </a:defRPr>
       </a:lvl7pPr>
-      <a:lvl8pPr lvl="7" marR="0" rtl="0" algn="l">
+      <a:lvl8pPr marR="0" lvl="7" algn="l" rtl="0">
         <a:lnSpc>
           <a:spcPct val="100000"/>
         </a:lnSpc>
@@ -5460,7 +5927,7 @@
           <a:srgbClr val="000000"/>
         </a:buClr>
         <a:buFont typeface="Arial"/>
-        <a:defRPr b="0" i="0" sz="1400" u="none" cap="none" strike="noStrike">
+        <a:defRPr sz="1400" b="0" i="0" u="none" strike="noStrike" cap="none">
           <a:solidFill>
             <a:srgbClr val="000000"/>
           </a:solidFill>
@@ -5470,7 +5937,7 @@
           <a:sym typeface="Arial"/>
         </a:defRPr>
       </a:lvl8pPr>
-      <a:lvl9pPr lvl="8" marR="0" rtl="0" algn="l">
+      <a:lvl9pPr marR="0" lvl="8" algn="l" rtl="0">
         <a:lnSpc>
           <a:spcPct val="100000"/>
         </a:lnSpc>
@@ -5484,7 +5951,7 @@
           <a:srgbClr val="000000"/>
         </a:buClr>
         <a:buFont typeface="Arial"/>
-        <a:defRPr b="0" i="0" sz="1400" u="none" cap="none" strike="noStrike">
+        <a:defRPr sz="1400" b="0" i="0" u="none" strike="noStrike" cap="none">
           <a:solidFill>
             <a:srgbClr val="000000"/>
           </a:solidFill>
@@ -5496,7 +5963,7 @@
       </a:lvl9pPr>
     </p:titleStyle>
     <p:bodyStyle>
-      <a:defPPr lvl="0" marR="0" rtl="0" algn="l">
+      <a:defPPr marR="0" lvl="0" algn="l" rtl="0">
         <a:lnSpc>
           <a:spcPct val="100000"/>
         </a:lnSpc>
@@ -5507,7 +5974,7 @@
           <a:spcPts val="0"/>
         </a:spcAft>
       </a:defPPr>
-      <a:lvl1pPr lvl="0" marR="0" rtl="0" algn="l">
+      <a:lvl1pPr marR="0" lvl="0" algn="l" rtl="0">
         <a:lnSpc>
           <a:spcPct val="100000"/>
         </a:lnSpc>
@@ -5521,7 +5988,7 @@
           <a:srgbClr val="000000"/>
         </a:buClr>
         <a:buFont typeface="Arial"/>
-        <a:defRPr b="0" i="0" sz="1400" u="none" cap="none" strike="noStrike">
+        <a:defRPr sz="1400" b="0" i="0" u="none" strike="noStrike" cap="none">
           <a:solidFill>
             <a:srgbClr val="000000"/>
           </a:solidFill>
@@ -5531,7 +5998,7 @@
           <a:sym typeface="Arial"/>
         </a:defRPr>
       </a:lvl1pPr>
-      <a:lvl2pPr lvl="1" marR="0" rtl="0" algn="l">
+      <a:lvl2pPr marR="0" lvl="1" algn="l" rtl="0">
         <a:lnSpc>
           <a:spcPct val="100000"/>
         </a:lnSpc>
@@ -5545,7 +6012,7 @@
           <a:srgbClr val="000000"/>
         </a:buClr>
         <a:buFont typeface="Arial"/>
-        <a:defRPr b="0" i="0" sz="1400" u="none" cap="none" strike="noStrike">
+        <a:defRPr sz="1400" b="0" i="0" u="none" strike="noStrike" cap="none">
           <a:solidFill>
             <a:srgbClr val="000000"/>
           </a:solidFill>
@@ -5555,7 +6022,7 @@
           <a:sym typeface="Arial"/>
         </a:defRPr>
       </a:lvl2pPr>
-      <a:lvl3pPr lvl="2" marR="0" rtl="0" algn="l">
+      <a:lvl3pPr marR="0" lvl="2" algn="l" rtl="0">
         <a:lnSpc>
           <a:spcPct val="100000"/>
         </a:lnSpc>
@@ -5569,7 +6036,7 @@
           <a:srgbClr val="000000"/>
         </a:buClr>
         <a:buFont typeface="Arial"/>
-        <a:defRPr b="0" i="0" sz="1400" u="none" cap="none" strike="noStrike">
+        <a:defRPr sz="1400" b="0" i="0" u="none" strike="noStrike" cap="none">
           <a:solidFill>
             <a:srgbClr val="000000"/>
           </a:solidFill>
@@ -5579,7 +6046,7 @@
           <a:sym typeface="Arial"/>
         </a:defRPr>
       </a:lvl3pPr>
-      <a:lvl4pPr lvl="3" marR="0" rtl="0" algn="l">
+      <a:lvl4pPr marR="0" lvl="3" algn="l" rtl="0">
         <a:lnSpc>
           <a:spcPct val="100000"/>
         </a:lnSpc>
@@ -5593,7 +6060,7 @@
           <a:srgbClr val="000000"/>
         </a:buClr>
         <a:buFont typeface="Arial"/>
-        <a:defRPr b="0" i="0" sz="1400" u="none" cap="none" strike="noStrike">
+        <a:defRPr sz="1400" b="0" i="0" u="none" strike="noStrike" cap="none">
           <a:solidFill>
             <a:srgbClr val="000000"/>
           </a:solidFill>
@@ -5603,7 +6070,7 @@
           <a:sym typeface="Arial"/>
         </a:defRPr>
       </a:lvl4pPr>
-      <a:lvl5pPr lvl="4" marR="0" rtl="0" algn="l">
+      <a:lvl5pPr marR="0" lvl="4" algn="l" rtl="0">
         <a:lnSpc>
           <a:spcPct val="100000"/>
         </a:lnSpc>
@@ -5617,7 +6084,7 @@
           <a:srgbClr val="000000"/>
         </a:buClr>
         <a:buFont typeface="Arial"/>
-        <a:defRPr b="0" i="0" sz="1400" u="none" cap="none" strike="noStrike">
+        <a:defRPr sz="1400" b="0" i="0" u="none" strike="noStrike" cap="none">
           <a:solidFill>
             <a:srgbClr val="000000"/>
           </a:solidFill>
@@ -5627,7 +6094,7 @@
           <a:sym typeface="Arial"/>
         </a:defRPr>
       </a:lvl5pPr>
-      <a:lvl6pPr lvl="5" marR="0" rtl="0" algn="l">
+      <a:lvl6pPr marR="0" lvl="5" algn="l" rtl="0">
         <a:lnSpc>
           <a:spcPct val="100000"/>
         </a:lnSpc>
@@ -5641,7 +6108,7 @@
           <a:srgbClr val="000000"/>
         </a:buClr>
         <a:buFont typeface="Arial"/>
-        <a:defRPr b="0" i="0" sz="1400" u="none" cap="none" strike="noStrike">
+        <a:defRPr sz="1400" b="0" i="0" u="none" strike="noStrike" cap="none">
           <a:solidFill>
             <a:srgbClr val="000000"/>
           </a:solidFill>
@@ -5651,7 +6118,7 @@
           <a:sym typeface="Arial"/>
         </a:defRPr>
       </a:lvl6pPr>
-      <a:lvl7pPr lvl="6" marR="0" rtl="0" algn="l">
+      <a:lvl7pPr marR="0" lvl="6" algn="l" rtl="0">
         <a:lnSpc>
           <a:spcPct val="100000"/>
         </a:lnSpc>
@@ -5665,7 +6132,7 @@
           <a:srgbClr val="000000"/>
         </a:buClr>
         <a:buFont typeface="Arial"/>
-        <a:defRPr b="0" i="0" sz="1400" u="none" cap="none" strike="noStrike">
+        <a:defRPr sz="1400" b="0" i="0" u="none" strike="noStrike" cap="none">
           <a:solidFill>
             <a:srgbClr val="000000"/>
           </a:solidFill>
@@ -5675,7 +6142,7 @@
           <a:sym typeface="Arial"/>
         </a:defRPr>
       </a:lvl7pPr>
-      <a:lvl8pPr lvl="7" marR="0" rtl="0" algn="l">
+      <a:lvl8pPr marR="0" lvl="7" algn="l" rtl="0">
         <a:lnSpc>
           <a:spcPct val="100000"/>
         </a:lnSpc>
@@ -5689,7 +6156,7 @@
           <a:srgbClr val="000000"/>
         </a:buClr>
         <a:buFont typeface="Arial"/>
-        <a:defRPr b="0" i="0" sz="1400" u="none" cap="none" strike="noStrike">
+        <a:defRPr sz="1400" b="0" i="0" u="none" strike="noStrike" cap="none">
           <a:solidFill>
             <a:srgbClr val="000000"/>
           </a:solidFill>
@@ -5699,7 +6166,7 @@
           <a:sym typeface="Arial"/>
         </a:defRPr>
       </a:lvl8pPr>
-      <a:lvl9pPr lvl="8" marR="0" rtl="0" algn="l">
+      <a:lvl9pPr marR="0" lvl="8" algn="l" rtl="0">
         <a:lnSpc>
           <a:spcPct val="100000"/>
         </a:lnSpc>
@@ -5713,7 +6180,7 @@
           <a:srgbClr val="000000"/>
         </a:buClr>
         <a:buFont typeface="Arial"/>
-        <a:defRPr b="0" i="0" sz="1400" u="none" cap="none" strike="noStrike">
+        <a:defRPr sz="1400" b="0" i="0" u="none" strike="noStrike" cap="none">
           <a:solidFill>
             <a:srgbClr val="000000"/>
           </a:solidFill>
@@ -5725,7 +6192,7 @@
       </a:lvl9pPr>
     </p:bodyStyle>
     <p:otherStyle>
-      <a:defPPr lvl="0" marR="0" rtl="0" algn="l">
+      <a:defPPr marR="0" lvl="0" algn="l" rtl="0">
         <a:lnSpc>
           <a:spcPct val="100000"/>
         </a:lnSpc>
@@ -5736,7 +6203,7 @@
           <a:spcPts val="0"/>
         </a:spcAft>
       </a:defPPr>
-      <a:lvl1pPr lvl="0" marR="0" rtl="0" algn="l">
+      <a:lvl1pPr marR="0" lvl="0" algn="l" rtl="0">
         <a:lnSpc>
           <a:spcPct val="100000"/>
         </a:lnSpc>
@@ -5750,7 +6217,7 @@
           <a:srgbClr val="000000"/>
         </a:buClr>
         <a:buFont typeface="Arial"/>
-        <a:defRPr b="0" i="0" sz="1400" u="none" cap="none" strike="noStrike">
+        <a:defRPr sz="1400" b="0" i="0" u="none" strike="noStrike" cap="none">
           <a:solidFill>
             <a:srgbClr val="000000"/>
           </a:solidFill>
@@ -5760,7 +6227,7 @@
           <a:sym typeface="Arial"/>
         </a:defRPr>
       </a:lvl1pPr>
-      <a:lvl2pPr lvl="1" marR="0" rtl="0" algn="l">
+      <a:lvl2pPr marR="0" lvl="1" algn="l" rtl="0">
         <a:lnSpc>
           <a:spcPct val="100000"/>
         </a:lnSpc>
@@ -5774,7 +6241,7 @@
           <a:srgbClr val="000000"/>
         </a:buClr>
         <a:buFont typeface="Arial"/>
-        <a:defRPr b="0" i="0" sz="1400" u="none" cap="none" strike="noStrike">
+        <a:defRPr sz="1400" b="0" i="0" u="none" strike="noStrike" cap="none">
           <a:solidFill>
             <a:srgbClr val="000000"/>
           </a:solidFill>
@@ -5784,7 +6251,7 @@
           <a:sym typeface="Arial"/>
         </a:defRPr>
       </a:lvl2pPr>
-      <a:lvl3pPr lvl="2" marR="0" rtl="0" algn="l">
+      <a:lvl3pPr marR="0" lvl="2" algn="l" rtl="0">
         <a:lnSpc>
           <a:spcPct val="100000"/>
         </a:lnSpc>
@@ -5798,7 +6265,7 @@
           <a:srgbClr val="000000"/>
         </a:buClr>
         <a:buFont typeface="Arial"/>
-        <a:defRPr b="0" i="0" sz="1400" u="none" cap="none" strike="noStrike">
+        <a:defRPr sz="1400" b="0" i="0" u="none" strike="noStrike" cap="none">
           <a:solidFill>
             <a:srgbClr val="000000"/>
           </a:solidFill>
@@ -5808,7 +6275,7 @@
           <a:sym typeface="Arial"/>
         </a:defRPr>
       </a:lvl3pPr>
-      <a:lvl4pPr lvl="3" marR="0" rtl="0" algn="l">
+      <a:lvl4pPr marR="0" lvl="3" algn="l" rtl="0">
         <a:lnSpc>
           <a:spcPct val="100000"/>
         </a:lnSpc>
@@ -5822,7 +6289,7 @@
           <a:srgbClr val="000000"/>
         </a:buClr>
         <a:buFont typeface="Arial"/>
-        <a:defRPr b="0" i="0" sz="1400" u="none" cap="none" strike="noStrike">
+        <a:defRPr sz="1400" b="0" i="0" u="none" strike="noStrike" cap="none">
           <a:solidFill>
             <a:srgbClr val="000000"/>
           </a:solidFill>
@@ -5832,7 +6299,7 @@
           <a:sym typeface="Arial"/>
         </a:defRPr>
       </a:lvl4pPr>
-      <a:lvl5pPr lvl="4" marR="0" rtl="0" algn="l">
+      <a:lvl5pPr marR="0" lvl="4" algn="l" rtl="0">
         <a:lnSpc>
           <a:spcPct val="100000"/>
         </a:lnSpc>
@@ -5846,7 +6313,7 @@
           <a:srgbClr val="000000"/>
         </a:buClr>
         <a:buFont typeface="Arial"/>
-        <a:defRPr b="0" i="0" sz="1400" u="none" cap="none" strike="noStrike">
+        <a:defRPr sz="1400" b="0" i="0" u="none" strike="noStrike" cap="none">
           <a:solidFill>
             <a:srgbClr val="000000"/>
           </a:solidFill>
@@ -5856,7 +6323,7 @@
           <a:sym typeface="Arial"/>
         </a:defRPr>
       </a:lvl5pPr>
-      <a:lvl6pPr lvl="5" marR="0" rtl="0" algn="l">
+      <a:lvl6pPr marR="0" lvl="5" algn="l" rtl="0">
         <a:lnSpc>
           <a:spcPct val="100000"/>
         </a:lnSpc>
@@ -5870,7 +6337,7 @@
           <a:srgbClr val="000000"/>
         </a:buClr>
         <a:buFont typeface="Arial"/>
-        <a:defRPr b="0" i="0" sz="1400" u="none" cap="none" strike="noStrike">
+        <a:defRPr sz="1400" b="0" i="0" u="none" strike="noStrike" cap="none">
           <a:solidFill>
             <a:srgbClr val="000000"/>
           </a:solidFill>
@@ -5880,7 +6347,7 @@
           <a:sym typeface="Arial"/>
         </a:defRPr>
       </a:lvl6pPr>
-      <a:lvl7pPr lvl="6" marR="0" rtl="0" algn="l">
+      <a:lvl7pPr marR="0" lvl="6" algn="l" rtl="0">
         <a:lnSpc>
           <a:spcPct val="100000"/>
         </a:lnSpc>
@@ -5894,7 +6361,7 @@
           <a:srgbClr val="000000"/>
         </a:buClr>
         <a:buFont typeface="Arial"/>
-        <a:defRPr b="0" i="0" sz="1400" u="none" cap="none" strike="noStrike">
+        <a:defRPr sz="1400" b="0" i="0" u="none" strike="noStrike" cap="none">
           <a:solidFill>
             <a:srgbClr val="000000"/>
           </a:solidFill>
@@ -5904,7 +6371,7 @@
           <a:sym typeface="Arial"/>
         </a:defRPr>
       </a:lvl7pPr>
-      <a:lvl8pPr lvl="7" marR="0" rtl="0" algn="l">
+      <a:lvl8pPr marR="0" lvl="7" algn="l" rtl="0">
         <a:lnSpc>
           <a:spcPct val="100000"/>
         </a:lnSpc>
@@ -5918,7 +6385,7 @@
           <a:srgbClr val="000000"/>
         </a:buClr>
         <a:buFont typeface="Arial"/>
-        <a:defRPr b="0" i="0" sz="1400" u="none" cap="none" strike="noStrike">
+        <a:defRPr sz="1400" b="0" i="0" u="none" strike="noStrike" cap="none">
           <a:solidFill>
             <a:srgbClr val="000000"/>
           </a:solidFill>
@@ -5928,7 +6395,7 @@
           <a:sym typeface="Arial"/>
         </a:defRPr>
       </a:lvl8pPr>
-      <a:lvl9pPr lvl="8" marR="0" rtl="0" algn="l">
+      <a:lvl9pPr marR="0" lvl="8" algn="l" rtl="0">
         <a:lnSpc>
           <a:spcPct val="100000"/>
         </a:lnSpc>
@@ -5942,7 +6409,7 @@
           <a:srgbClr val="000000"/>
         </a:buClr>
         <a:buFont typeface="Arial"/>
-        <a:defRPr b="0" i="0" sz="1400" u="none" cap="none" strike="noStrike">
+        <a:defRPr sz="1400" b="0" i="0" u="none" strike="noStrike" cap="none">
           <a:solidFill>
             <a:srgbClr val="000000"/>
           </a:solidFill>
@@ -5958,11 +6425,11 @@
 </file>
 
 <file path=ppt/slides/slide1.xml><?xml version="1.0" encoding="utf-8"?>
-<p:sld xmlns:a="http://schemas.openxmlformats.org/drawingml/2006/main" xmlns:r="http://schemas.openxmlformats.org/officeDocument/2006/relationships" xmlns:mc="http://schemas.openxmlformats.org/markup-compatibility/2006" xmlns:mv="urn:schemas-microsoft-com:mac:vml" xmlns:p="http://schemas.openxmlformats.org/presentationml/2006/main" xmlns:c="http://schemas.openxmlformats.org/drawingml/2006/chart" xmlns:dgm="http://schemas.openxmlformats.org/drawingml/2006/diagram" xmlns:o="urn:schemas-microsoft-com:office:office" xmlns:v="urn:schemas-microsoft-com:vml" xmlns:pvml="urn:schemas-microsoft-com:office:powerpoint" xmlns:com="http://schemas.openxmlformats.org/drawingml/2006/compatibility" xmlns:p14="http://schemas.microsoft.com/office/powerpoint/2010/main" xmlns:p15="http://schemas.microsoft.com/office/powerpoint/2012/main" xmlns:ahyp="http://schemas.microsoft.com/office/drawing/2018/hyperlinkcolor">
+<p:sld xmlns:a="http://schemas.openxmlformats.org/drawingml/2006/main" xmlns:r="http://schemas.openxmlformats.org/officeDocument/2006/relationships" xmlns:p="http://schemas.openxmlformats.org/presentationml/2006/main">
   <p:cSld>
     <p:spTree>
       <p:nvGrpSpPr>
-        <p:cNvPr id="53" name="Shape 53"/>
+        <p:cNvPr id="1" name="Shape 53"/>
         <p:cNvGrpSpPr/>
         <p:nvPr/>
       </p:nvGrpSpPr>
@@ -5977,7 +6444,9 @@
       <p:sp>
         <p:nvSpPr>
           <p:cNvPr id="54" name="Google Shape;54;p13"/>
-          <p:cNvSpPr txBox="1"/>
+          <p:cNvSpPr txBox="1">
+            <a:spLocks noGrp="1"/>
+          </p:cNvSpPr>
           <p:nvPr>
             <p:ph type="ctrTitle"/>
           </p:nvPr>
@@ -5992,12 +6461,12 @@
           </a:prstGeom>
         </p:spPr>
         <p:txBody>
-          <a:bodyPr anchorCtr="0" anchor="b" bIns="90000" lIns="91425" spcFirstLastPara="1" rIns="91425" wrap="square" tIns="91425">
+          <a:bodyPr spcFirstLastPara="1" wrap="square" lIns="91425" tIns="91425" rIns="91425" bIns="90000" anchor="b" anchorCtr="0">
             <a:noAutofit/>
           </a:bodyPr>
           <a:lstStyle/>
           <a:p>
-            <a:pPr indent="0" lvl="0" marL="0" rtl="0" algn="ctr">
+            <a:pPr marL="0" lvl="0" indent="0" algn="ctr" rtl="0">
               <a:spcBef>
                 <a:spcPts val="0"/>
               </a:spcBef>
@@ -6007,7 +6476,7 @@
               <a:buNone/>
             </a:pPr>
             <a:r>
-              <a:rPr b="1" lang="en-GB" sz="3300">
+              <a:rPr lang="en-GB" sz="3300" b="1">
                 <a:highlight>
                   <a:srgbClr val="FFFFFF"/>
                 </a:highlight>
@@ -6018,7 +6487,7 @@
               </a:rPr>
               <a:t>Feature selection</a:t>
             </a:r>
-            <a:endParaRPr b="1" sz="3300">
+            <a:endParaRPr sz="3300" b="1">
               <a:highlight>
                 <a:srgbClr val="FFFFFF"/>
               </a:highlight>
@@ -6029,7 +6498,7 @@
             </a:endParaRPr>
           </a:p>
           <a:p>
-            <a:pPr indent="0" lvl="0" marL="0" rtl="0" algn="ctr">
+            <a:pPr marL="0" lvl="0" indent="0" algn="ctr" rtl="0">
               <a:spcBef>
                 <a:spcPts val="0"/>
               </a:spcBef>
@@ -6039,7 +6508,7 @@
               <a:buNone/>
             </a:pPr>
             <a:r>
-              <a:rPr b="1" lang="en-GB" sz="3300">
+              <a:rPr lang="en-GB" sz="3300" b="1">
                 <a:highlight>
                   <a:srgbClr val="FFFFFF"/>
                 </a:highlight>
@@ -6050,7 +6519,7 @@
               </a:rPr>
               <a:t>on large and sparse datasets</a:t>
             </a:r>
-            <a:endParaRPr b="1" sz="6200">
+            <a:endParaRPr sz="6200" b="1">
               <a:latin typeface="Roboto"/>
               <a:ea typeface="Roboto"/>
               <a:cs typeface="Roboto"/>
@@ -6062,9 +6531,11 @@
       <p:sp>
         <p:nvSpPr>
           <p:cNvPr id="55" name="Google Shape;55;p13"/>
-          <p:cNvSpPr txBox="1"/>
+          <p:cNvSpPr txBox="1">
+            <a:spLocks noGrp="1"/>
+          </p:cNvSpPr>
           <p:nvPr>
-            <p:ph idx="1" type="subTitle"/>
+            <p:ph type="subTitle" idx="1"/>
           </p:nvPr>
         </p:nvSpPr>
         <p:spPr>
@@ -6077,12 +6548,12 @@
           </a:prstGeom>
         </p:spPr>
         <p:txBody>
-          <a:bodyPr anchorCtr="0" anchor="t" bIns="91425" lIns="91425" spcFirstLastPara="1" rIns="91425" wrap="square" tIns="91425">
+          <a:bodyPr spcFirstLastPara="1" wrap="square" lIns="91425" tIns="91425" rIns="91425" bIns="91425" anchor="t" anchorCtr="0">
             <a:normAutofit/>
           </a:bodyPr>
           <a:lstStyle/>
           <a:p>
-            <a:pPr indent="0" lvl="0" marL="0" rtl="0" algn="ctr">
+            <a:pPr marL="0" lvl="0" indent="0" algn="ctr" rtl="0">
               <a:spcBef>
                 <a:spcPts val="0"/>
               </a:spcBef>
@@ -6152,14 +6623,14 @@
             <a:avLst/>
           </a:prstGeom>
           <a:noFill/>
-          <a:ln cap="flat" cmpd="sng" w="38100">
+          <a:ln w="38100" cap="flat" cmpd="sng">
             <a:solidFill>
               <a:srgbClr val="EE1208"/>
             </a:solidFill>
             <a:prstDash val="solid"/>
             <a:round/>
-            <a:headEnd len="med" w="med" type="none"/>
-            <a:tailEnd len="med" w="med" type="none"/>
+            <a:headEnd type="none" w="med" len="med"/>
+            <a:tailEnd type="none" w="med" len="med"/>
           </a:ln>
         </p:spPr>
       </p:cxnSp>
@@ -6183,12 +6654,12 @@
           </a:ln>
         </p:spPr>
         <p:txBody>
-          <a:bodyPr anchorCtr="0" anchor="t" bIns="91425" lIns="91425" spcFirstLastPara="1" rIns="91425" wrap="square" tIns="91425">
+          <a:bodyPr spcFirstLastPara="1" wrap="square" lIns="91425" tIns="91425" rIns="91425" bIns="91425" anchor="t" anchorCtr="0">
             <a:spAutoFit/>
           </a:bodyPr>
           <a:lstStyle/>
           <a:p>
-            <a:pPr indent="0" lvl="0" marL="0" rtl="0" algn="ctr">
+            <a:pPr marL="0" lvl="0" indent="0" algn="ctr" rtl="0">
               <a:spcBef>
                 <a:spcPts val="0"/>
               </a:spcBef>
@@ -6204,16 +6675,7 @@
                 <a:cs typeface="Roboto Medium"/>
                 <a:sym typeface="Roboto Medium"/>
               </a:rPr>
-              <a:t>A</a:t>
-            </a:r>
-            <a:r>
-              <a:rPr lang="en-GB">
-                <a:latin typeface="Roboto Medium"/>
-                <a:ea typeface="Roboto Medium"/>
-                <a:cs typeface="Roboto Medium"/>
-                <a:sym typeface="Roboto Medium"/>
-              </a:rPr>
-              <a:t>dvisors:</a:t>
+              <a:t>Advisors:</a:t>
             </a:r>
             <a:r>
               <a:rPr lang="en-GB"/>
@@ -6246,11 +6708,11 @@
 </file>
 
 <file path=ppt/slides/slide2.xml><?xml version="1.0" encoding="utf-8"?>
-<p:sld xmlns:a="http://schemas.openxmlformats.org/drawingml/2006/main" xmlns:r="http://schemas.openxmlformats.org/officeDocument/2006/relationships" xmlns:mc="http://schemas.openxmlformats.org/markup-compatibility/2006" xmlns:mv="urn:schemas-microsoft-com:mac:vml" xmlns:p="http://schemas.openxmlformats.org/presentationml/2006/main" xmlns:c="http://schemas.openxmlformats.org/drawingml/2006/chart" xmlns:dgm="http://schemas.openxmlformats.org/drawingml/2006/diagram" xmlns:o="urn:schemas-microsoft-com:office:office" xmlns:v="urn:schemas-microsoft-com:vml" xmlns:pvml="urn:schemas-microsoft-com:office:powerpoint" xmlns:com="http://schemas.openxmlformats.org/drawingml/2006/compatibility" xmlns:p14="http://schemas.microsoft.com/office/powerpoint/2010/main" xmlns:p15="http://schemas.microsoft.com/office/powerpoint/2012/main" xmlns:ahyp="http://schemas.microsoft.com/office/drawing/2018/hyperlinkcolor">
+<p:sld xmlns:a="http://schemas.openxmlformats.org/drawingml/2006/main" xmlns:r="http://schemas.openxmlformats.org/officeDocument/2006/relationships" xmlns:p="http://schemas.openxmlformats.org/presentationml/2006/main">
   <p:cSld>
     <p:spTree>
       <p:nvGrpSpPr>
-        <p:cNvPr id="62" name="Shape 62"/>
+        <p:cNvPr id="1" name="Shape 62"/>
         <p:cNvGrpSpPr/>
         <p:nvPr/>
       </p:nvGrpSpPr>
@@ -6265,7 +6727,9 @@
       <p:sp>
         <p:nvSpPr>
           <p:cNvPr id="63" name="Google Shape;63;p14"/>
-          <p:cNvSpPr txBox="1"/>
+          <p:cNvSpPr txBox="1">
+            <a:spLocks noGrp="1"/>
+          </p:cNvSpPr>
           <p:nvPr>
             <p:ph type="title"/>
           </p:nvPr>
@@ -6280,12 +6744,12 @@
           </a:prstGeom>
         </p:spPr>
         <p:txBody>
-          <a:bodyPr anchorCtr="0" anchor="t" bIns="91425" lIns="91425" spcFirstLastPara="1" rIns="91425" wrap="square" tIns="91425">
+          <a:bodyPr spcFirstLastPara="1" wrap="square" lIns="91425" tIns="91425" rIns="91425" bIns="91425" anchor="t" anchorCtr="0">
             <a:normAutofit fontScale="90000"/>
           </a:bodyPr>
           <a:lstStyle/>
           <a:p>
-            <a:pPr indent="0" lvl="0" marL="0" rtl="0" algn="l">
+            <a:pPr marL="0" lvl="0" indent="0" algn="l" rtl="0">
               <a:spcBef>
                 <a:spcPts val="0"/>
               </a:spcBef>
@@ -6315,9 +6779,11 @@
       <p:sp>
         <p:nvSpPr>
           <p:cNvPr id="64" name="Google Shape;64;p14"/>
-          <p:cNvSpPr txBox="1"/>
+          <p:cNvSpPr txBox="1">
+            <a:spLocks noGrp="1"/>
+          </p:cNvSpPr>
           <p:nvPr>
-            <p:ph idx="1" type="body"/>
+            <p:ph type="body" idx="1"/>
           </p:nvPr>
         </p:nvSpPr>
         <p:spPr>
@@ -6330,12 +6796,12 @@
           </a:prstGeom>
         </p:spPr>
         <p:txBody>
-          <a:bodyPr anchorCtr="0" anchor="t" bIns="91425" lIns="91425" spcFirstLastPara="1" rIns="91425" wrap="square" tIns="91425">
+          <a:bodyPr spcFirstLastPara="1" wrap="square" lIns="91425" tIns="91425" rIns="91425" bIns="91425" anchor="t" anchorCtr="0">
             <a:normAutofit/>
           </a:bodyPr>
           <a:lstStyle/>
           <a:p>
-            <a:pPr indent="-342900" lvl="0" marL="457200" rtl="0" algn="l">
+            <a:pPr marL="457200" lvl="0" indent="-342900" algn="l" rtl="0">
               <a:spcBef>
                 <a:spcPts val="0"/>
               </a:spcBef>
@@ -6353,25 +6819,7 @@
                 <a:cs typeface="Roboto"/>
                 <a:sym typeface="Roboto"/>
               </a:rPr>
-              <a:t>Ou</a:t>
-            </a:r>
-            <a:r>
-              <a:rPr lang="en-GB">
-                <a:latin typeface="Roboto"/>
-                <a:ea typeface="Roboto"/>
-                <a:cs typeface="Roboto"/>
-                <a:sym typeface="Roboto"/>
-              </a:rPr>
-              <a:t>tbrain</a:t>
-            </a:r>
-            <a:r>
-              <a:rPr lang="en-GB">
-                <a:latin typeface="Roboto"/>
-                <a:ea typeface="Roboto"/>
-                <a:cs typeface="Roboto"/>
-                <a:sym typeface="Roboto"/>
-              </a:rPr>
-              <a:t>, web recommendation platform</a:t>
+              <a:t>Outbrain, web recommendation platform</a:t>
             </a:r>
             <a:endParaRPr>
               <a:latin typeface="Roboto"/>
@@ -6381,7 +6829,7 @@
             </a:endParaRPr>
           </a:p>
           <a:p>
-            <a:pPr indent="-342900" lvl="0" marL="457200" rtl="0" algn="l">
+            <a:pPr marL="457200" lvl="0" indent="-342900" algn="l" rtl="0">
               <a:spcBef>
                 <a:spcPts val="0"/>
               </a:spcBef>
@@ -6409,7 +6857,7 @@
             </a:endParaRPr>
           </a:p>
           <a:p>
-            <a:pPr indent="-342900" lvl="0" marL="457200" rtl="0" algn="l">
+            <a:pPr marL="457200" lvl="0" indent="-342900" algn="l" rtl="0">
               <a:spcBef>
                 <a:spcPts val="0"/>
               </a:spcBef>
@@ -6437,7 +6885,7 @@
             </a:endParaRPr>
           </a:p>
           <a:p>
-            <a:pPr indent="-342900" lvl="0" marL="457200" rtl="0" algn="l">
+            <a:pPr marL="457200" lvl="0" indent="-342900" algn="l" rtl="0">
               <a:spcBef>
                 <a:spcPts val="0"/>
               </a:spcBef>
@@ -6509,17 +6957,64 @@
             <a:avLst/>
           </a:prstGeom>
           <a:noFill/>
-          <a:ln cap="flat" cmpd="sng" w="19050">
+          <a:ln w="19050" cap="flat" cmpd="sng">
             <a:solidFill>
               <a:srgbClr val="EE1208"/>
             </a:solidFill>
             <a:prstDash val="solid"/>
             <a:round/>
-            <a:headEnd len="med" w="med" type="none"/>
-            <a:tailEnd len="med" w="med" type="none"/>
+            <a:headEnd type="none" w="med" len="med"/>
+            <a:tailEnd type="none" w="med" len="med"/>
           </a:ln>
         </p:spPr>
       </p:cxnSp>
+      <p:pic>
+        <p:nvPicPr>
+          <p:cNvPr id="1026" name="Picture 2" descr="Outbrain - Recommendation Platform Powered by Native Ads">
+            <a:extLst>
+              <a:ext uri="{FF2B5EF4-FFF2-40B4-BE49-F238E27FC236}">
+                <a16:creationId xmlns:a16="http://schemas.microsoft.com/office/drawing/2014/main" id="{834F446C-6492-76DD-F74E-D34A1F8B4B30}"/>
+              </a:ext>
+            </a:extLst>
+          </p:cNvPr>
+          <p:cNvPicPr>
+            <a:picLocks noChangeAspect="1" noChangeArrowheads="1"/>
+          </p:cNvPicPr>
+          <p:nvPr/>
+        </p:nvPicPr>
+        <p:blipFill>
+          <a:blip r:embed="rId4">
+            <a:extLst>
+              <a:ext uri="{28A0092B-C50C-407E-A947-70E740481C1C}">
+                <a14:useLocalDpi xmlns:a14="http://schemas.microsoft.com/office/drawing/2010/main" val="0"/>
+              </a:ext>
+            </a:extLst>
+          </a:blip>
+          <a:srcRect/>
+          <a:stretch>
+            <a:fillRect/>
+          </a:stretch>
+        </p:blipFill>
+        <p:spPr bwMode="auto">
+          <a:xfrm>
+            <a:off x="6351035" y="783900"/>
+            <a:ext cx="2481265" cy="461963"/>
+          </a:xfrm>
+          <a:prstGeom prst="rect">
+            <a:avLst/>
+          </a:prstGeom>
+          <a:noFill/>
+          <a:extLst>
+            <a:ext uri="{909E8E84-426E-40DD-AFC4-6F175D3DCCD1}">
+              <a14:hiddenFill xmlns:a14="http://schemas.microsoft.com/office/drawing/2010/main">
+                <a:solidFill>
+                  <a:srgbClr val="FFFFFF"/>
+                </a:solidFill>
+              </a14:hiddenFill>
+            </a:ext>
+          </a:extLst>
+        </p:spPr>
+      </p:pic>
     </p:spTree>
   </p:cSld>
   <p:clrMapOvr>
@@ -6529,11 +7024,11 @@
 </file>
 
 <file path=ppt/slides/slide3.xml><?xml version="1.0" encoding="utf-8"?>
-<p:sld xmlns:a="http://schemas.openxmlformats.org/drawingml/2006/main" xmlns:r="http://schemas.openxmlformats.org/officeDocument/2006/relationships" xmlns:mc="http://schemas.openxmlformats.org/markup-compatibility/2006" xmlns:mv="urn:schemas-microsoft-com:mac:vml" xmlns:p="http://schemas.openxmlformats.org/presentationml/2006/main" xmlns:c="http://schemas.openxmlformats.org/drawingml/2006/chart" xmlns:dgm="http://schemas.openxmlformats.org/drawingml/2006/diagram" xmlns:o="urn:schemas-microsoft-com:office:office" xmlns:v="urn:schemas-microsoft-com:vml" xmlns:pvml="urn:schemas-microsoft-com:office:powerpoint" xmlns:com="http://schemas.openxmlformats.org/drawingml/2006/compatibility" xmlns:p14="http://schemas.microsoft.com/office/powerpoint/2010/main" xmlns:p15="http://schemas.microsoft.com/office/powerpoint/2012/main" xmlns:ahyp="http://schemas.microsoft.com/office/drawing/2018/hyperlinkcolor">
+<p:sld xmlns:a="http://schemas.openxmlformats.org/drawingml/2006/main" xmlns:r="http://schemas.openxmlformats.org/officeDocument/2006/relationships" xmlns:p="http://schemas.openxmlformats.org/presentationml/2006/main">
   <p:cSld>
     <p:spTree>
       <p:nvGrpSpPr>
-        <p:cNvPr id="70" name="Shape 70"/>
+        <p:cNvPr id="1" name="Shape 70"/>
         <p:cNvGrpSpPr/>
         <p:nvPr/>
       </p:nvGrpSpPr>
@@ -6548,7 +7043,9 @@
       <p:sp>
         <p:nvSpPr>
           <p:cNvPr id="71" name="Google Shape;71;p15"/>
-          <p:cNvSpPr txBox="1"/>
+          <p:cNvSpPr txBox="1">
+            <a:spLocks noGrp="1"/>
+          </p:cNvSpPr>
           <p:nvPr>
             <p:ph type="title"/>
           </p:nvPr>
@@ -6563,12 +7060,12 @@
           </a:prstGeom>
         </p:spPr>
         <p:txBody>
-          <a:bodyPr anchorCtr="0" anchor="t" bIns="91425" lIns="91425" spcFirstLastPara="1" rIns="91425" wrap="square" tIns="91425">
+          <a:bodyPr spcFirstLastPara="1" wrap="square" lIns="91425" tIns="91425" rIns="91425" bIns="91425" anchor="t" anchorCtr="0">
             <a:normAutofit fontScale="90000"/>
           </a:bodyPr>
           <a:lstStyle/>
           <a:p>
-            <a:pPr indent="0" lvl="0" marL="0" rtl="0" algn="l">
+            <a:pPr marL="0" lvl="0" indent="0" algn="l" rtl="0">
               <a:spcBef>
                 <a:spcPts val="0"/>
               </a:spcBef>
@@ -6598,9 +7095,11 @@
       <p:sp>
         <p:nvSpPr>
           <p:cNvPr id="72" name="Google Shape;72;p15"/>
-          <p:cNvSpPr txBox="1"/>
+          <p:cNvSpPr txBox="1">
+            <a:spLocks noGrp="1"/>
+          </p:cNvSpPr>
           <p:nvPr>
-            <p:ph idx="1" type="body"/>
+            <p:ph type="body" idx="1"/>
           </p:nvPr>
         </p:nvSpPr>
         <p:spPr>
@@ -6613,12 +7112,12 @@
           </a:prstGeom>
         </p:spPr>
         <p:txBody>
-          <a:bodyPr anchorCtr="0" anchor="t" bIns="91425" lIns="91425" spcFirstLastPara="1" rIns="91425" wrap="square" tIns="91425">
+          <a:bodyPr spcFirstLastPara="1" wrap="square" lIns="91425" tIns="91425" rIns="91425" bIns="91425" anchor="t" anchorCtr="0">
             <a:normAutofit/>
           </a:bodyPr>
           <a:lstStyle/>
           <a:p>
-            <a:pPr indent="-342900" lvl="0" marL="457200" rtl="0" algn="l">
+            <a:pPr marL="457200" lvl="0" indent="-342900" algn="l" rtl="0">
               <a:spcBef>
                 <a:spcPts val="0"/>
               </a:spcBef>
@@ -6646,7 +7145,7 @@
             </a:endParaRPr>
           </a:p>
           <a:p>
-            <a:pPr indent="-342900" lvl="0" marL="457200" rtl="0" algn="l">
+            <a:pPr marL="457200" lvl="0" indent="-342900" algn="l" rtl="0">
               <a:spcBef>
                 <a:spcPts val="0"/>
               </a:spcBef>
@@ -6674,7 +7173,7 @@
             </a:endParaRPr>
           </a:p>
           <a:p>
-            <a:pPr indent="-342900" lvl="0" marL="457200" rtl="0" algn="l">
+            <a:pPr marL="457200" lvl="0" indent="-342900" algn="l" rtl="0">
               <a:spcBef>
                 <a:spcPts val="0"/>
               </a:spcBef>
@@ -6702,7 +7201,7 @@
             </a:endParaRPr>
           </a:p>
           <a:p>
-            <a:pPr indent="-342900" lvl="0" marL="457200" rtl="0" algn="l">
+            <a:pPr marL="457200" lvl="0" indent="-342900" algn="l" rtl="0">
               <a:spcBef>
                 <a:spcPts val="0"/>
               </a:spcBef>
@@ -6730,7 +7229,7 @@
             </a:endParaRPr>
           </a:p>
           <a:p>
-            <a:pPr indent="-342900" lvl="0" marL="457200" rtl="0" algn="l">
+            <a:pPr marL="457200" lvl="0" indent="-342900" algn="l" rtl="0">
               <a:spcBef>
                 <a:spcPts val="0"/>
               </a:spcBef>
@@ -6750,6 +7249,23 @@
               </a:rPr>
               <a:t>First eliminations</a:t>
             </a:r>
+            <a:endParaRPr>
+              <a:latin typeface="Roboto"/>
+              <a:ea typeface="Roboto"/>
+              <a:cs typeface="Roboto"/>
+              <a:sym typeface="Roboto"/>
+            </a:endParaRPr>
+          </a:p>
+          <a:p>
+            <a:pPr marL="457200" lvl="0" indent="0" algn="l" rtl="0">
+              <a:spcBef>
+                <a:spcPts val="1200"/>
+              </a:spcBef>
+              <a:spcAft>
+                <a:spcPts val="1200"/>
+              </a:spcAft>
+              <a:buNone/>
+            </a:pPr>
             <a:endParaRPr>
               <a:latin typeface="Roboto"/>
               <a:ea typeface="Roboto"/>
@@ -6774,14 +7290,14 @@
             <a:avLst/>
           </a:prstGeom>
           <a:noFill/>
-          <a:ln cap="flat" cmpd="sng" w="19050">
+          <a:ln w="19050" cap="flat" cmpd="sng">
             <a:solidFill>
               <a:srgbClr val="EE1208"/>
             </a:solidFill>
             <a:prstDash val="solid"/>
             <a:round/>
-            <a:headEnd len="med" w="med" type="none"/>
-            <a:tailEnd len="med" w="med" type="none"/>
+            <a:headEnd type="none" w="med" len="med"/>
+            <a:tailEnd type="none" w="med" len="med"/>
           </a:ln>
         </p:spPr>
       </p:cxnSp>
@@ -6801,8 +7317,36 @@
         </p:blipFill>
         <p:spPr>
           <a:xfrm>
-            <a:off x="3808176" y="1152475"/>
-            <a:ext cx="4949652" cy="3071775"/>
+            <a:off x="4484050" y="1139750"/>
+            <a:ext cx="4467400" cy="2772474"/>
+          </a:xfrm>
+          <a:prstGeom prst="rect">
+            <a:avLst/>
+          </a:prstGeom>
+          <a:noFill/>
+          <a:ln>
+            <a:noFill/>
+          </a:ln>
+        </p:spPr>
+      </p:pic>
+      <p:pic>
+        <p:nvPicPr>
+          <p:cNvPr id="75" name="Google Shape;75;p15"/>
+          <p:cNvPicPr preferRelativeResize="0"/>
+          <p:nvPr/>
+        </p:nvPicPr>
+        <p:blipFill>
+          <a:blip r:embed="rId4">
+            <a:alphaModFix/>
+          </a:blip>
+          <a:stretch>
+            <a:fillRect/>
+          </a:stretch>
+        </p:blipFill>
+        <p:spPr>
+          <a:xfrm>
+            <a:off x="171775" y="3030625"/>
+            <a:ext cx="4260301" cy="1932529"/>
           </a:xfrm>
           <a:prstGeom prst="rect">
             <a:avLst/>
@@ -6822,11 +7366,11 @@
 </file>
 
 <file path=ppt/slides/slide4.xml><?xml version="1.0" encoding="utf-8"?>
-<p:sld xmlns:a="http://schemas.openxmlformats.org/drawingml/2006/main" xmlns:r="http://schemas.openxmlformats.org/officeDocument/2006/relationships" xmlns:mc="http://schemas.openxmlformats.org/markup-compatibility/2006" xmlns:mv="urn:schemas-microsoft-com:mac:vml" xmlns:p="http://schemas.openxmlformats.org/presentationml/2006/main" xmlns:c="http://schemas.openxmlformats.org/drawingml/2006/chart" xmlns:dgm="http://schemas.openxmlformats.org/drawingml/2006/diagram" xmlns:o="urn:schemas-microsoft-com:office:office" xmlns:v="urn:schemas-microsoft-com:vml" xmlns:pvml="urn:schemas-microsoft-com:office:powerpoint" xmlns:com="http://schemas.openxmlformats.org/drawingml/2006/compatibility" xmlns:p14="http://schemas.microsoft.com/office/powerpoint/2010/main" xmlns:p15="http://schemas.microsoft.com/office/powerpoint/2012/main" xmlns:ahyp="http://schemas.microsoft.com/office/drawing/2018/hyperlinkcolor">
+<p:sld xmlns:a="http://schemas.openxmlformats.org/drawingml/2006/main" xmlns:r="http://schemas.openxmlformats.org/officeDocument/2006/relationships" xmlns:p="http://schemas.openxmlformats.org/presentationml/2006/main">
   <p:cSld>
     <p:spTree>
       <p:nvGrpSpPr>
-        <p:cNvPr id="78" name="Shape 78"/>
+        <p:cNvPr id="1" name="Shape 79"/>
         <p:cNvGrpSpPr/>
         <p:nvPr/>
       </p:nvGrpSpPr>
@@ -6840,7 +7384,7 @@
       </p:grpSpPr>
       <p:pic>
         <p:nvPicPr>
-          <p:cNvPr id="79" name="Google Shape;79;p16"/>
+          <p:cNvPr id="80" name="Google Shape;80;p16"/>
           <p:cNvPicPr preferRelativeResize="0"/>
           <p:nvPr/>
         </p:nvPicPr>
@@ -6875,11 +7419,11 @@
 </file>
 
 <file path=ppt/slides/slide5.xml><?xml version="1.0" encoding="utf-8"?>
-<p:sld xmlns:a="http://schemas.openxmlformats.org/drawingml/2006/main" xmlns:r="http://schemas.openxmlformats.org/officeDocument/2006/relationships" xmlns:mc="http://schemas.openxmlformats.org/markup-compatibility/2006" xmlns:mv="urn:schemas-microsoft-com:mac:vml" xmlns:p="http://schemas.openxmlformats.org/presentationml/2006/main" xmlns:c="http://schemas.openxmlformats.org/drawingml/2006/chart" xmlns:dgm="http://schemas.openxmlformats.org/drawingml/2006/diagram" xmlns:o="urn:schemas-microsoft-com:office:office" xmlns:v="urn:schemas-microsoft-com:vml" xmlns:pvml="urn:schemas-microsoft-com:office:powerpoint" xmlns:com="http://schemas.openxmlformats.org/drawingml/2006/compatibility" xmlns:p14="http://schemas.microsoft.com/office/powerpoint/2010/main" xmlns:p15="http://schemas.microsoft.com/office/powerpoint/2012/main" xmlns:ahyp="http://schemas.microsoft.com/office/drawing/2018/hyperlinkcolor">
+<p:sld xmlns:a="http://schemas.openxmlformats.org/drawingml/2006/main" xmlns:r="http://schemas.openxmlformats.org/officeDocument/2006/relationships" xmlns:p="http://schemas.openxmlformats.org/presentationml/2006/main">
   <p:cSld>
     <p:spTree>
       <p:nvGrpSpPr>
-        <p:cNvPr id="83" name="Shape 83"/>
+        <p:cNvPr id="1" name="Shape 84"/>
         <p:cNvGrpSpPr/>
         <p:nvPr/>
       </p:nvGrpSpPr>
@@ -6893,8 +7437,10 @@
       </p:grpSpPr>
       <p:sp>
         <p:nvSpPr>
-          <p:cNvPr id="84" name="Google Shape;84;p17"/>
-          <p:cNvSpPr txBox="1"/>
+          <p:cNvPr id="85" name="Google Shape;85;p17"/>
+          <p:cNvSpPr txBox="1">
+            <a:spLocks noGrp="1"/>
+          </p:cNvSpPr>
           <p:nvPr>
             <p:ph type="title"/>
           </p:nvPr>
@@ -6909,12 +7455,12 @@
           </a:prstGeom>
         </p:spPr>
         <p:txBody>
-          <a:bodyPr anchorCtr="0" anchor="t" bIns="91425" lIns="91425" spcFirstLastPara="1" rIns="91425" wrap="square" tIns="91425">
+          <a:bodyPr spcFirstLastPara="1" wrap="square" lIns="91425" tIns="91425" rIns="91425" bIns="91425" anchor="t" anchorCtr="0">
             <a:normAutofit fontScale="90000"/>
           </a:bodyPr>
           <a:lstStyle/>
           <a:p>
-            <a:pPr indent="0" lvl="0" marL="0" rtl="0" algn="l">
+            <a:pPr marL="0" lvl="0" indent="0" algn="l" rtl="0">
               <a:spcBef>
                 <a:spcPts val="0"/>
               </a:spcBef>
@@ -6943,10 +7489,12 @@
       </p:sp>
       <p:sp>
         <p:nvSpPr>
-          <p:cNvPr id="85" name="Google Shape;85;p17"/>
-          <p:cNvSpPr txBox="1"/>
+          <p:cNvPr id="86" name="Google Shape;86;p17"/>
+          <p:cNvSpPr txBox="1">
+            <a:spLocks noGrp="1"/>
+          </p:cNvSpPr>
           <p:nvPr>
-            <p:ph idx="1" type="body"/>
+            <p:ph type="body" idx="1"/>
           </p:nvPr>
         </p:nvSpPr>
         <p:spPr>
@@ -6959,12 +7507,12 @@
           </a:prstGeom>
         </p:spPr>
         <p:txBody>
-          <a:bodyPr anchorCtr="0" anchor="t" bIns="91425" lIns="91425" spcFirstLastPara="1" rIns="91425" wrap="square" tIns="91425">
+          <a:bodyPr spcFirstLastPara="1" wrap="square" lIns="91425" tIns="91425" rIns="91425" bIns="91425" anchor="t" anchorCtr="0">
             <a:normAutofit/>
           </a:bodyPr>
           <a:lstStyle/>
           <a:p>
-            <a:pPr indent="-342900" lvl="0" marL="457200" rtl="0" algn="l">
+            <a:pPr marL="457200" lvl="0" indent="-342900" algn="l" rtl="0">
               <a:spcBef>
                 <a:spcPts val="0"/>
               </a:spcBef>
@@ -6976,7 +7524,7 @@
               <a:buChar char="●"/>
             </a:pPr>
             <a:r>
-              <a:rPr lang="en-GB">
+              <a:rPr lang="en-GB" dirty="0">
                 <a:latin typeface="Roboto"/>
                 <a:ea typeface="Roboto"/>
                 <a:cs typeface="Roboto"/>
@@ -6984,7 +7532,7 @@
               </a:rPr>
               <a:t>Subsampling optimization</a:t>
             </a:r>
-            <a:endParaRPr>
+            <a:endParaRPr dirty="0">
               <a:latin typeface="Roboto"/>
               <a:ea typeface="Roboto"/>
               <a:cs typeface="Roboto"/>
@@ -6992,7 +7540,7 @@
             </a:endParaRPr>
           </a:p>
           <a:p>
-            <a:pPr indent="-342900" lvl="0" marL="457200" rtl="0" algn="l">
+            <a:pPr marL="457200" lvl="0" indent="-342900" algn="l" rtl="0">
               <a:spcBef>
                 <a:spcPts val="0"/>
               </a:spcBef>
@@ -7004,7 +7552,7 @@
               <a:buChar char="●"/>
             </a:pPr>
             <a:r>
-              <a:rPr lang="en-GB">
+              <a:rPr lang="en-GB" dirty="0">
                 <a:latin typeface="Roboto"/>
                 <a:ea typeface="Roboto"/>
                 <a:cs typeface="Roboto"/>
@@ -7012,7 +7560,7 @@
               </a:rPr>
               <a:t>Ensemble approach</a:t>
             </a:r>
-            <a:endParaRPr>
+            <a:endParaRPr dirty="0">
               <a:latin typeface="Roboto"/>
               <a:ea typeface="Roboto"/>
               <a:cs typeface="Roboto"/>
@@ -7020,7 +7568,7 @@
             </a:endParaRPr>
           </a:p>
           <a:p>
-            <a:pPr indent="-342900" lvl="0" marL="457200" rtl="0" algn="l">
+            <a:pPr marL="457200" lvl="0" indent="-342900" algn="l" rtl="0">
               <a:spcBef>
                 <a:spcPts val="0"/>
               </a:spcBef>
@@ -7032,15 +7580,24 @@
               <a:buChar char="●"/>
             </a:pPr>
             <a:r>
-              <a:rPr lang="en-GB">
+              <a:rPr lang="en-GB" dirty="0" err="1">
                 <a:latin typeface="Roboto"/>
                 <a:ea typeface="Roboto"/>
                 <a:cs typeface="Roboto"/>
                 <a:sym typeface="Roboto"/>
               </a:rPr>
-              <a:t>Borda count voting system</a:t>
+              <a:t>Borda</a:t>
             </a:r>
-            <a:endParaRPr>
+            <a:r>
+              <a:rPr lang="en-GB" dirty="0">
+                <a:latin typeface="Roboto"/>
+                <a:ea typeface="Roboto"/>
+                <a:cs typeface="Roboto"/>
+                <a:sym typeface="Roboto"/>
+              </a:rPr>
+              <a:t> count voting system</a:t>
+            </a:r>
+            <a:endParaRPr dirty="0">
               <a:latin typeface="Roboto"/>
               <a:ea typeface="Roboto"/>
               <a:cs typeface="Roboto"/>
@@ -7048,7 +7605,7 @@
             </a:endParaRPr>
           </a:p>
           <a:p>
-            <a:pPr indent="-342900" lvl="0" marL="457200" rtl="0" algn="l">
+            <a:pPr marL="457200" lvl="0" indent="-342900" algn="l" rtl="0">
               <a:spcBef>
                 <a:spcPts val="0"/>
               </a:spcBef>
@@ -7060,43 +7617,24 @@
               <a:buChar char="●"/>
             </a:pPr>
             <a:r>
-              <a:rPr lang="en-GB">
+              <a:rPr lang="en-GB" dirty="0">
                 <a:latin typeface="Roboto"/>
                 <a:ea typeface="Roboto"/>
                 <a:cs typeface="Roboto"/>
                 <a:sym typeface="Roboto"/>
               </a:rPr>
-              <a:t>Gain for the smallest samples</a:t>
+              <a:t>Performance &amp; </a:t>
             </a:r>
-            <a:endParaRPr>
-              <a:latin typeface="Roboto"/>
-              <a:ea typeface="Roboto"/>
-              <a:cs typeface="Roboto"/>
-              <a:sym typeface="Roboto"/>
-            </a:endParaRPr>
-          </a:p>
-          <a:p>
-            <a:pPr indent="-342900" lvl="0" marL="457200" rtl="0" algn="l">
-              <a:spcBef>
-                <a:spcPts val="0"/>
-              </a:spcBef>
-              <a:spcAft>
-                <a:spcPts val="0"/>
-              </a:spcAft>
-              <a:buSzPts val="1800"/>
-              <a:buFont typeface="Roboto"/>
-              <a:buChar char="●"/>
-            </a:pPr>
             <a:r>
-              <a:rPr lang="en-GB">
+              <a:rPr lang="en-SI" dirty="0">
                 <a:latin typeface="Roboto"/>
                 <a:ea typeface="Roboto"/>
                 <a:cs typeface="Roboto"/>
                 <a:sym typeface="Roboto"/>
               </a:rPr>
-              <a:t>Performance &amp; variance</a:t>
+              <a:t>uncertainty</a:t>
             </a:r>
-            <a:endParaRPr>
+            <a:endParaRPr dirty="0">
               <a:latin typeface="Roboto"/>
               <a:ea typeface="Roboto"/>
               <a:cs typeface="Roboto"/>
@@ -7107,7 +7645,7 @@
       </p:sp>
       <p:cxnSp>
         <p:nvCxnSpPr>
-          <p:cNvPr id="86" name="Google Shape;86;p17"/>
+          <p:cNvPr id="87" name="Google Shape;87;p17"/>
           <p:cNvCxnSpPr/>
           <p:nvPr/>
         </p:nvCxnSpPr>
@@ -7120,20 +7658,20 @@
             <a:avLst/>
           </a:prstGeom>
           <a:noFill/>
-          <a:ln cap="flat" cmpd="sng" w="19050">
+          <a:ln w="19050" cap="flat" cmpd="sng">
             <a:solidFill>
               <a:srgbClr val="EE1208"/>
             </a:solidFill>
             <a:prstDash val="solid"/>
             <a:round/>
-            <a:headEnd len="med" w="med" type="none"/>
-            <a:tailEnd len="med" w="med" type="none"/>
+            <a:headEnd type="none" w="med" len="med"/>
+            <a:tailEnd type="none" w="med" len="med"/>
           </a:ln>
         </p:spPr>
       </p:cxnSp>
       <p:pic>
         <p:nvPicPr>
-          <p:cNvPr id="87" name="Google Shape;87;p17"/>
+          <p:cNvPr id="88" name="Google Shape;88;p17"/>
           <p:cNvPicPr preferRelativeResize="0"/>
           <p:nvPr/>
         </p:nvPicPr>
@@ -7147,8 +7685,8 @@
         </p:blipFill>
         <p:spPr>
           <a:xfrm>
-            <a:off x="4048075" y="1074550"/>
-            <a:ext cx="4959549" cy="3077924"/>
+            <a:off x="4181725" y="901325"/>
+            <a:ext cx="4924600" cy="3056250"/>
           </a:xfrm>
           <a:prstGeom prst="rect">
             <a:avLst/>
@@ -7159,6 +7697,915 @@
           </a:ln>
         </p:spPr>
       </p:pic>
+      <p:graphicFrame>
+        <p:nvGraphicFramePr>
+          <p:cNvPr id="89" name="Google Shape;89;p17"/>
+          <p:cNvGraphicFramePr/>
+          <p:nvPr/>
+        </p:nvGraphicFramePr>
+        <p:xfrm>
+          <a:off x="134225" y="3479610"/>
+          <a:ext cx="4342800" cy="1462920"/>
+        </p:xfrm>
+        <a:graphic>
+          <a:graphicData uri="http://schemas.openxmlformats.org/drawingml/2006/table">
+            <a:tbl>
+              <a:tblPr>
+                <a:noFill/>
+                <a:tableStyleId>{94FB5855-A54A-4C07-B014-5CD377D5BBF7}</a:tableStyleId>
+              </a:tblPr>
+              <a:tblGrid>
+                <a:gridCol w="854100">
+                  <a:extLst>
+                    <a:ext uri="{9D8B030D-6E8A-4147-A177-3AD203B41FA5}">
+                      <a16:colId xmlns:a16="http://schemas.microsoft.com/office/drawing/2014/main" val="20000"/>
+                    </a:ext>
+                  </a:extLst>
+                </a:gridCol>
+                <a:gridCol w="655450">
+                  <a:extLst>
+                    <a:ext uri="{9D8B030D-6E8A-4147-A177-3AD203B41FA5}">
+                      <a16:colId xmlns:a16="http://schemas.microsoft.com/office/drawing/2014/main" val="20001"/>
+                    </a:ext>
+                  </a:extLst>
+                </a:gridCol>
+                <a:gridCol w="655450">
+                  <a:extLst>
+                    <a:ext uri="{9D8B030D-6E8A-4147-A177-3AD203B41FA5}">
+                      <a16:colId xmlns:a16="http://schemas.microsoft.com/office/drawing/2014/main" val="20002"/>
+                    </a:ext>
+                  </a:extLst>
+                </a:gridCol>
+                <a:gridCol w="649025">
+                  <a:extLst>
+                    <a:ext uri="{9D8B030D-6E8A-4147-A177-3AD203B41FA5}">
+                      <a16:colId xmlns:a16="http://schemas.microsoft.com/office/drawing/2014/main" val="20003"/>
+                    </a:ext>
+                  </a:extLst>
+                </a:gridCol>
+                <a:gridCol w="674700">
+                  <a:extLst>
+                    <a:ext uri="{9D8B030D-6E8A-4147-A177-3AD203B41FA5}">
+                      <a16:colId xmlns:a16="http://schemas.microsoft.com/office/drawing/2014/main" val="20004"/>
+                    </a:ext>
+                  </a:extLst>
+                </a:gridCol>
+                <a:gridCol w="854075">
+                  <a:extLst>
+                    <a:ext uri="{9D8B030D-6E8A-4147-A177-3AD203B41FA5}">
+                      <a16:colId xmlns:a16="http://schemas.microsoft.com/office/drawing/2014/main" val="20005"/>
+                    </a:ext>
+                  </a:extLst>
+                </a:gridCol>
+              </a:tblGrid>
+              <a:tr h="327825">
+                <a:tc>
+                  <a:txBody>
+                    <a:bodyPr/>
+                    <a:lstStyle/>
+                    <a:p>
+                      <a:pPr marL="0" lvl="0" indent="0" algn="ctr" rtl="0">
+                        <a:spcBef>
+                          <a:spcPts val="0"/>
+                        </a:spcBef>
+                        <a:spcAft>
+                          <a:spcPts val="0"/>
+                        </a:spcAft>
+                        <a:buNone/>
+                      </a:pPr>
+                      <a:r>
+                        <a:rPr lang="en-GB" sz="1200">
+                          <a:latin typeface="Roboto"/>
+                          <a:ea typeface="Roboto"/>
+                          <a:cs typeface="Roboto"/>
+                          <a:sym typeface="Roboto"/>
+                        </a:rPr>
+                        <a:t>Feature</a:t>
+                      </a:r>
+                      <a:endParaRPr sz="1200">
+                        <a:latin typeface="Roboto"/>
+                        <a:ea typeface="Roboto"/>
+                        <a:cs typeface="Roboto"/>
+                        <a:sym typeface="Roboto"/>
+                      </a:endParaRPr>
+                    </a:p>
+                  </a:txBody>
+                  <a:tcPr marL="91425" marR="91425" marT="91425" marB="91425">
+                    <a:solidFill>
+                      <a:srgbClr val="BDC1C6"/>
+                    </a:solidFill>
+                  </a:tcPr>
+                </a:tc>
+                <a:tc>
+                  <a:txBody>
+                    <a:bodyPr/>
+                    <a:lstStyle/>
+                    <a:p>
+                      <a:pPr marL="0" lvl="0" indent="0" algn="ctr" rtl="0">
+                        <a:spcBef>
+                          <a:spcPts val="0"/>
+                        </a:spcBef>
+                        <a:spcAft>
+                          <a:spcPts val="0"/>
+                        </a:spcAft>
+                        <a:buNone/>
+                      </a:pPr>
+                      <a:r>
+                        <a:rPr lang="en-GB" sz="1200">
+                          <a:latin typeface="Roboto"/>
+                          <a:ea typeface="Roboto"/>
+                          <a:cs typeface="Roboto"/>
+                          <a:sym typeface="Roboto"/>
+                        </a:rPr>
+                        <a:t>Run 1</a:t>
+                      </a:r>
+                      <a:endParaRPr sz="1200">
+                        <a:latin typeface="Roboto"/>
+                        <a:ea typeface="Roboto"/>
+                        <a:cs typeface="Roboto"/>
+                        <a:sym typeface="Roboto"/>
+                      </a:endParaRPr>
+                    </a:p>
+                  </a:txBody>
+                  <a:tcPr marL="91425" marR="91425" marT="91425" marB="91425">
+                    <a:solidFill>
+                      <a:srgbClr val="BDC1C6"/>
+                    </a:solidFill>
+                  </a:tcPr>
+                </a:tc>
+                <a:tc>
+                  <a:txBody>
+                    <a:bodyPr/>
+                    <a:lstStyle/>
+                    <a:p>
+                      <a:pPr marL="0" lvl="0" indent="0" algn="ctr" rtl="0">
+                        <a:spcBef>
+                          <a:spcPts val="0"/>
+                        </a:spcBef>
+                        <a:spcAft>
+                          <a:spcPts val="0"/>
+                        </a:spcAft>
+                        <a:buNone/>
+                      </a:pPr>
+                      <a:r>
+                        <a:rPr lang="en-GB" sz="1200">
+                          <a:latin typeface="Roboto"/>
+                          <a:ea typeface="Roboto"/>
+                          <a:cs typeface="Roboto"/>
+                          <a:sym typeface="Roboto"/>
+                        </a:rPr>
+                        <a:t>Run 2</a:t>
+                      </a:r>
+                      <a:endParaRPr sz="1200">
+                        <a:latin typeface="Roboto"/>
+                        <a:ea typeface="Roboto"/>
+                        <a:cs typeface="Roboto"/>
+                        <a:sym typeface="Roboto"/>
+                      </a:endParaRPr>
+                    </a:p>
+                  </a:txBody>
+                  <a:tcPr marL="91425" marR="91425" marT="91425" marB="91425">
+                    <a:solidFill>
+                      <a:srgbClr val="BDC1C6"/>
+                    </a:solidFill>
+                  </a:tcPr>
+                </a:tc>
+                <a:tc>
+                  <a:txBody>
+                    <a:bodyPr/>
+                    <a:lstStyle/>
+                    <a:p>
+                      <a:pPr marL="0" lvl="0" indent="0" algn="ctr" rtl="0">
+                        <a:spcBef>
+                          <a:spcPts val="0"/>
+                        </a:spcBef>
+                        <a:spcAft>
+                          <a:spcPts val="0"/>
+                        </a:spcAft>
+                        <a:buNone/>
+                      </a:pPr>
+                      <a:r>
+                        <a:rPr lang="en-GB" sz="1200">
+                          <a:latin typeface="Roboto"/>
+                          <a:ea typeface="Roboto"/>
+                          <a:cs typeface="Roboto"/>
+                          <a:sym typeface="Roboto"/>
+                        </a:rPr>
+                        <a:t>Run 3</a:t>
+                      </a:r>
+                      <a:endParaRPr sz="1200">
+                        <a:latin typeface="Roboto"/>
+                        <a:ea typeface="Roboto"/>
+                        <a:cs typeface="Roboto"/>
+                        <a:sym typeface="Roboto"/>
+                      </a:endParaRPr>
+                    </a:p>
+                  </a:txBody>
+                  <a:tcPr marL="91425" marR="91425" marT="91425" marB="91425">
+                    <a:solidFill>
+                      <a:srgbClr val="BDC1C6"/>
+                    </a:solidFill>
+                  </a:tcPr>
+                </a:tc>
+                <a:tc>
+                  <a:txBody>
+                    <a:bodyPr/>
+                    <a:lstStyle/>
+                    <a:p>
+                      <a:pPr marL="0" lvl="0" indent="0" algn="ctr" rtl="0">
+                        <a:spcBef>
+                          <a:spcPts val="0"/>
+                        </a:spcBef>
+                        <a:spcAft>
+                          <a:spcPts val="0"/>
+                        </a:spcAft>
+                        <a:buNone/>
+                      </a:pPr>
+                      <a:r>
+                        <a:rPr lang="en-GB" sz="1200">
+                          <a:latin typeface="Roboto"/>
+                          <a:ea typeface="Roboto"/>
+                          <a:cs typeface="Roboto"/>
+                          <a:sym typeface="Roboto"/>
+                        </a:rPr>
+                        <a:t>Borda</a:t>
+                      </a:r>
+                      <a:endParaRPr sz="1200">
+                        <a:latin typeface="Roboto"/>
+                        <a:ea typeface="Roboto"/>
+                        <a:cs typeface="Roboto"/>
+                        <a:sym typeface="Roboto"/>
+                      </a:endParaRPr>
+                    </a:p>
+                  </a:txBody>
+                  <a:tcPr marL="91425" marR="91425" marT="91425" marB="91425">
+                    <a:solidFill>
+                      <a:srgbClr val="BDC1C6"/>
+                    </a:solidFill>
+                  </a:tcPr>
+                </a:tc>
+                <a:tc>
+                  <a:txBody>
+                    <a:bodyPr/>
+                    <a:lstStyle/>
+                    <a:p>
+                      <a:pPr marL="0" lvl="0" indent="0" algn="ctr" rtl="0">
+                        <a:spcBef>
+                          <a:spcPts val="0"/>
+                        </a:spcBef>
+                        <a:spcAft>
+                          <a:spcPts val="0"/>
+                        </a:spcAft>
+                        <a:buNone/>
+                      </a:pPr>
+                      <a:r>
+                        <a:rPr lang="en-GB" sz="1200">
+                          <a:latin typeface="Roboto"/>
+                          <a:ea typeface="Roboto"/>
+                          <a:cs typeface="Roboto"/>
+                          <a:sym typeface="Roboto"/>
+                        </a:rPr>
+                        <a:t>Ensemble</a:t>
+                      </a:r>
+                      <a:endParaRPr sz="1200">
+                        <a:latin typeface="Roboto"/>
+                        <a:ea typeface="Roboto"/>
+                        <a:cs typeface="Roboto"/>
+                        <a:sym typeface="Roboto"/>
+                      </a:endParaRPr>
+                    </a:p>
+                  </a:txBody>
+                  <a:tcPr marL="91425" marR="91425" marT="91425" marB="91425">
+                    <a:solidFill>
+                      <a:srgbClr val="BDC1C6"/>
+                    </a:solidFill>
+                  </a:tcPr>
+                </a:tc>
+                <a:extLst>
+                  <a:ext uri="{0D108BD9-81ED-4DB2-BD59-A6C34878D82A}">
+                    <a16:rowId xmlns:a16="http://schemas.microsoft.com/office/drawing/2014/main" val="10000"/>
+                  </a:ext>
+                </a:extLst>
+              </a:tr>
+              <a:tr h="268300">
+                <a:tc>
+                  <a:txBody>
+                    <a:bodyPr/>
+                    <a:lstStyle/>
+                    <a:p>
+                      <a:pPr marL="0" lvl="0" indent="0" algn="ctr" rtl="0">
+                        <a:spcBef>
+                          <a:spcPts val="0"/>
+                        </a:spcBef>
+                        <a:spcAft>
+                          <a:spcPts val="0"/>
+                        </a:spcAft>
+                        <a:buNone/>
+                      </a:pPr>
+                      <a:r>
+                        <a:rPr lang="en-GB" sz="1200">
+                          <a:latin typeface="Roboto"/>
+                          <a:ea typeface="Roboto"/>
+                          <a:cs typeface="Roboto"/>
+                          <a:sym typeface="Roboto"/>
+                        </a:rPr>
+                        <a:t>A</a:t>
+                      </a:r>
+                      <a:endParaRPr sz="1200">
+                        <a:latin typeface="Roboto"/>
+                        <a:ea typeface="Roboto"/>
+                        <a:cs typeface="Roboto"/>
+                        <a:sym typeface="Roboto"/>
+                      </a:endParaRPr>
+                    </a:p>
+                  </a:txBody>
+                  <a:tcPr marL="91425" marR="91425" marT="91425" marB="91425"/>
+                </a:tc>
+                <a:tc>
+                  <a:txBody>
+                    <a:bodyPr/>
+                    <a:lstStyle/>
+                    <a:p>
+                      <a:pPr marL="0" lvl="0" indent="0" algn="ctr" rtl="0">
+                        <a:spcBef>
+                          <a:spcPts val="0"/>
+                        </a:spcBef>
+                        <a:spcAft>
+                          <a:spcPts val="0"/>
+                        </a:spcAft>
+                        <a:buNone/>
+                      </a:pPr>
+                      <a:r>
+                        <a:rPr lang="en-GB" sz="1200">
+                          <a:latin typeface="Roboto"/>
+                          <a:ea typeface="Roboto"/>
+                          <a:cs typeface="Roboto"/>
+                          <a:sym typeface="Roboto"/>
+                        </a:rPr>
+                        <a:t>1</a:t>
+                      </a:r>
+                      <a:endParaRPr sz="1200">
+                        <a:latin typeface="Roboto"/>
+                        <a:ea typeface="Roboto"/>
+                        <a:cs typeface="Roboto"/>
+                        <a:sym typeface="Roboto"/>
+                      </a:endParaRPr>
+                    </a:p>
+                  </a:txBody>
+                  <a:tcPr marL="91425" marR="91425" marT="91425" marB="91425"/>
+                </a:tc>
+                <a:tc>
+                  <a:txBody>
+                    <a:bodyPr/>
+                    <a:lstStyle/>
+                    <a:p>
+                      <a:pPr marL="0" lvl="0" indent="0" algn="ctr" rtl="0">
+                        <a:spcBef>
+                          <a:spcPts val="0"/>
+                        </a:spcBef>
+                        <a:spcAft>
+                          <a:spcPts val="0"/>
+                        </a:spcAft>
+                        <a:buNone/>
+                      </a:pPr>
+                      <a:r>
+                        <a:rPr lang="en-GB" sz="1200">
+                          <a:latin typeface="Roboto"/>
+                          <a:ea typeface="Roboto"/>
+                          <a:cs typeface="Roboto"/>
+                          <a:sym typeface="Roboto"/>
+                        </a:rPr>
+                        <a:t>2</a:t>
+                      </a:r>
+                      <a:endParaRPr sz="1200">
+                        <a:latin typeface="Roboto"/>
+                        <a:ea typeface="Roboto"/>
+                        <a:cs typeface="Roboto"/>
+                        <a:sym typeface="Roboto"/>
+                      </a:endParaRPr>
+                    </a:p>
+                  </a:txBody>
+                  <a:tcPr marL="91425" marR="91425" marT="91425" marB="91425"/>
+                </a:tc>
+                <a:tc>
+                  <a:txBody>
+                    <a:bodyPr/>
+                    <a:lstStyle/>
+                    <a:p>
+                      <a:pPr marL="0" lvl="0" indent="0" algn="ctr" rtl="0">
+                        <a:spcBef>
+                          <a:spcPts val="0"/>
+                        </a:spcBef>
+                        <a:spcAft>
+                          <a:spcPts val="0"/>
+                        </a:spcAft>
+                        <a:buNone/>
+                      </a:pPr>
+                      <a:r>
+                        <a:rPr lang="en-GB" sz="1200">
+                          <a:latin typeface="Roboto"/>
+                          <a:ea typeface="Roboto"/>
+                          <a:cs typeface="Roboto"/>
+                          <a:sym typeface="Roboto"/>
+                        </a:rPr>
+                        <a:t>1</a:t>
+                      </a:r>
+                      <a:endParaRPr sz="1200">
+                        <a:latin typeface="Roboto"/>
+                        <a:ea typeface="Roboto"/>
+                        <a:cs typeface="Roboto"/>
+                        <a:sym typeface="Roboto"/>
+                      </a:endParaRPr>
+                    </a:p>
+                  </a:txBody>
+                  <a:tcPr marL="91425" marR="91425" marT="91425" marB="91425"/>
+                </a:tc>
+                <a:tc>
+                  <a:txBody>
+                    <a:bodyPr/>
+                    <a:lstStyle/>
+                    <a:p>
+                      <a:pPr marL="0" lvl="0" indent="0" algn="ctr" rtl="0">
+                        <a:spcBef>
+                          <a:spcPts val="0"/>
+                        </a:spcBef>
+                        <a:spcAft>
+                          <a:spcPts val="0"/>
+                        </a:spcAft>
+                        <a:buNone/>
+                      </a:pPr>
+                      <a:r>
+                        <a:rPr lang="en-GB" sz="1200">
+                          <a:latin typeface="Roboto"/>
+                          <a:ea typeface="Roboto"/>
+                          <a:cs typeface="Roboto"/>
+                          <a:sym typeface="Roboto"/>
+                        </a:rPr>
+                        <a:t>4</a:t>
+                      </a:r>
+                      <a:endParaRPr sz="1200">
+                        <a:latin typeface="Roboto"/>
+                        <a:ea typeface="Roboto"/>
+                        <a:cs typeface="Roboto"/>
+                        <a:sym typeface="Roboto"/>
+                      </a:endParaRPr>
+                    </a:p>
+                  </a:txBody>
+                  <a:tcPr marL="91425" marR="91425" marT="91425" marB="91425"/>
+                </a:tc>
+                <a:tc>
+                  <a:txBody>
+                    <a:bodyPr/>
+                    <a:lstStyle/>
+                    <a:p>
+                      <a:pPr marL="0" lvl="0" indent="0" algn="ctr" rtl="0">
+                        <a:spcBef>
+                          <a:spcPts val="0"/>
+                        </a:spcBef>
+                        <a:spcAft>
+                          <a:spcPts val="0"/>
+                        </a:spcAft>
+                        <a:buNone/>
+                      </a:pPr>
+                      <a:r>
+                        <a:rPr lang="en-GB" sz="1200">
+                          <a:latin typeface="Roboto"/>
+                          <a:ea typeface="Roboto"/>
+                          <a:cs typeface="Roboto"/>
+                          <a:sym typeface="Roboto"/>
+                        </a:rPr>
+                        <a:t>1</a:t>
+                      </a:r>
+                      <a:endParaRPr sz="1200">
+                        <a:latin typeface="Roboto"/>
+                        <a:ea typeface="Roboto"/>
+                        <a:cs typeface="Roboto"/>
+                        <a:sym typeface="Roboto"/>
+                      </a:endParaRPr>
+                    </a:p>
+                  </a:txBody>
+                  <a:tcPr marL="91425" marR="91425" marT="91425" marB="91425"/>
+                </a:tc>
+                <a:extLst>
+                  <a:ext uri="{0D108BD9-81ED-4DB2-BD59-A6C34878D82A}">
+                    <a16:rowId xmlns:a16="http://schemas.microsoft.com/office/drawing/2014/main" val="10001"/>
+                  </a:ext>
+                </a:extLst>
+              </a:tr>
+              <a:tr h="253350">
+                <a:tc>
+                  <a:txBody>
+                    <a:bodyPr/>
+                    <a:lstStyle/>
+                    <a:p>
+                      <a:pPr marL="0" lvl="0" indent="0" algn="ctr" rtl="0">
+                        <a:spcBef>
+                          <a:spcPts val="0"/>
+                        </a:spcBef>
+                        <a:spcAft>
+                          <a:spcPts val="0"/>
+                        </a:spcAft>
+                        <a:buNone/>
+                      </a:pPr>
+                      <a:r>
+                        <a:rPr lang="en-GB" sz="1200">
+                          <a:latin typeface="Roboto"/>
+                          <a:ea typeface="Roboto"/>
+                          <a:cs typeface="Roboto"/>
+                          <a:sym typeface="Roboto"/>
+                        </a:rPr>
+                        <a:t>B</a:t>
+                      </a:r>
+                      <a:endParaRPr sz="1200">
+                        <a:latin typeface="Roboto"/>
+                        <a:ea typeface="Roboto"/>
+                        <a:cs typeface="Roboto"/>
+                        <a:sym typeface="Roboto"/>
+                      </a:endParaRPr>
+                    </a:p>
+                  </a:txBody>
+                  <a:tcPr marL="91425" marR="91425" marT="91425" marB="91425"/>
+                </a:tc>
+                <a:tc>
+                  <a:txBody>
+                    <a:bodyPr/>
+                    <a:lstStyle/>
+                    <a:p>
+                      <a:pPr marL="0" lvl="0" indent="0" algn="ctr" rtl="0">
+                        <a:spcBef>
+                          <a:spcPts val="0"/>
+                        </a:spcBef>
+                        <a:spcAft>
+                          <a:spcPts val="0"/>
+                        </a:spcAft>
+                        <a:buNone/>
+                      </a:pPr>
+                      <a:r>
+                        <a:rPr lang="en-GB" sz="1200">
+                          <a:latin typeface="Roboto"/>
+                          <a:ea typeface="Roboto"/>
+                          <a:cs typeface="Roboto"/>
+                          <a:sym typeface="Roboto"/>
+                        </a:rPr>
+                        <a:t>2</a:t>
+                      </a:r>
+                      <a:endParaRPr sz="1200">
+                        <a:latin typeface="Roboto"/>
+                        <a:ea typeface="Roboto"/>
+                        <a:cs typeface="Roboto"/>
+                        <a:sym typeface="Roboto"/>
+                      </a:endParaRPr>
+                    </a:p>
+                  </a:txBody>
+                  <a:tcPr marL="91425" marR="91425" marT="91425" marB="91425"/>
+                </a:tc>
+                <a:tc>
+                  <a:txBody>
+                    <a:bodyPr/>
+                    <a:lstStyle/>
+                    <a:p>
+                      <a:pPr marL="0" lvl="0" indent="0" algn="ctr" rtl="0">
+                        <a:spcBef>
+                          <a:spcPts val="0"/>
+                        </a:spcBef>
+                        <a:spcAft>
+                          <a:spcPts val="0"/>
+                        </a:spcAft>
+                        <a:buNone/>
+                      </a:pPr>
+                      <a:r>
+                        <a:rPr lang="en-GB" sz="1200">
+                          <a:latin typeface="Roboto"/>
+                          <a:ea typeface="Roboto"/>
+                          <a:cs typeface="Roboto"/>
+                          <a:sym typeface="Roboto"/>
+                        </a:rPr>
+                        <a:t>1</a:t>
+                      </a:r>
+                      <a:endParaRPr sz="1200">
+                        <a:latin typeface="Roboto"/>
+                        <a:ea typeface="Roboto"/>
+                        <a:cs typeface="Roboto"/>
+                        <a:sym typeface="Roboto"/>
+                      </a:endParaRPr>
+                    </a:p>
+                  </a:txBody>
+                  <a:tcPr marL="91425" marR="91425" marT="91425" marB="91425"/>
+                </a:tc>
+                <a:tc>
+                  <a:txBody>
+                    <a:bodyPr/>
+                    <a:lstStyle/>
+                    <a:p>
+                      <a:pPr marL="0" lvl="0" indent="0" algn="ctr" rtl="0">
+                        <a:spcBef>
+                          <a:spcPts val="0"/>
+                        </a:spcBef>
+                        <a:spcAft>
+                          <a:spcPts val="0"/>
+                        </a:spcAft>
+                        <a:buNone/>
+                      </a:pPr>
+                      <a:r>
+                        <a:rPr lang="en-GB" sz="1200">
+                          <a:latin typeface="Roboto"/>
+                          <a:ea typeface="Roboto"/>
+                          <a:cs typeface="Roboto"/>
+                          <a:sym typeface="Roboto"/>
+                        </a:rPr>
+                        <a:t>3</a:t>
+                      </a:r>
+                      <a:endParaRPr sz="1200">
+                        <a:latin typeface="Roboto"/>
+                        <a:ea typeface="Roboto"/>
+                        <a:cs typeface="Roboto"/>
+                        <a:sym typeface="Roboto"/>
+                      </a:endParaRPr>
+                    </a:p>
+                  </a:txBody>
+                  <a:tcPr marL="91425" marR="91425" marT="91425" marB="91425"/>
+                </a:tc>
+                <a:tc>
+                  <a:txBody>
+                    <a:bodyPr/>
+                    <a:lstStyle/>
+                    <a:p>
+                      <a:pPr marL="0" lvl="0" indent="0" algn="ctr" rtl="0">
+                        <a:spcBef>
+                          <a:spcPts val="0"/>
+                        </a:spcBef>
+                        <a:spcAft>
+                          <a:spcPts val="0"/>
+                        </a:spcAft>
+                        <a:buNone/>
+                      </a:pPr>
+                      <a:r>
+                        <a:rPr lang="en-GB" sz="1200">
+                          <a:latin typeface="Roboto"/>
+                          <a:ea typeface="Roboto"/>
+                          <a:cs typeface="Roboto"/>
+                          <a:sym typeface="Roboto"/>
+                        </a:rPr>
+                        <a:t>6</a:t>
+                      </a:r>
+                      <a:endParaRPr sz="1200">
+                        <a:latin typeface="Roboto"/>
+                        <a:ea typeface="Roboto"/>
+                        <a:cs typeface="Roboto"/>
+                        <a:sym typeface="Roboto"/>
+                      </a:endParaRPr>
+                    </a:p>
+                  </a:txBody>
+                  <a:tcPr marL="91425" marR="91425" marT="91425" marB="91425"/>
+                </a:tc>
+                <a:tc>
+                  <a:txBody>
+                    <a:bodyPr/>
+                    <a:lstStyle/>
+                    <a:p>
+                      <a:pPr marL="0" lvl="0" indent="0" algn="ctr" rtl="0">
+                        <a:spcBef>
+                          <a:spcPts val="0"/>
+                        </a:spcBef>
+                        <a:spcAft>
+                          <a:spcPts val="0"/>
+                        </a:spcAft>
+                        <a:buNone/>
+                      </a:pPr>
+                      <a:r>
+                        <a:rPr lang="en-GB" sz="1200">
+                          <a:latin typeface="Roboto"/>
+                          <a:ea typeface="Roboto"/>
+                          <a:cs typeface="Roboto"/>
+                          <a:sym typeface="Roboto"/>
+                        </a:rPr>
+                        <a:t>2</a:t>
+                      </a:r>
+                      <a:endParaRPr sz="1200">
+                        <a:latin typeface="Roboto"/>
+                        <a:ea typeface="Roboto"/>
+                        <a:cs typeface="Roboto"/>
+                        <a:sym typeface="Roboto"/>
+                      </a:endParaRPr>
+                    </a:p>
+                  </a:txBody>
+                  <a:tcPr marL="91425" marR="91425" marT="91425" marB="91425"/>
+                </a:tc>
+                <a:extLst>
+                  <a:ext uri="{0D108BD9-81ED-4DB2-BD59-A6C34878D82A}">
+                    <a16:rowId xmlns:a16="http://schemas.microsoft.com/office/drawing/2014/main" val="10002"/>
+                  </a:ext>
+                </a:extLst>
+              </a:tr>
+              <a:tr h="233850">
+                <a:tc>
+                  <a:txBody>
+                    <a:bodyPr/>
+                    <a:lstStyle/>
+                    <a:p>
+                      <a:pPr marL="0" lvl="0" indent="0" algn="ctr" rtl="0">
+                        <a:spcBef>
+                          <a:spcPts val="0"/>
+                        </a:spcBef>
+                        <a:spcAft>
+                          <a:spcPts val="0"/>
+                        </a:spcAft>
+                        <a:buNone/>
+                      </a:pPr>
+                      <a:r>
+                        <a:rPr lang="en-GB" sz="1200">
+                          <a:latin typeface="Roboto"/>
+                          <a:ea typeface="Roboto"/>
+                          <a:cs typeface="Roboto"/>
+                          <a:sym typeface="Roboto"/>
+                        </a:rPr>
+                        <a:t>C</a:t>
+                      </a:r>
+                      <a:endParaRPr sz="1200">
+                        <a:latin typeface="Roboto"/>
+                        <a:ea typeface="Roboto"/>
+                        <a:cs typeface="Roboto"/>
+                        <a:sym typeface="Roboto"/>
+                      </a:endParaRPr>
+                    </a:p>
+                  </a:txBody>
+                  <a:tcPr marL="91425" marR="91425" marT="91425" marB="91425"/>
+                </a:tc>
+                <a:tc>
+                  <a:txBody>
+                    <a:bodyPr/>
+                    <a:lstStyle/>
+                    <a:p>
+                      <a:pPr marL="0" lvl="0" indent="0" algn="ctr" rtl="0">
+                        <a:spcBef>
+                          <a:spcPts val="0"/>
+                        </a:spcBef>
+                        <a:spcAft>
+                          <a:spcPts val="0"/>
+                        </a:spcAft>
+                        <a:buNone/>
+                      </a:pPr>
+                      <a:r>
+                        <a:rPr lang="en-GB" sz="1200">
+                          <a:latin typeface="Roboto"/>
+                          <a:ea typeface="Roboto"/>
+                          <a:cs typeface="Roboto"/>
+                          <a:sym typeface="Roboto"/>
+                        </a:rPr>
+                        <a:t>3</a:t>
+                      </a:r>
+                      <a:endParaRPr sz="1200">
+                        <a:latin typeface="Roboto"/>
+                        <a:ea typeface="Roboto"/>
+                        <a:cs typeface="Roboto"/>
+                        <a:sym typeface="Roboto"/>
+                      </a:endParaRPr>
+                    </a:p>
+                  </a:txBody>
+                  <a:tcPr marL="91425" marR="91425" marT="91425" marB="91425"/>
+                </a:tc>
+                <a:tc>
+                  <a:txBody>
+                    <a:bodyPr/>
+                    <a:lstStyle/>
+                    <a:p>
+                      <a:pPr marL="0" lvl="0" indent="0" algn="ctr" rtl="0">
+                        <a:spcBef>
+                          <a:spcPts val="0"/>
+                        </a:spcBef>
+                        <a:spcAft>
+                          <a:spcPts val="0"/>
+                        </a:spcAft>
+                        <a:buNone/>
+                      </a:pPr>
+                      <a:r>
+                        <a:rPr lang="en-GB" sz="1200">
+                          <a:latin typeface="Roboto"/>
+                          <a:ea typeface="Roboto"/>
+                          <a:cs typeface="Roboto"/>
+                          <a:sym typeface="Roboto"/>
+                        </a:rPr>
+                        <a:t>3</a:t>
+                      </a:r>
+                      <a:endParaRPr sz="1200">
+                        <a:latin typeface="Roboto"/>
+                        <a:ea typeface="Roboto"/>
+                        <a:cs typeface="Roboto"/>
+                        <a:sym typeface="Roboto"/>
+                      </a:endParaRPr>
+                    </a:p>
+                  </a:txBody>
+                  <a:tcPr marL="91425" marR="91425" marT="91425" marB="91425"/>
+                </a:tc>
+                <a:tc>
+                  <a:txBody>
+                    <a:bodyPr/>
+                    <a:lstStyle/>
+                    <a:p>
+                      <a:pPr marL="0" lvl="0" indent="0" algn="ctr" rtl="0">
+                        <a:spcBef>
+                          <a:spcPts val="0"/>
+                        </a:spcBef>
+                        <a:spcAft>
+                          <a:spcPts val="0"/>
+                        </a:spcAft>
+                        <a:buNone/>
+                      </a:pPr>
+                      <a:r>
+                        <a:rPr lang="en-GB" sz="1200">
+                          <a:latin typeface="Roboto"/>
+                          <a:ea typeface="Roboto"/>
+                          <a:cs typeface="Roboto"/>
+                          <a:sym typeface="Roboto"/>
+                        </a:rPr>
+                        <a:t>2</a:t>
+                      </a:r>
+                      <a:endParaRPr sz="1200">
+                        <a:latin typeface="Roboto"/>
+                        <a:ea typeface="Roboto"/>
+                        <a:cs typeface="Roboto"/>
+                        <a:sym typeface="Roboto"/>
+                      </a:endParaRPr>
+                    </a:p>
+                  </a:txBody>
+                  <a:tcPr marL="91425" marR="91425" marT="91425" marB="91425"/>
+                </a:tc>
+                <a:tc>
+                  <a:txBody>
+                    <a:bodyPr/>
+                    <a:lstStyle/>
+                    <a:p>
+                      <a:pPr marL="0" lvl="0" indent="0" algn="ctr" rtl="0">
+                        <a:spcBef>
+                          <a:spcPts val="0"/>
+                        </a:spcBef>
+                        <a:spcAft>
+                          <a:spcPts val="0"/>
+                        </a:spcAft>
+                        <a:buNone/>
+                      </a:pPr>
+                      <a:r>
+                        <a:rPr lang="en-GB" sz="1200">
+                          <a:latin typeface="Roboto"/>
+                          <a:ea typeface="Roboto"/>
+                          <a:cs typeface="Roboto"/>
+                          <a:sym typeface="Roboto"/>
+                        </a:rPr>
+                        <a:t>8</a:t>
+                      </a:r>
+                      <a:endParaRPr sz="1200">
+                        <a:latin typeface="Roboto"/>
+                        <a:ea typeface="Roboto"/>
+                        <a:cs typeface="Roboto"/>
+                        <a:sym typeface="Roboto"/>
+                      </a:endParaRPr>
+                    </a:p>
+                  </a:txBody>
+                  <a:tcPr marL="91425" marR="91425" marT="91425" marB="91425"/>
+                </a:tc>
+                <a:tc>
+                  <a:txBody>
+                    <a:bodyPr/>
+                    <a:lstStyle/>
+                    <a:p>
+                      <a:pPr marL="0" lvl="0" indent="0" algn="ctr" rtl="0">
+                        <a:spcBef>
+                          <a:spcPts val="0"/>
+                        </a:spcBef>
+                        <a:spcAft>
+                          <a:spcPts val="0"/>
+                        </a:spcAft>
+                        <a:buNone/>
+                      </a:pPr>
+                      <a:r>
+                        <a:rPr lang="en-GB" sz="1200">
+                          <a:latin typeface="Roboto"/>
+                          <a:ea typeface="Roboto"/>
+                          <a:cs typeface="Roboto"/>
+                          <a:sym typeface="Roboto"/>
+                        </a:rPr>
+                        <a:t>3</a:t>
+                      </a:r>
+                      <a:endParaRPr sz="1200">
+                        <a:latin typeface="Roboto"/>
+                        <a:ea typeface="Roboto"/>
+                        <a:cs typeface="Roboto"/>
+                        <a:sym typeface="Roboto"/>
+                      </a:endParaRPr>
+                    </a:p>
+                  </a:txBody>
+                  <a:tcPr marL="91425" marR="91425" marT="91425" marB="91425"/>
+                </a:tc>
+                <a:extLst>
+                  <a:ext uri="{0D108BD9-81ED-4DB2-BD59-A6C34878D82A}">
+                    <a16:rowId xmlns:a16="http://schemas.microsoft.com/office/drawing/2014/main" val="10003"/>
+                  </a:ext>
+                </a:extLst>
+              </a:tr>
+            </a:tbl>
+          </a:graphicData>
+        </a:graphic>
+      </p:graphicFrame>
     </p:spTree>
   </p:cSld>
   <p:clrMapOvr>
@@ -7168,11 +8615,11 @@
 </file>
 
 <file path=ppt/slides/slide6.xml><?xml version="1.0" encoding="utf-8"?>
-<p:sld xmlns:a="http://schemas.openxmlformats.org/drawingml/2006/main" xmlns:r="http://schemas.openxmlformats.org/officeDocument/2006/relationships" xmlns:mc="http://schemas.openxmlformats.org/markup-compatibility/2006" xmlns:mv="urn:schemas-microsoft-com:mac:vml" xmlns:p="http://schemas.openxmlformats.org/presentationml/2006/main" xmlns:c="http://schemas.openxmlformats.org/drawingml/2006/chart" xmlns:dgm="http://schemas.openxmlformats.org/drawingml/2006/diagram" xmlns:o="urn:schemas-microsoft-com:office:office" xmlns:v="urn:schemas-microsoft-com:vml" xmlns:pvml="urn:schemas-microsoft-com:office:powerpoint" xmlns:com="http://schemas.openxmlformats.org/drawingml/2006/compatibility" xmlns:p14="http://schemas.microsoft.com/office/powerpoint/2010/main" xmlns:p15="http://schemas.microsoft.com/office/powerpoint/2012/main" xmlns:ahyp="http://schemas.microsoft.com/office/drawing/2018/hyperlinkcolor">
+<p:sld xmlns:a="http://schemas.openxmlformats.org/drawingml/2006/main" xmlns:r="http://schemas.openxmlformats.org/officeDocument/2006/relationships" xmlns:p="http://schemas.openxmlformats.org/presentationml/2006/main">
   <p:cSld>
     <p:spTree>
       <p:nvGrpSpPr>
-        <p:cNvPr id="91" name="Shape 91"/>
+        <p:cNvPr id="1" name="Shape 93"/>
         <p:cNvGrpSpPr/>
         <p:nvPr/>
       </p:nvGrpSpPr>
@@ -7186,8 +8633,10 @@
       </p:grpSpPr>
       <p:sp>
         <p:nvSpPr>
-          <p:cNvPr id="92" name="Google Shape;92;p18"/>
-          <p:cNvSpPr txBox="1"/>
+          <p:cNvPr id="94" name="Google Shape;94;p18"/>
+          <p:cNvSpPr txBox="1">
+            <a:spLocks noGrp="1"/>
+          </p:cNvSpPr>
           <p:nvPr>
             <p:ph type="title"/>
           </p:nvPr>
@@ -7202,12 +8651,12 @@
           </a:prstGeom>
         </p:spPr>
         <p:txBody>
-          <a:bodyPr anchorCtr="0" anchor="t" bIns="91425" lIns="91425" spcFirstLastPara="1" rIns="91425" wrap="square" tIns="91425">
+          <a:bodyPr spcFirstLastPara="1" wrap="square" lIns="91425" tIns="91425" rIns="91425" bIns="91425" anchor="t" anchorCtr="0">
             <a:normAutofit fontScale="90000"/>
           </a:bodyPr>
           <a:lstStyle/>
           <a:p>
-            <a:pPr indent="0" lvl="0" marL="0" rtl="0" algn="l">
+            <a:pPr marL="0" lvl="0" indent="0" algn="l" rtl="0">
               <a:spcBef>
                 <a:spcPts val="0"/>
               </a:spcBef>
@@ -7236,15 +8685,17 @@
       </p:sp>
       <p:sp>
         <p:nvSpPr>
-          <p:cNvPr id="93" name="Google Shape;93;p18"/>
-          <p:cNvSpPr txBox="1"/>
+          <p:cNvPr id="95" name="Google Shape;95;p18"/>
+          <p:cNvSpPr txBox="1">
+            <a:spLocks noGrp="1"/>
+          </p:cNvSpPr>
           <p:nvPr>
-            <p:ph idx="1" type="body"/>
+            <p:ph type="body" idx="1"/>
           </p:nvPr>
         </p:nvSpPr>
         <p:spPr>
           <a:xfrm>
-            <a:off x="311700" y="1033300"/>
+            <a:off x="311700" y="1078750"/>
             <a:ext cx="2337900" cy="2874000"/>
           </a:xfrm>
           <a:prstGeom prst="rect">
@@ -7252,12 +8703,12 @@
           </a:prstGeom>
         </p:spPr>
         <p:txBody>
-          <a:bodyPr anchorCtr="0" anchor="t" bIns="91425" lIns="91425" spcFirstLastPara="1" rIns="91425" wrap="square" tIns="91425">
+          <a:bodyPr spcFirstLastPara="1" wrap="square" lIns="91425" tIns="91425" rIns="91425" bIns="91425" anchor="t" anchorCtr="0">
             <a:normAutofit/>
           </a:bodyPr>
           <a:lstStyle/>
           <a:p>
-            <a:pPr indent="-342900" lvl="0" marL="457200" rtl="0" algn="l">
+            <a:pPr marL="457200" lvl="0" indent="-342900" algn="l" rtl="0">
               <a:spcBef>
                 <a:spcPts val="0"/>
               </a:spcBef>
@@ -7269,12 +8720,12 @@
             </a:pPr>
             <a:r>
               <a:rPr lang="en-GB"/>
-              <a:t>Same data</a:t>
+              <a:t>Better scores</a:t>
             </a:r>
             <a:endParaRPr/>
           </a:p>
           <a:p>
-            <a:pPr indent="-342900" lvl="0" marL="457200" rtl="0" algn="l">
+            <a:pPr marL="457200" lvl="0" indent="-342900" algn="l" rtl="0">
               <a:spcBef>
                 <a:spcPts val="0"/>
               </a:spcBef>
@@ -7291,7 +8742,7 @@
             <a:endParaRPr/>
           </a:p>
           <a:p>
-            <a:pPr indent="-342900" lvl="0" marL="457200" rtl="0" algn="l">
+            <a:pPr marL="457200" lvl="0" indent="-342900" algn="l" rtl="0">
               <a:spcBef>
                 <a:spcPts val="0"/>
               </a:spcBef>
@@ -7303,12 +8754,12 @@
             </a:pPr>
             <a:r>
               <a:rPr lang="en-GB"/>
-              <a:t>Better scores</a:t>
+              <a:t>Less data</a:t>
             </a:r>
             <a:endParaRPr/>
           </a:p>
           <a:p>
-            <a:pPr indent="-342900" lvl="0" marL="457200" rtl="0" algn="l">
+            <a:pPr marL="457200" lvl="0" indent="-342900" algn="l" rtl="0">
               <a:spcBef>
                 <a:spcPts val="0"/>
               </a:spcBef>
@@ -7320,12 +8771,12 @@
             </a:pPr>
             <a:r>
               <a:rPr lang="en-GB"/>
-              <a:t>Less uncertainty</a:t>
+              <a:t>Smaller uncertainty</a:t>
             </a:r>
             <a:endParaRPr/>
           </a:p>
           <a:p>
-            <a:pPr indent="0" lvl="0" marL="457200" rtl="0" algn="l">
+            <a:pPr marL="457200" lvl="0" indent="0" algn="l" rtl="0">
               <a:spcBef>
                 <a:spcPts val="1200"/>
               </a:spcBef>
@@ -7334,13 +8785,10 @@
               </a:spcAft>
               <a:buNone/>
             </a:pPr>
-            <a:r>
-              <a:t/>
-            </a:r>
             <a:endParaRPr/>
           </a:p>
           <a:p>
-            <a:pPr indent="0" lvl="0" marL="457200" rtl="0" algn="l">
+            <a:pPr marL="457200" lvl="0" indent="0" algn="l" rtl="0">
               <a:spcBef>
                 <a:spcPts val="1200"/>
               </a:spcBef>
@@ -7349,16 +8797,13 @@
               </a:spcAft>
               <a:buNone/>
             </a:pPr>
-            <a:r>
-              <a:t/>
-            </a:r>
             <a:endParaRPr/>
           </a:p>
         </p:txBody>
       </p:sp>
       <p:cxnSp>
         <p:nvCxnSpPr>
-          <p:cNvPr id="94" name="Google Shape;94;p18"/>
+          <p:cNvPr id="96" name="Google Shape;96;p18"/>
           <p:cNvCxnSpPr/>
           <p:nvPr/>
         </p:nvCxnSpPr>
@@ -7371,20 +8816,20 @@
             <a:avLst/>
           </a:prstGeom>
           <a:noFill/>
-          <a:ln cap="flat" cmpd="sng" w="19050">
+          <a:ln w="19050" cap="flat" cmpd="sng">
             <a:solidFill>
               <a:srgbClr val="EE1208"/>
             </a:solidFill>
             <a:prstDash val="solid"/>
             <a:round/>
-            <a:headEnd len="med" w="med" type="none"/>
-            <a:tailEnd len="med" w="med" type="none"/>
+            <a:headEnd type="none" w="med" len="med"/>
+            <a:tailEnd type="none" w="med" len="med"/>
           </a:ln>
         </p:spPr>
       </p:cxnSp>
       <p:pic>
         <p:nvPicPr>
-          <p:cNvPr id="95" name="Google Shape;95;p18"/>
+          <p:cNvPr id="97" name="Google Shape;97;p18"/>
           <p:cNvPicPr preferRelativeResize="0"/>
           <p:nvPr/>
         </p:nvPicPr>
@@ -7398,8 +8843,8 @@
         </p:blipFill>
         <p:spPr>
           <a:xfrm>
-            <a:off x="2649600" y="960813"/>
-            <a:ext cx="6494474" cy="3221876"/>
+            <a:off x="2833325" y="1178075"/>
+            <a:ext cx="5941775" cy="2947675"/>
           </a:xfrm>
           <a:prstGeom prst="rect">
             <a:avLst/>
@@ -7419,7 +8864,288 @@
 </file>
 
 <file path=ppt/theme/theme1.xml><?xml version="1.0" encoding="utf-8"?>
-<a:theme xmlns:a="http://schemas.openxmlformats.org/drawingml/2006/main" xmlns:r="http://schemas.openxmlformats.org/officeDocument/2006/relationships">
+<a:theme xmlns:a="http://schemas.openxmlformats.org/drawingml/2006/main" name="Simple Light">
+  <a:themeElements>
+    <a:clrScheme name="Simple Light">
+      <a:dk1>
+        <a:srgbClr val="000000"/>
+      </a:dk1>
+      <a:lt1>
+        <a:srgbClr val="FFFFFF"/>
+      </a:lt1>
+      <a:dk2>
+        <a:srgbClr val="595959"/>
+      </a:dk2>
+      <a:lt2>
+        <a:srgbClr val="EEEEEE"/>
+      </a:lt2>
+      <a:accent1>
+        <a:srgbClr val="4285F4"/>
+      </a:accent1>
+      <a:accent2>
+        <a:srgbClr val="212121"/>
+      </a:accent2>
+      <a:accent3>
+        <a:srgbClr val="78909C"/>
+      </a:accent3>
+      <a:accent4>
+        <a:srgbClr val="FFAB40"/>
+      </a:accent4>
+      <a:accent5>
+        <a:srgbClr val="0097A7"/>
+      </a:accent5>
+      <a:accent6>
+        <a:srgbClr val="EEFF41"/>
+      </a:accent6>
+      <a:hlink>
+        <a:srgbClr val="0097A7"/>
+      </a:hlink>
+      <a:folHlink>
+        <a:srgbClr val="0097A7"/>
+      </a:folHlink>
+    </a:clrScheme>
+    <a:fontScheme name="Office">
+      <a:majorFont>
+        <a:latin typeface="Arial"/>
+        <a:ea typeface=""/>
+        <a:cs typeface=""/>
+        <a:font script="Jpan" typeface="ＭＳ Ｐゴシック"/>
+        <a:font script="Hang" typeface="맑은 고딕"/>
+        <a:font script="Hans" typeface="宋体"/>
+        <a:font script="Hant" typeface="新細明體"/>
+        <a:font script="Arab" typeface="Times New Roman"/>
+        <a:font script="Hebr" typeface="Times New Roman"/>
+        <a:font script="Thai" typeface="Angsana New"/>
+        <a:font script="Ethi" typeface="Nyala"/>
+        <a:font script="Beng" typeface="Vrinda"/>
+        <a:font script="Gujr" typeface="Shruti"/>
+        <a:font script="Khmr" typeface="MoolBoran"/>
+        <a:font script="Knda" typeface="Tunga"/>
+        <a:font script="Guru" typeface="Raavi"/>
+        <a:font script="Cans" typeface="Euphemia"/>
+        <a:font script="Cher" typeface="Plantagenet Cherokee"/>
+        <a:font script="Yiii" typeface="Microsoft Yi Baiti"/>
+        <a:font script="Tibt" typeface="Microsoft Himalaya"/>
+        <a:font script="Thaa" typeface="MV Boli"/>
+        <a:font script="Deva" typeface="Mangal"/>
+        <a:font script="Telu" typeface="Gautami"/>
+        <a:font script="Taml" typeface="Latha"/>
+        <a:font script="Syrc" typeface="Estrangelo Edessa"/>
+        <a:font script="Orya" typeface="Kalinga"/>
+        <a:font script="Mlym" typeface="Kartika"/>
+        <a:font script="Laoo" typeface="DokChampa"/>
+        <a:font script="Sinh" typeface="Iskoola Pota"/>
+        <a:font script="Mong" typeface="Mongolian Baiti"/>
+        <a:font script="Viet" typeface="Times New Roman"/>
+        <a:font script="Uigh" typeface="Microsoft Uighur"/>
+        <a:font script="Geor" typeface="Sylfaen"/>
+      </a:majorFont>
+      <a:minorFont>
+        <a:latin typeface="Arial"/>
+        <a:ea typeface=""/>
+        <a:cs typeface=""/>
+        <a:font script="Jpan" typeface="ＭＳ Ｐゴシック"/>
+        <a:font script="Hang" typeface="맑은 고딕"/>
+        <a:font script="Hans" typeface="宋体"/>
+        <a:font script="Hant" typeface="新細明體"/>
+        <a:font script="Arab" typeface="Arial"/>
+        <a:font script="Hebr" typeface="Arial"/>
+        <a:font script="Thai" typeface="Cordia New"/>
+        <a:font script="Ethi" typeface="Nyala"/>
+        <a:font script="Beng" typeface="Vrinda"/>
+        <a:font script="Gujr" typeface="Shruti"/>
+        <a:font script="Khmr" typeface="DaunPenh"/>
+        <a:font script="Knda" typeface="Tunga"/>
+        <a:font script="Guru" typeface="Raavi"/>
+        <a:font script="Cans" typeface="Euphemia"/>
+        <a:font script="Cher" typeface="Plantagenet Cherokee"/>
+        <a:font script="Yiii" typeface="Microsoft Yi Baiti"/>
+        <a:font script="Tibt" typeface="Microsoft Himalaya"/>
+        <a:font script="Thaa" typeface="MV Boli"/>
+        <a:font script="Deva" typeface="Mangal"/>
+        <a:font script="Telu" typeface="Gautami"/>
+        <a:font script="Taml" typeface="Latha"/>
+        <a:font script="Syrc" typeface="Estrangelo Edessa"/>
+        <a:font script="Orya" typeface="Kalinga"/>
+        <a:font script="Mlym" typeface="Kartika"/>
+        <a:font script="Laoo" typeface="DokChampa"/>
+        <a:font script="Sinh" typeface="Iskoola Pota"/>
+        <a:font script="Mong" typeface="Mongolian Baiti"/>
+        <a:font script="Viet" typeface="Arial"/>
+        <a:font script="Uigh" typeface="Microsoft Uighur"/>
+        <a:font script="Geor" typeface="Sylfaen"/>
+      </a:minorFont>
+    </a:fontScheme>
+    <a:fmtScheme name="Office">
+      <a:fillStyleLst>
+        <a:solidFill>
+          <a:schemeClr val="phClr"/>
+        </a:solidFill>
+        <a:gradFill rotWithShape="1">
+          <a:gsLst>
+            <a:gs pos="0">
+              <a:schemeClr val="phClr">
+                <a:tint val="50000"/>
+                <a:satMod val="300000"/>
+              </a:schemeClr>
+            </a:gs>
+            <a:gs pos="35000">
+              <a:schemeClr val="phClr">
+                <a:tint val="37000"/>
+                <a:satMod val="300000"/>
+              </a:schemeClr>
+            </a:gs>
+            <a:gs pos="100000">
+              <a:schemeClr val="phClr">
+                <a:tint val="15000"/>
+                <a:satMod val="350000"/>
+              </a:schemeClr>
+            </a:gs>
+          </a:gsLst>
+          <a:lin ang="16200000" scaled="1"/>
+        </a:gradFill>
+        <a:gradFill rotWithShape="1">
+          <a:gsLst>
+            <a:gs pos="0">
+              <a:schemeClr val="phClr">
+                <a:tint val="100000"/>
+                <a:shade val="100000"/>
+                <a:satMod val="130000"/>
+              </a:schemeClr>
+            </a:gs>
+            <a:gs pos="100000">
+              <a:schemeClr val="phClr">
+                <a:tint val="50000"/>
+                <a:shade val="100000"/>
+                <a:satMod val="350000"/>
+              </a:schemeClr>
+            </a:gs>
+          </a:gsLst>
+          <a:lin ang="16200000" scaled="0"/>
+        </a:gradFill>
+      </a:fillStyleLst>
+      <a:lnStyleLst>
+        <a:ln w="9525" cap="flat" cmpd="sng" algn="ctr">
+          <a:solidFill>
+            <a:schemeClr val="phClr">
+              <a:shade val="95000"/>
+              <a:satMod val="105000"/>
+            </a:schemeClr>
+          </a:solidFill>
+          <a:prstDash val="solid"/>
+        </a:ln>
+        <a:ln w="25400" cap="flat" cmpd="sng" algn="ctr">
+          <a:solidFill>
+            <a:schemeClr val="phClr"/>
+          </a:solidFill>
+          <a:prstDash val="solid"/>
+        </a:ln>
+        <a:ln w="38100" cap="flat" cmpd="sng" algn="ctr">
+          <a:solidFill>
+            <a:schemeClr val="phClr"/>
+          </a:solidFill>
+          <a:prstDash val="solid"/>
+        </a:ln>
+      </a:lnStyleLst>
+      <a:effectStyleLst>
+        <a:effectStyle>
+          <a:effectLst>
+            <a:outerShdw blurRad="40000" dist="20000" dir="5400000" rotWithShape="0">
+              <a:srgbClr val="000000">
+                <a:alpha val="38000"/>
+              </a:srgbClr>
+            </a:outerShdw>
+          </a:effectLst>
+        </a:effectStyle>
+        <a:effectStyle>
+          <a:effectLst>
+            <a:outerShdw blurRad="40000" dist="23000" dir="5400000" rotWithShape="0">
+              <a:srgbClr val="000000">
+                <a:alpha val="35000"/>
+              </a:srgbClr>
+            </a:outerShdw>
+          </a:effectLst>
+        </a:effectStyle>
+        <a:effectStyle>
+          <a:effectLst>
+            <a:outerShdw blurRad="40000" dist="23000" dir="5400000" rotWithShape="0">
+              <a:srgbClr val="000000">
+                <a:alpha val="35000"/>
+              </a:srgbClr>
+            </a:outerShdw>
+          </a:effectLst>
+          <a:scene3d>
+            <a:camera prst="orthographicFront">
+              <a:rot lat="0" lon="0" rev="0"/>
+            </a:camera>
+            <a:lightRig rig="threePt" dir="t">
+              <a:rot lat="0" lon="0" rev="1200000"/>
+            </a:lightRig>
+          </a:scene3d>
+          <a:sp3d>
+            <a:bevelT w="63500" h="25400"/>
+          </a:sp3d>
+        </a:effectStyle>
+      </a:effectStyleLst>
+      <a:bgFillStyleLst>
+        <a:solidFill>
+          <a:schemeClr val="phClr"/>
+        </a:solidFill>
+        <a:gradFill rotWithShape="1">
+          <a:gsLst>
+            <a:gs pos="0">
+              <a:schemeClr val="phClr">
+                <a:tint val="40000"/>
+                <a:satMod val="350000"/>
+              </a:schemeClr>
+            </a:gs>
+            <a:gs pos="40000">
+              <a:schemeClr val="phClr">
+                <a:tint val="45000"/>
+                <a:shade val="99000"/>
+                <a:satMod val="350000"/>
+              </a:schemeClr>
+            </a:gs>
+            <a:gs pos="100000">
+              <a:schemeClr val="phClr">
+                <a:shade val="20000"/>
+                <a:satMod val="255000"/>
+              </a:schemeClr>
+            </a:gs>
+          </a:gsLst>
+          <a:path path="circle">
+            <a:fillToRect l="50000" t="-80000" r="50000" b="180000"/>
+          </a:path>
+        </a:gradFill>
+        <a:gradFill rotWithShape="1">
+          <a:gsLst>
+            <a:gs pos="0">
+              <a:schemeClr val="phClr">
+                <a:tint val="80000"/>
+                <a:satMod val="300000"/>
+              </a:schemeClr>
+            </a:gs>
+            <a:gs pos="100000">
+              <a:schemeClr val="phClr">
+                <a:shade val="30000"/>
+                <a:satMod val="200000"/>
+              </a:schemeClr>
+            </a:gs>
+          </a:gsLst>
+          <a:path path="circle">
+            <a:fillToRect l="50000" t="50000" r="50000" b="50000"/>
+          </a:path>
+        </a:gradFill>
+      </a:bgFillStyleLst>
+    </a:fmtScheme>
+  </a:themeElements>
+  <a:objectDefaults/>
+  <a:extraClrSchemeLst/>
+</a:theme>
+</file>
+
+<file path=ppt/theme/theme2.xml><?xml version="1.0" encoding="utf-8"?>
+<a:theme xmlns:a="http://schemas.openxmlformats.org/drawingml/2006/main">
   <a:themeElements>
     <a:clrScheme name="Default">
       <a:dk1>
@@ -7694,284 +9420,7 @@
       </a:bgFillStyleLst>
     </a:fmtScheme>
   </a:themeElements>
-</a:theme>
-</file>
-
-<file path=ppt/theme/theme2.xml><?xml version="1.0" encoding="utf-8"?>
-<a:theme xmlns:a="http://schemas.openxmlformats.org/drawingml/2006/main" xmlns:r="http://schemas.openxmlformats.org/officeDocument/2006/relationships" name="Simple Light">
-  <a:themeElements>
-    <a:clrScheme name="Simple Light">
-      <a:dk1>
-        <a:srgbClr val="000000"/>
-      </a:dk1>
-      <a:lt1>
-        <a:srgbClr val="FFFFFF"/>
-      </a:lt1>
-      <a:dk2>
-        <a:srgbClr val="595959"/>
-      </a:dk2>
-      <a:lt2>
-        <a:srgbClr val="EEEEEE"/>
-      </a:lt2>
-      <a:accent1>
-        <a:srgbClr val="4285F4"/>
-      </a:accent1>
-      <a:accent2>
-        <a:srgbClr val="212121"/>
-      </a:accent2>
-      <a:accent3>
-        <a:srgbClr val="78909C"/>
-      </a:accent3>
-      <a:accent4>
-        <a:srgbClr val="FFAB40"/>
-      </a:accent4>
-      <a:accent5>
-        <a:srgbClr val="0097A7"/>
-      </a:accent5>
-      <a:accent6>
-        <a:srgbClr val="EEFF41"/>
-      </a:accent6>
-      <a:hlink>
-        <a:srgbClr val="0097A7"/>
-      </a:hlink>
-      <a:folHlink>
-        <a:srgbClr val="0097A7"/>
-      </a:folHlink>
-    </a:clrScheme>
-    <a:fontScheme name="Office">
-      <a:majorFont>
-        <a:latin typeface="Arial"/>
-        <a:ea typeface=""/>
-        <a:cs typeface=""/>
-        <a:font script="Jpan" typeface="ＭＳ Ｐゴシック"/>
-        <a:font script="Hang" typeface="맑은 고딕"/>
-        <a:font script="Hans" typeface="宋体"/>
-        <a:font script="Hant" typeface="新細明體"/>
-        <a:font script="Arab" typeface="Times New Roman"/>
-        <a:font script="Hebr" typeface="Times New Roman"/>
-        <a:font script="Thai" typeface="Angsana New"/>
-        <a:font script="Ethi" typeface="Nyala"/>
-        <a:font script="Beng" typeface="Vrinda"/>
-        <a:font script="Gujr" typeface="Shruti"/>
-        <a:font script="Khmr" typeface="MoolBoran"/>
-        <a:font script="Knda" typeface="Tunga"/>
-        <a:font script="Guru" typeface="Raavi"/>
-        <a:font script="Cans" typeface="Euphemia"/>
-        <a:font script="Cher" typeface="Plantagenet Cherokee"/>
-        <a:font script="Yiii" typeface="Microsoft Yi Baiti"/>
-        <a:font script="Tibt" typeface="Microsoft Himalaya"/>
-        <a:font script="Thaa" typeface="MV Boli"/>
-        <a:font script="Deva" typeface="Mangal"/>
-        <a:font script="Telu" typeface="Gautami"/>
-        <a:font script="Taml" typeface="Latha"/>
-        <a:font script="Syrc" typeface="Estrangelo Edessa"/>
-        <a:font script="Orya" typeface="Kalinga"/>
-        <a:font script="Mlym" typeface="Kartika"/>
-        <a:font script="Laoo" typeface="DokChampa"/>
-        <a:font script="Sinh" typeface="Iskoola Pota"/>
-        <a:font script="Mong" typeface="Mongolian Baiti"/>
-        <a:font script="Viet" typeface="Times New Roman"/>
-        <a:font script="Uigh" typeface="Microsoft Uighur"/>
-        <a:font script="Geor" typeface="Sylfaen"/>
-      </a:majorFont>
-      <a:minorFont>
-        <a:latin typeface="Arial"/>
-        <a:ea typeface=""/>
-        <a:cs typeface=""/>
-        <a:font script="Jpan" typeface="ＭＳ Ｐゴシック"/>
-        <a:font script="Hang" typeface="맑은 고딕"/>
-        <a:font script="Hans" typeface="宋体"/>
-        <a:font script="Hant" typeface="新細明體"/>
-        <a:font script="Arab" typeface="Arial"/>
-        <a:font script="Hebr" typeface="Arial"/>
-        <a:font script="Thai" typeface="Cordia New"/>
-        <a:font script="Ethi" typeface="Nyala"/>
-        <a:font script="Beng" typeface="Vrinda"/>
-        <a:font script="Gujr" typeface="Shruti"/>
-        <a:font script="Khmr" typeface="DaunPenh"/>
-        <a:font script="Knda" typeface="Tunga"/>
-        <a:font script="Guru" typeface="Raavi"/>
-        <a:font script="Cans" typeface="Euphemia"/>
-        <a:font script="Cher" typeface="Plantagenet Cherokee"/>
-        <a:font script="Yiii" typeface="Microsoft Yi Baiti"/>
-        <a:font script="Tibt" typeface="Microsoft Himalaya"/>
-        <a:font script="Thaa" typeface="MV Boli"/>
-        <a:font script="Deva" typeface="Mangal"/>
-        <a:font script="Telu" typeface="Gautami"/>
-        <a:font script="Taml" typeface="Latha"/>
-        <a:font script="Syrc" typeface="Estrangelo Edessa"/>
-        <a:font script="Orya" typeface="Kalinga"/>
-        <a:font script="Mlym" typeface="Kartika"/>
-        <a:font script="Laoo" typeface="DokChampa"/>
-        <a:font script="Sinh" typeface="Iskoola Pota"/>
-        <a:font script="Mong" typeface="Mongolian Baiti"/>
-        <a:font script="Viet" typeface="Arial"/>
-        <a:font script="Uigh" typeface="Microsoft Uighur"/>
-        <a:font script="Geor" typeface="Sylfaen"/>
-      </a:minorFont>
-    </a:fontScheme>
-    <a:fmtScheme name="Office">
-      <a:fillStyleLst>
-        <a:solidFill>
-          <a:schemeClr val="phClr"/>
-        </a:solidFill>
-        <a:gradFill rotWithShape="1">
-          <a:gsLst>
-            <a:gs pos="0">
-              <a:schemeClr val="phClr">
-                <a:tint val="50000"/>
-                <a:satMod val="300000"/>
-              </a:schemeClr>
-            </a:gs>
-            <a:gs pos="35000">
-              <a:schemeClr val="phClr">
-                <a:tint val="37000"/>
-                <a:satMod val="300000"/>
-              </a:schemeClr>
-            </a:gs>
-            <a:gs pos="100000">
-              <a:schemeClr val="phClr">
-                <a:tint val="15000"/>
-                <a:satMod val="350000"/>
-              </a:schemeClr>
-            </a:gs>
-          </a:gsLst>
-          <a:lin ang="16200000" scaled="1"/>
-        </a:gradFill>
-        <a:gradFill rotWithShape="1">
-          <a:gsLst>
-            <a:gs pos="0">
-              <a:schemeClr val="phClr">
-                <a:tint val="100000"/>
-                <a:shade val="100000"/>
-                <a:satMod val="130000"/>
-              </a:schemeClr>
-            </a:gs>
-            <a:gs pos="100000">
-              <a:schemeClr val="phClr">
-                <a:tint val="50000"/>
-                <a:shade val="100000"/>
-                <a:satMod val="350000"/>
-              </a:schemeClr>
-            </a:gs>
-          </a:gsLst>
-          <a:lin ang="16200000" scaled="0"/>
-        </a:gradFill>
-      </a:fillStyleLst>
-      <a:lnStyleLst>
-        <a:ln w="9525" cap="flat" cmpd="sng" algn="ctr">
-          <a:solidFill>
-            <a:schemeClr val="phClr">
-              <a:shade val="95000"/>
-              <a:satMod val="105000"/>
-            </a:schemeClr>
-          </a:solidFill>
-          <a:prstDash val="solid"/>
-        </a:ln>
-        <a:ln w="25400" cap="flat" cmpd="sng" algn="ctr">
-          <a:solidFill>
-            <a:schemeClr val="phClr"/>
-          </a:solidFill>
-          <a:prstDash val="solid"/>
-        </a:ln>
-        <a:ln w="38100" cap="flat" cmpd="sng" algn="ctr">
-          <a:solidFill>
-            <a:schemeClr val="phClr"/>
-          </a:solidFill>
-          <a:prstDash val="solid"/>
-        </a:ln>
-      </a:lnStyleLst>
-      <a:effectStyleLst>
-        <a:effectStyle>
-          <a:effectLst>
-            <a:outerShdw blurRad="40000" dist="20000" dir="5400000" rotWithShape="0">
-              <a:srgbClr val="000000">
-                <a:alpha val="38000"/>
-              </a:srgbClr>
-            </a:outerShdw>
-          </a:effectLst>
-        </a:effectStyle>
-        <a:effectStyle>
-          <a:effectLst>
-            <a:outerShdw blurRad="40000" dist="23000" dir="5400000" rotWithShape="0">
-              <a:srgbClr val="000000">
-                <a:alpha val="35000"/>
-              </a:srgbClr>
-            </a:outerShdw>
-          </a:effectLst>
-        </a:effectStyle>
-        <a:effectStyle>
-          <a:effectLst>
-            <a:outerShdw blurRad="40000" dist="23000" dir="5400000" rotWithShape="0">
-              <a:srgbClr val="000000">
-                <a:alpha val="35000"/>
-              </a:srgbClr>
-            </a:outerShdw>
-          </a:effectLst>
-          <a:scene3d>
-            <a:camera prst="orthographicFront">
-              <a:rot lat="0" lon="0" rev="0"/>
-            </a:camera>
-            <a:lightRig rig="threePt" dir="t">
-              <a:rot lat="0" lon="0" rev="1200000"/>
-            </a:lightRig>
-          </a:scene3d>
-          <a:sp3d>
-            <a:bevelT w="63500" h="25400"/>
-          </a:sp3d>
-        </a:effectStyle>
-      </a:effectStyleLst>
-      <a:bgFillStyleLst>
-        <a:solidFill>
-          <a:schemeClr val="phClr"/>
-        </a:solidFill>
-        <a:gradFill rotWithShape="1">
-          <a:gsLst>
-            <a:gs pos="0">
-              <a:schemeClr val="phClr">
-                <a:tint val="40000"/>
-                <a:satMod val="350000"/>
-              </a:schemeClr>
-            </a:gs>
-            <a:gs pos="40000">
-              <a:schemeClr val="phClr">
-                <a:tint val="45000"/>
-                <a:shade val="99000"/>
-                <a:satMod val="350000"/>
-              </a:schemeClr>
-            </a:gs>
-            <a:gs pos="100000">
-              <a:schemeClr val="phClr">
-                <a:shade val="20000"/>
-                <a:satMod val="255000"/>
-              </a:schemeClr>
-            </a:gs>
-          </a:gsLst>
-          <a:path path="circle">
-            <a:fillToRect l="50000" t="-80000" r="50000" b="180000"/>
-          </a:path>
-        </a:gradFill>
-        <a:gradFill rotWithShape="1">
-          <a:gsLst>
-            <a:gs pos="0">
-              <a:schemeClr val="phClr">
-                <a:tint val="80000"/>
-                <a:satMod val="300000"/>
-              </a:schemeClr>
-            </a:gs>
-            <a:gs pos="100000">
-              <a:schemeClr val="phClr">
-                <a:shade val="30000"/>
-                <a:satMod val="200000"/>
-              </a:schemeClr>
-            </a:gs>
-          </a:gsLst>
-          <a:path path="circle">
-            <a:fillToRect l="50000" t="50000" r="50000" b="50000"/>
-          </a:path>
-        </a:gradFill>
-      </a:bgFillStyleLst>
-    </a:fmtScheme>
-  </a:themeElements>
+  <a:objectDefaults/>
+  <a:extraClrSchemeLst/>
 </a:theme>
 </file>